--- a/Presentation.pptx
+++ b/Presentation.pptx
@@ -9499,8 +9499,8 @@
         </p:blipFill>
         <p:spPr>
           <a:xfrm>
-            <a:off x="202600" y="2357327"/>
-            <a:ext cx="4251251" cy="830123"/>
+            <a:off x="4690150" y="2375587"/>
+            <a:ext cx="4251249" cy="811850"/>
           </a:xfrm>
           <a:prstGeom prst="rect">
             <a:avLst/>
@@ -9511,9 +9511,125 @@
           </a:ln>
         </p:spPr>
       </p:pic>
+      <p:sp>
+        <p:nvSpPr>
+          <p:cNvPr id="116" name="Google Shape;116;p19"/>
+          <p:cNvSpPr txBox="1"/>
+          <p:nvPr/>
+        </p:nvSpPr>
+        <p:spPr>
+          <a:xfrm>
+            <a:off x="1463175" y="2064425"/>
+            <a:ext cx="992100" cy="328200"/>
+          </a:xfrm>
+          <a:prstGeom prst="rect">
+            <a:avLst/>
+          </a:prstGeom>
+          <a:noFill/>
+          <a:ln>
+            <a:noFill/>
+          </a:ln>
+        </p:spPr>
+        <p:txBody>
+          <a:bodyPr anchorCtr="0" anchor="t" bIns="91425" lIns="91425" spcFirstLastPara="1" rIns="91425" wrap="square" tIns="91425">
+            <a:noAutofit/>
+          </a:bodyPr>
+          <a:lstStyle/>
+          <a:p>
+            <a:pPr indent="0" lvl="0" marL="0" rtl="0" algn="l">
+              <a:spcBef>
+                <a:spcPts val="0"/>
+              </a:spcBef>
+              <a:spcAft>
+                <a:spcPts val="0"/>
+              </a:spcAft>
+              <a:buNone/>
+            </a:pPr>
+            <a:r>
+              <a:rPr lang="en">
+                <a:solidFill>
+                  <a:srgbClr val="FFFFFF"/>
+                </a:solidFill>
+                <a:latin typeface="Roboto"/>
+                <a:ea typeface="Roboto"/>
+                <a:cs typeface="Roboto"/>
+                <a:sym typeface="Roboto"/>
+              </a:rPr>
+              <a:t>Min_MAX</a:t>
+            </a:r>
+            <a:endParaRPr>
+              <a:solidFill>
+                <a:srgbClr val="FFFFFF"/>
+              </a:solidFill>
+              <a:latin typeface="Roboto"/>
+              <a:ea typeface="Roboto"/>
+              <a:cs typeface="Roboto"/>
+              <a:sym typeface="Roboto"/>
+            </a:endParaRPr>
+          </a:p>
+        </p:txBody>
+      </p:sp>
+      <p:sp>
+        <p:nvSpPr>
+          <p:cNvPr id="117" name="Google Shape;117;p19"/>
+          <p:cNvSpPr txBox="1"/>
+          <p:nvPr/>
+        </p:nvSpPr>
+        <p:spPr>
+          <a:xfrm>
+            <a:off x="6319725" y="2064425"/>
+            <a:ext cx="1628400" cy="328200"/>
+          </a:xfrm>
+          <a:prstGeom prst="rect">
+            <a:avLst/>
+          </a:prstGeom>
+          <a:noFill/>
+          <a:ln>
+            <a:noFill/>
+          </a:ln>
+        </p:spPr>
+        <p:txBody>
+          <a:bodyPr anchorCtr="0" anchor="t" bIns="91425" lIns="91425" spcFirstLastPara="1" rIns="91425" wrap="square" tIns="91425">
+            <a:noAutofit/>
+          </a:bodyPr>
+          <a:lstStyle/>
+          <a:p>
+            <a:pPr indent="0" lvl="0" marL="0" rtl="0" algn="l">
+              <a:spcBef>
+                <a:spcPts val="0"/>
+              </a:spcBef>
+              <a:spcAft>
+                <a:spcPts val="0"/>
+              </a:spcAft>
+              <a:buNone/>
+            </a:pPr>
+            <a:r>
+              <a:rPr lang="en">
+                <a:solidFill>
+                  <a:srgbClr val="FFFFFF"/>
+                </a:solidFill>
+                <a:latin typeface="Roboto"/>
+                <a:ea typeface="Roboto"/>
+                <a:cs typeface="Roboto"/>
+                <a:sym typeface="Roboto"/>
+              </a:rPr>
+              <a:t>Standard Scalar</a:t>
+            </a:r>
+            <a:endParaRPr>
+              <a:solidFill>
+                <a:srgbClr val="FFFFFF"/>
+              </a:solidFill>
+              <a:latin typeface="Roboto"/>
+              <a:ea typeface="Roboto"/>
+              <a:cs typeface="Roboto"/>
+              <a:sym typeface="Roboto"/>
+            </a:endParaRPr>
+          </a:p>
+        </p:txBody>
+      </p:sp>
       <p:pic>
         <p:nvPicPr>
-          <p:cNvPr id="116" name="Google Shape;116;p19"/>
+          <p:cNvPr id="118" name="Google Shape;118;p19"/>
           <p:cNvPicPr preferRelativeResize="0"/>
           <p:nvPr/>
         </p:nvPicPr>
@@ -9527,8 +9643,8 @@
         </p:blipFill>
         <p:spPr>
           <a:xfrm>
-            <a:off x="4690150" y="2375587"/>
-            <a:ext cx="4251249" cy="811850"/>
+            <a:off x="387899" y="2392625"/>
+            <a:ext cx="4129212" cy="811875"/>
           </a:xfrm>
           <a:prstGeom prst="rect">
             <a:avLst/>
@@ -9539,122 +9655,6 @@
           </a:ln>
         </p:spPr>
       </p:pic>
-      <p:sp>
-        <p:nvSpPr>
-          <p:cNvPr id="117" name="Google Shape;117;p19"/>
-          <p:cNvSpPr txBox="1"/>
-          <p:nvPr/>
-        </p:nvSpPr>
-        <p:spPr>
-          <a:xfrm>
-            <a:off x="1463175" y="2064425"/>
-            <a:ext cx="992100" cy="328200"/>
-          </a:xfrm>
-          <a:prstGeom prst="rect">
-            <a:avLst/>
-          </a:prstGeom>
-          <a:noFill/>
-          <a:ln>
-            <a:noFill/>
-          </a:ln>
-        </p:spPr>
-        <p:txBody>
-          <a:bodyPr anchorCtr="0" anchor="t" bIns="91425" lIns="91425" spcFirstLastPara="1" rIns="91425" wrap="square" tIns="91425">
-            <a:noAutofit/>
-          </a:bodyPr>
-          <a:lstStyle/>
-          <a:p>
-            <a:pPr indent="0" lvl="0" marL="0" rtl="0" algn="l">
-              <a:spcBef>
-                <a:spcPts val="0"/>
-              </a:spcBef>
-              <a:spcAft>
-                <a:spcPts val="0"/>
-              </a:spcAft>
-              <a:buNone/>
-            </a:pPr>
-            <a:r>
-              <a:rPr lang="en">
-                <a:solidFill>
-                  <a:srgbClr val="FFFFFF"/>
-                </a:solidFill>
-                <a:latin typeface="Roboto"/>
-                <a:ea typeface="Roboto"/>
-                <a:cs typeface="Roboto"/>
-                <a:sym typeface="Roboto"/>
-              </a:rPr>
-              <a:t>Min_MAX</a:t>
-            </a:r>
-            <a:endParaRPr>
-              <a:solidFill>
-                <a:srgbClr val="FFFFFF"/>
-              </a:solidFill>
-              <a:latin typeface="Roboto"/>
-              <a:ea typeface="Roboto"/>
-              <a:cs typeface="Roboto"/>
-              <a:sym typeface="Roboto"/>
-            </a:endParaRPr>
-          </a:p>
-        </p:txBody>
-      </p:sp>
-      <p:sp>
-        <p:nvSpPr>
-          <p:cNvPr id="118" name="Google Shape;118;p19"/>
-          <p:cNvSpPr txBox="1"/>
-          <p:nvPr/>
-        </p:nvSpPr>
-        <p:spPr>
-          <a:xfrm>
-            <a:off x="6319725" y="2064425"/>
-            <a:ext cx="1628400" cy="328200"/>
-          </a:xfrm>
-          <a:prstGeom prst="rect">
-            <a:avLst/>
-          </a:prstGeom>
-          <a:noFill/>
-          <a:ln>
-            <a:noFill/>
-          </a:ln>
-        </p:spPr>
-        <p:txBody>
-          <a:bodyPr anchorCtr="0" anchor="t" bIns="91425" lIns="91425" spcFirstLastPara="1" rIns="91425" wrap="square" tIns="91425">
-            <a:noAutofit/>
-          </a:bodyPr>
-          <a:lstStyle/>
-          <a:p>
-            <a:pPr indent="0" lvl="0" marL="0" rtl="0" algn="l">
-              <a:spcBef>
-                <a:spcPts val="0"/>
-              </a:spcBef>
-              <a:spcAft>
-                <a:spcPts val="0"/>
-              </a:spcAft>
-              <a:buNone/>
-            </a:pPr>
-            <a:r>
-              <a:rPr lang="en">
-                <a:solidFill>
-                  <a:srgbClr val="FFFFFF"/>
-                </a:solidFill>
-                <a:latin typeface="Roboto"/>
-                <a:ea typeface="Roboto"/>
-                <a:cs typeface="Roboto"/>
-                <a:sym typeface="Roboto"/>
-              </a:rPr>
-              <a:t>Standard Scalar</a:t>
-            </a:r>
-            <a:endParaRPr>
-              <a:solidFill>
-                <a:srgbClr val="FFFFFF"/>
-              </a:solidFill>
-              <a:latin typeface="Roboto"/>
-              <a:ea typeface="Roboto"/>
-              <a:cs typeface="Roboto"/>
-              <a:sym typeface="Roboto"/>
-            </a:endParaRPr>
-          </a:p>
-        </p:txBody>
-      </p:sp>
       <p:pic>
         <p:nvPicPr>
           <p:cNvPr id="119" name="Google Shape;119;p19"/>
@@ -9671,8 +9671,8 @@
         </p:blipFill>
         <p:spPr>
           <a:xfrm>
-            <a:off x="2349375" y="3249925"/>
-            <a:ext cx="2112176" cy="1830980"/>
+            <a:off x="2590100" y="3304850"/>
+            <a:ext cx="1926999" cy="1734899"/>
           </a:xfrm>
           <a:prstGeom prst="rect">
             <a:avLst/>
@@ -9854,6 +9854,23 @@
             <a:endParaRPr sz="1200"/>
           </a:p>
           <a:p>
+            <a:pPr indent="-304800" lvl="0" marL="457200" rtl="0" algn="l">
+              <a:spcBef>
+                <a:spcPts val="0"/>
+              </a:spcBef>
+              <a:spcAft>
+                <a:spcPts val="0"/>
+              </a:spcAft>
+              <a:buSzPts val="1200"/>
+              <a:buChar char="●"/>
+            </a:pPr>
+            <a:r>
+              <a:rPr lang="en" sz="1200"/>
+              <a:t>Predictive models are quite poor at predicting positive class without rebalancing of the dataset</a:t>
+            </a:r>
+            <a:endParaRPr sz="1200"/>
+          </a:p>
+          <a:p>
             <a:pPr indent="0" lvl="0" marL="0" rtl="0" algn="l">
               <a:spcBef>
                 <a:spcPts val="1600"/>
@@ -9883,6 +9900,23 @@
             <a:r>
               <a:rPr lang="en" sz="1200"/>
               <a:t>Look at variable importance to the model</a:t>
+            </a:r>
+            <a:endParaRPr sz="1200"/>
+          </a:p>
+          <a:p>
+            <a:pPr indent="-304800" lvl="0" marL="457200" rtl="0" algn="l">
+              <a:spcBef>
+                <a:spcPts val="0"/>
+              </a:spcBef>
+              <a:spcAft>
+                <a:spcPts val="0"/>
+              </a:spcAft>
+              <a:buSzPts val="1200"/>
+              <a:buChar char="●"/>
+            </a:pPr>
+            <a:r>
+              <a:rPr lang="en" sz="1200"/>
+              <a:t>Further dig into how different career options affect income using visualisations</a:t>
             </a:r>
             <a:endParaRPr sz="1200"/>
           </a:p>
@@ -10124,6 +10158,285 @@
 </file>
 
 <file path=ppt/theme/theme1.xml><?xml version="1.0" encoding="utf-8"?>
+<a:theme xmlns:a="http://schemas.openxmlformats.org/drawingml/2006/main" xmlns:r="http://schemas.openxmlformats.org/officeDocument/2006/relationships" name="Marina">
+  <a:themeElements>
+    <a:clrScheme name="Marina">
+      <a:dk1>
+        <a:srgbClr val="FFFFFF"/>
+      </a:dk1>
+      <a:lt1>
+        <a:srgbClr val="00517C"/>
+      </a:lt1>
+      <a:dk2>
+        <a:srgbClr val="004065"/>
+      </a:dk2>
+      <a:lt2>
+        <a:srgbClr val="CFD8DC"/>
+      </a:lt2>
+      <a:accent1>
+        <a:srgbClr val="0277BD"/>
+      </a:accent1>
+      <a:accent2>
+        <a:srgbClr val="558B2F"/>
+      </a:accent2>
+      <a:accent3>
+        <a:srgbClr val="009688"/>
+      </a:accent3>
+      <a:accent4>
+        <a:srgbClr val="039BE5"/>
+      </a:accent4>
+      <a:accent5>
+        <a:srgbClr val="8BC34A"/>
+      </a:accent5>
+      <a:accent6>
+        <a:srgbClr val="FFEB38"/>
+      </a:accent6>
+      <a:hlink>
+        <a:srgbClr val="8BC34A"/>
+      </a:hlink>
+      <a:folHlink>
+        <a:srgbClr val="8BC34A"/>
+      </a:folHlink>
+    </a:clrScheme>
+    <a:fontScheme name="Office">
+      <a:majorFont>
+        <a:latin typeface="Arial"/>
+        <a:ea typeface=""/>
+        <a:cs typeface=""/>
+        <a:font script="Jpan" typeface="ＭＳ Ｐゴシック"/>
+        <a:font script="Hang" typeface="맑은 고딕"/>
+        <a:font script="Hans" typeface="宋体"/>
+        <a:font script="Hant" typeface="新細明體"/>
+        <a:font script="Arab" typeface="Times New Roman"/>
+        <a:font script="Hebr" typeface="Times New Roman"/>
+        <a:font script="Thai" typeface="Angsana New"/>
+        <a:font script="Ethi" typeface="Nyala"/>
+        <a:font script="Beng" typeface="Vrinda"/>
+        <a:font script="Gujr" typeface="Shruti"/>
+        <a:font script="Khmr" typeface="MoolBoran"/>
+        <a:font script="Knda" typeface="Tunga"/>
+        <a:font script="Guru" typeface="Raavi"/>
+        <a:font script="Cans" typeface="Euphemia"/>
+        <a:font script="Cher" typeface="Plantagenet Cherokee"/>
+        <a:font script="Yiii" typeface="Microsoft Yi Baiti"/>
+        <a:font script="Tibt" typeface="Microsoft Himalaya"/>
+        <a:font script="Thaa" typeface="MV Boli"/>
+        <a:font script="Deva" typeface="Mangal"/>
+        <a:font script="Telu" typeface="Gautami"/>
+        <a:font script="Taml" typeface="Latha"/>
+        <a:font script="Syrc" typeface="Estrangelo Edessa"/>
+        <a:font script="Orya" typeface="Kalinga"/>
+        <a:font script="Mlym" typeface="Kartika"/>
+        <a:font script="Laoo" typeface="DokChampa"/>
+        <a:font script="Sinh" typeface="Iskoola Pota"/>
+        <a:font script="Mong" typeface="Mongolian Baiti"/>
+        <a:font script="Viet" typeface="Times New Roman"/>
+        <a:font script="Uigh" typeface="Microsoft Uighur"/>
+        <a:font script="Geor" typeface="Sylfaen"/>
+      </a:majorFont>
+      <a:minorFont>
+        <a:latin typeface="Arial"/>
+        <a:ea typeface=""/>
+        <a:cs typeface=""/>
+        <a:font script="Jpan" typeface="ＭＳ Ｐゴシック"/>
+        <a:font script="Hang" typeface="맑은 고딕"/>
+        <a:font script="Hans" typeface="宋体"/>
+        <a:font script="Hant" typeface="新細明體"/>
+        <a:font script="Arab" typeface="Arial"/>
+        <a:font script="Hebr" typeface="Arial"/>
+        <a:font script="Thai" typeface="Cordia New"/>
+        <a:font script="Ethi" typeface="Nyala"/>
+        <a:font script="Beng" typeface="Vrinda"/>
+        <a:font script="Gujr" typeface="Shruti"/>
+        <a:font script="Khmr" typeface="DaunPenh"/>
+        <a:font script="Knda" typeface="Tunga"/>
+        <a:font script="Guru" typeface="Raavi"/>
+        <a:font script="Cans" typeface="Euphemia"/>
+        <a:font script="Cher" typeface="Plantagenet Cherokee"/>
+        <a:font script="Yiii" typeface="Microsoft Yi Baiti"/>
+        <a:font script="Tibt" typeface="Microsoft Himalaya"/>
+        <a:font script="Thaa" typeface="MV Boli"/>
+        <a:font script="Deva" typeface="Mangal"/>
+        <a:font script="Telu" typeface="Gautami"/>
+        <a:font script="Taml" typeface="Latha"/>
+        <a:font script="Syrc" typeface="Estrangelo Edessa"/>
+        <a:font script="Orya" typeface="Kalinga"/>
+        <a:font script="Mlym" typeface="Kartika"/>
+        <a:font script="Laoo" typeface="DokChampa"/>
+        <a:font script="Sinh" typeface="Iskoola Pota"/>
+        <a:font script="Mong" typeface="Mongolian Baiti"/>
+        <a:font script="Viet" typeface="Arial"/>
+        <a:font script="Uigh" typeface="Microsoft Uighur"/>
+        <a:font script="Geor" typeface="Sylfaen"/>
+      </a:minorFont>
+    </a:fontScheme>
+    <a:fmtScheme name="Office">
+      <a:fillStyleLst>
+        <a:solidFill>
+          <a:schemeClr val="phClr"/>
+        </a:solidFill>
+        <a:gradFill rotWithShape="1">
+          <a:gsLst>
+            <a:gs pos="0">
+              <a:schemeClr val="phClr">
+                <a:tint val="50000"/>
+                <a:satMod val="300000"/>
+              </a:schemeClr>
+            </a:gs>
+            <a:gs pos="35000">
+              <a:schemeClr val="phClr">
+                <a:tint val="37000"/>
+                <a:satMod val="300000"/>
+              </a:schemeClr>
+            </a:gs>
+            <a:gs pos="100000">
+              <a:schemeClr val="phClr">
+                <a:tint val="15000"/>
+                <a:satMod val="350000"/>
+              </a:schemeClr>
+            </a:gs>
+          </a:gsLst>
+          <a:lin ang="16200000" scaled="1"/>
+        </a:gradFill>
+        <a:gradFill rotWithShape="1">
+          <a:gsLst>
+            <a:gs pos="0">
+              <a:schemeClr val="phClr">
+                <a:tint val="100000"/>
+                <a:shade val="100000"/>
+                <a:satMod val="130000"/>
+              </a:schemeClr>
+            </a:gs>
+            <a:gs pos="100000">
+              <a:schemeClr val="phClr">
+                <a:tint val="50000"/>
+                <a:shade val="100000"/>
+                <a:satMod val="350000"/>
+              </a:schemeClr>
+            </a:gs>
+          </a:gsLst>
+          <a:lin ang="16200000" scaled="0"/>
+        </a:gradFill>
+      </a:fillStyleLst>
+      <a:lnStyleLst>
+        <a:ln w="9525" cap="flat" cmpd="sng" algn="ctr">
+          <a:solidFill>
+            <a:schemeClr val="phClr">
+              <a:shade val="95000"/>
+              <a:satMod val="105000"/>
+            </a:schemeClr>
+          </a:solidFill>
+          <a:prstDash val="solid"/>
+        </a:ln>
+        <a:ln w="25400" cap="flat" cmpd="sng" algn="ctr">
+          <a:solidFill>
+            <a:schemeClr val="phClr"/>
+          </a:solidFill>
+          <a:prstDash val="solid"/>
+        </a:ln>
+        <a:ln w="38100" cap="flat" cmpd="sng" algn="ctr">
+          <a:solidFill>
+            <a:schemeClr val="phClr"/>
+          </a:solidFill>
+          <a:prstDash val="solid"/>
+        </a:ln>
+      </a:lnStyleLst>
+      <a:effectStyleLst>
+        <a:effectStyle>
+          <a:effectLst>
+            <a:outerShdw blurRad="40000" dist="20000" dir="5400000" rotWithShape="0">
+              <a:srgbClr val="000000">
+                <a:alpha val="38000"/>
+              </a:srgbClr>
+            </a:outerShdw>
+          </a:effectLst>
+        </a:effectStyle>
+        <a:effectStyle>
+          <a:effectLst>
+            <a:outerShdw blurRad="40000" dist="23000" dir="5400000" rotWithShape="0">
+              <a:srgbClr val="000000">
+                <a:alpha val="35000"/>
+              </a:srgbClr>
+            </a:outerShdw>
+          </a:effectLst>
+        </a:effectStyle>
+        <a:effectStyle>
+          <a:effectLst>
+            <a:outerShdw blurRad="40000" dist="23000" dir="5400000" rotWithShape="0">
+              <a:srgbClr val="000000">
+                <a:alpha val="35000"/>
+              </a:srgbClr>
+            </a:outerShdw>
+          </a:effectLst>
+          <a:scene3d>
+            <a:camera prst="orthographicFront">
+              <a:rot lat="0" lon="0" rev="0"/>
+            </a:camera>
+            <a:lightRig rig="threePt" dir="t">
+              <a:rot lat="0" lon="0" rev="1200000"/>
+            </a:lightRig>
+          </a:scene3d>
+          <a:sp3d>
+            <a:bevelT w="63500" h="25400"/>
+          </a:sp3d>
+        </a:effectStyle>
+      </a:effectStyleLst>
+      <a:bgFillStyleLst>
+        <a:solidFill>
+          <a:schemeClr val="phClr"/>
+        </a:solidFill>
+        <a:gradFill rotWithShape="1">
+          <a:gsLst>
+            <a:gs pos="0">
+              <a:schemeClr val="phClr">
+                <a:tint val="40000"/>
+                <a:satMod val="350000"/>
+              </a:schemeClr>
+            </a:gs>
+            <a:gs pos="40000">
+              <a:schemeClr val="phClr">
+                <a:tint val="45000"/>
+                <a:shade val="99000"/>
+                <a:satMod val="350000"/>
+              </a:schemeClr>
+            </a:gs>
+            <a:gs pos="100000">
+              <a:schemeClr val="phClr">
+                <a:shade val="20000"/>
+                <a:satMod val="255000"/>
+              </a:schemeClr>
+            </a:gs>
+          </a:gsLst>
+          <a:path path="circle">
+            <a:fillToRect l="50000" t="-80000" r="50000" b="180000"/>
+          </a:path>
+        </a:gradFill>
+        <a:gradFill rotWithShape="1">
+          <a:gsLst>
+            <a:gs pos="0">
+              <a:schemeClr val="phClr">
+                <a:tint val="80000"/>
+                <a:satMod val="300000"/>
+              </a:schemeClr>
+            </a:gs>
+            <a:gs pos="100000">
+              <a:schemeClr val="phClr">
+                <a:shade val="30000"/>
+                <a:satMod val="200000"/>
+              </a:schemeClr>
+            </a:gs>
+          </a:gsLst>
+          <a:path path="circle">
+            <a:fillToRect l="50000" t="50000" r="50000" b="50000"/>
+          </a:path>
+        </a:gradFill>
+      </a:bgFillStyleLst>
+    </a:fmtScheme>
+  </a:themeElements>
+</a:theme>
+</file>
+
+<file path=ppt/theme/theme2.xml><?xml version="1.0" encoding="utf-8"?>
 <a:theme xmlns:a="http://schemas.openxmlformats.org/drawingml/2006/main" xmlns:r="http://schemas.openxmlformats.org/officeDocument/2006/relationships">
   <a:themeElements>
     <a:clrScheme name="Default">
@@ -10400,283 +10713,4 @@
     </a:fmtScheme>
   </a:themeElements>
 </a:theme>
-</file>
-
-<file path=ppt/theme/theme2.xml><?xml version="1.0" encoding="utf-8"?>
-<a:theme xmlns:a="http://schemas.openxmlformats.org/drawingml/2006/main" xmlns:r="http://schemas.openxmlformats.org/officeDocument/2006/relationships" name="Marina">
-  <a:themeElements>
-    <a:clrScheme name="Marina">
-      <a:dk1>
-        <a:srgbClr val="FFFFFF"/>
-      </a:dk1>
-      <a:lt1>
-        <a:srgbClr val="00517C"/>
-      </a:lt1>
-      <a:dk2>
-        <a:srgbClr val="004065"/>
-      </a:dk2>
-      <a:lt2>
-        <a:srgbClr val="CFD8DC"/>
-      </a:lt2>
-      <a:accent1>
-        <a:srgbClr val="0277BD"/>
-      </a:accent1>
-      <a:accent2>
-        <a:srgbClr val="558B2F"/>
-      </a:accent2>
-      <a:accent3>
-        <a:srgbClr val="009688"/>
-      </a:accent3>
-      <a:accent4>
-        <a:srgbClr val="039BE5"/>
-      </a:accent4>
-      <a:accent5>
-        <a:srgbClr val="8BC34A"/>
-      </a:accent5>
-      <a:accent6>
-        <a:srgbClr val="FFEB38"/>
-      </a:accent6>
-      <a:hlink>
-        <a:srgbClr val="8BC34A"/>
-      </a:hlink>
-      <a:folHlink>
-        <a:srgbClr val="8BC34A"/>
-      </a:folHlink>
-    </a:clrScheme>
-    <a:fontScheme name="Office">
-      <a:majorFont>
-        <a:latin typeface="Arial"/>
-        <a:ea typeface=""/>
-        <a:cs typeface=""/>
-        <a:font script="Jpan" typeface="ＭＳ Ｐゴシック"/>
-        <a:font script="Hang" typeface="맑은 고딕"/>
-        <a:font script="Hans" typeface="宋体"/>
-        <a:font script="Hant" typeface="新細明體"/>
-        <a:font script="Arab" typeface="Times New Roman"/>
-        <a:font script="Hebr" typeface="Times New Roman"/>
-        <a:font script="Thai" typeface="Angsana New"/>
-        <a:font script="Ethi" typeface="Nyala"/>
-        <a:font script="Beng" typeface="Vrinda"/>
-        <a:font script="Gujr" typeface="Shruti"/>
-        <a:font script="Khmr" typeface="MoolBoran"/>
-        <a:font script="Knda" typeface="Tunga"/>
-        <a:font script="Guru" typeface="Raavi"/>
-        <a:font script="Cans" typeface="Euphemia"/>
-        <a:font script="Cher" typeface="Plantagenet Cherokee"/>
-        <a:font script="Yiii" typeface="Microsoft Yi Baiti"/>
-        <a:font script="Tibt" typeface="Microsoft Himalaya"/>
-        <a:font script="Thaa" typeface="MV Boli"/>
-        <a:font script="Deva" typeface="Mangal"/>
-        <a:font script="Telu" typeface="Gautami"/>
-        <a:font script="Taml" typeface="Latha"/>
-        <a:font script="Syrc" typeface="Estrangelo Edessa"/>
-        <a:font script="Orya" typeface="Kalinga"/>
-        <a:font script="Mlym" typeface="Kartika"/>
-        <a:font script="Laoo" typeface="DokChampa"/>
-        <a:font script="Sinh" typeface="Iskoola Pota"/>
-        <a:font script="Mong" typeface="Mongolian Baiti"/>
-        <a:font script="Viet" typeface="Times New Roman"/>
-        <a:font script="Uigh" typeface="Microsoft Uighur"/>
-        <a:font script="Geor" typeface="Sylfaen"/>
-      </a:majorFont>
-      <a:minorFont>
-        <a:latin typeface="Arial"/>
-        <a:ea typeface=""/>
-        <a:cs typeface=""/>
-        <a:font script="Jpan" typeface="ＭＳ Ｐゴシック"/>
-        <a:font script="Hang" typeface="맑은 고딕"/>
-        <a:font script="Hans" typeface="宋体"/>
-        <a:font script="Hant" typeface="新細明體"/>
-        <a:font script="Arab" typeface="Arial"/>
-        <a:font script="Hebr" typeface="Arial"/>
-        <a:font script="Thai" typeface="Cordia New"/>
-        <a:font script="Ethi" typeface="Nyala"/>
-        <a:font script="Beng" typeface="Vrinda"/>
-        <a:font script="Gujr" typeface="Shruti"/>
-        <a:font script="Khmr" typeface="DaunPenh"/>
-        <a:font script="Knda" typeface="Tunga"/>
-        <a:font script="Guru" typeface="Raavi"/>
-        <a:font script="Cans" typeface="Euphemia"/>
-        <a:font script="Cher" typeface="Plantagenet Cherokee"/>
-        <a:font script="Yiii" typeface="Microsoft Yi Baiti"/>
-        <a:font script="Tibt" typeface="Microsoft Himalaya"/>
-        <a:font script="Thaa" typeface="MV Boli"/>
-        <a:font script="Deva" typeface="Mangal"/>
-        <a:font script="Telu" typeface="Gautami"/>
-        <a:font script="Taml" typeface="Latha"/>
-        <a:font script="Syrc" typeface="Estrangelo Edessa"/>
-        <a:font script="Orya" typeface="Kalinga"/>
-        <a:font script="Mlym" typeface="Kartika"/>
-        <a:font script="Laoo" typeface="DokChampa"/>
-        <a:font script="Sinh" typeface="Iskoola Pota"/>
-        <a:font script="Mong" typeface="Mongolian Baiti"/>
-        <a:font script="Viet" typeface="Arial"/>
-        <a:font script="Uigh" typeface="Microsoft Uighur"/>
-        <a:font script="Geor" typeface="Sylfaen"/>
-      </a:minorFont>
-    </a:fontScheme>
-    <a:fmtScheme name="Office">
-      <a:fillStyleLst>
-        <a:solidFill>
-          <a:schemeClr val="phClr"/>
-        </a:solidFill>
-        <a:gradFill rotWithShape="1">
-          <a:gsLst>
-            <a:gs pos="0">
-              <a:schemeClr val="phClr">
-                <a:tint val="50000"/>
-                <a:satMod val="300000"/>
-              </a:schemeClr>
-            </a:gs>
-            <a:gs pos="35000">
-              <a:schemeClr val="phClr">
-                <a:tint val="37000"/>
-                <a:satMod val="300000"/>
-              </a:schemeClr>
-            </a:gs>
-            <a:gs pos="100000">
-              <a:schemeClr val="phClr">
-                <a:tint val="15000"/>
-                <a:satMod val="350000"/>
-              </a:schemeClr>
-            </a:gs>
-          </a:gsLst>
-          <a:lin ang="16200000" scaled="1"/>
-        </a:gradFill>
-        <a:gradFill rotWithShape="1">
-          <a:gsLst>
-            <a:gs pos="0">
-              <a:schemeClr val="phClr">
-                <a:tint val="100000"/>
-                <a:shade val="100000"/>
-                <a:satMod val="130000"/>
-              </a:schemeClr>
-            </a:gs>
-            <a:gs pos="100000">
-              <a:schemeClr val="phClr">
-                <a:tint val="50000"/>
-                <a:shade val="100000"/>
-                <a:satMod val="350000"/>
-              </a:schemeClr>
-            </a:gs>
-          </a:gsLst>
-          <a:lin ang="16200000" scaled="0"/>
-        </a:gradFill>
-      </a:fillStyleLst>
-      <a:lnStyleLst>
-        <a:ln w="9525" cap="flat" cmpd="sng" algn="ctr">
-          <a:solidFill>
-            <a:schemeClr val="phClr">
-              <a:shade val="95000"/>
-              <a:satMod val="105000"/>
-            </a:schemeClr>
-          </a:solidFill>
-          <a:prstDash val="solid"/>
-        </a:ln>
-        <a:ln w="25400" cap="flat" cmpd="sng" algn="ctr">
-          <a:solidFill>
-            <a:schemeClr val="phClr"/>
-          </a:solidFill>
-          <a:prstDash val="solid"/>
-        </a:ln>
-        <a:ln w="38100" cap="flat" cmpd="sng" algn="ctr">
-          <a:solidFill>
-            <a:schemeClr val="phClr"/>
-          </a:solidFill>
-          <a:prstDash val="solid"/>
-        </a:ln>
-      </a:lnStyleLst>
-      <a:effectStyleLst>
-        <a:effectStyle>
-          <a:effectLst>
-            <a:outerShdw blurRad="40000" dist="20000" dir="5400000" rotWithShape="0">
-              <a:srgbClr val="000000">
-                <a:alpha val="38000"/>
-              </a:srgbClr>
-            </a:outerShdw>
-          </a:effectLst>
-        </a:effectStyle>
-        <a:effectStyle>
-          <a:effectLst>
-            <a:outerShdw blurRad="40000" dist="23000" dir="5400000" rotWithShape="0">
-              <a:srgbClr val="000000">
-                <a:alpha val="35000"/>
-              </a:srgbClr>
-            </a:outerShdw>
-          </a:effectLst>
-        </a:effectStyle>
-        <a:effectStyle>
-          <a:effectLst>
-            <a:outerShdw blurRad="40000" dist="23000" dir="5400000" rotWithShape="0">
-              <a:srgbClr val="000000">
-                <a:alpha val="35000"/>
-              </a:srgbClr>
-            </a:outerShdw>
-          </a:effectLst>
-          <a:scene3d>
-            <a:camera prst="orthographicFront">
-              <a:rot lat="0" lon="0" rev="0"/>
-            </a:camera>
-            <a:lightRig rig="threePt" dir="t">
-              <a:rot lat="0" lon="0" rev="1200000"/>
-            </a:lightRig>
-          </a:scene3d>
-          <a:sp3d>
-            <a:bevelT w="63500" h="25400"/>
-          </a:sp3d>
-        </a:effectStyle>
-      </a:effectStyleLst>
-      <a:bgFillStyleLst>
-        <a:solidFill>
-          <a:schemeClr val="phClr"/>
-        </a:solidFill>
-        <a:gradFill rotWithShape="1">
-          <a:gsLst>
-            <a:gs pos="0">
-              <a:schemeClr val="phClr">
-                <a:tint val="40000"/>
-                <a:satMod val="350000"/>
-              </a:schemeClr>
-            </a:gs>
-            <a:gs pos="40000">
-              <a:schemeClr val="phClr">
-                <a:tint val="45000"/>
-                <a:shade val="99000"/>
-                <a:satMod val="350000"/>
-              </a:schemeClr>
-            </a:gs>
-            <a:gs pos="100000">
-              <a:schemeClr val="phClr">
-                <a:shade val="20000"/>
-                <a:satMod val="255000"/>
-              </a:schemeClr>
-            </a:gs>
-          </a:gsLst>
-          <a:path path="circle">
-            <a:fillToRect l="50000" t="-80000" r="50000" b="180000"/>
-          </a:path>
-        </a:gradFill>
-        <a:gradFill rotWithShape="1">
-          <a:gsLst>
-            <a:gs pos="0">
-              <a:schemeClr val="phClr">
-                <a:tint val="80000"/>
-                <a:satMod val="300000"/>
-              </a:schemeClr>
-            </a:gs>
-            <a:gs pos="100000">
-              <a:schemeClr val="phClr">
-                <a:shade val="30000"/>
-                <a:satMod val="200000"/>
-              </a:schemeClr>
-            </a:gs>
-          </a:gsLst>
-          <a:path path="circle">
-            <a:fillToRect l="50000" t="50000" r="50000" b="50000"/>
-          </a:path>
-        </a:gradFill>
-      </a:bgFillStyleLst>
-    </a:fmtScheme>
-  </a:themeElements>
-</a:theme>
 </file>
--- a/Presentation.pptx
+++ b/Presentation.pptx
@@ -815,7 +815,7 @@
   <p:cSld>
     <p:spTree>
       <p:nvGrpSpPr>
-        <p:cNvPr id="132" name="Shape 132"/>
+        <p:cNvPr id="133" name="Shape 133"/>
         <p:cNvGrpSpPr/>
         <p:nvPr/>
       </p:nvGrpSpPr>
@@ -829,7 +829,7 @@
       </p:grpSpPr>
       <p:sp>
         <p:nvSpPr>
-          <p:cNvPr id="133" name="Google Shape;133;g9f3fcfd2f3_0_0:notes"/>
+          <p:cNvPr id="134" name="Google Shape;134;g9f3fcfd2f3_0_0:notes"/>
           <p:cNvSpPr/>
           <p:nvPr>
             <p:ph idx="2" type="sldImg"/>
@@ -864,7 +864,7 @@
       </p:sp>
       <p:sp>
         <p:nvSpPr>
-          <p:cNvPr id="134" name="Google Shape;134;g9f3fcfd2f3_0_0:notes"/>
+          <p:cNvPr id="135" name="Google Shape;135;g9f3fcfd2f3_0_0:notes"/>
           <p:cNvSpPr txBox="1"/>
           <p:nvPr>
             <p:ph idx="1" type="body"/>
@@ -914,7 +914,7 @@
   <p:cSld>
     <p:spTree>
       <p:nvGrpSpPr>
-        <p:cNvPr id="138" name="Shape 138"/>
+        <p:cNvPr id="139" name="Shape 139"/>
         <p:cNvGrpSpPr/>
         <p:nvPr/>
       </p:nvGrpSpPr>
@@ -928,7 +928,7 @@
       </p:grpSpPr>
       <p:sp>
         <p:nvSpPr>
-          <p:cNvPr id="139" name="Google Shape;139;g9f3fcfd2f3_0_62:notes"/>
+          <p:cNvPr id="140" name="Google Shape;140;ga124cd480d_0_0:notes"/>
           <p:cNvSpPr/>
           <p:nvPr>
             <p:ph idx="2" type="sldImg"/>
@@ -963,7 +963,7 @@
       </p:sp>
       <p:sp>
         <p:nvSpPr>
-          <p:cNvPr id="140" name="Google Shape;140;g9f3fcfd2f3_0_62:notes"/>
+          <p:cNvPr id="141" name="Google Shape;141;ga124cd480d_0_0:notes"/>
           <p:cNvSpPr txBox="1"/>
           <p:nvPr>
             <p:ph idx="1" type="body"/>
@@ -1013,7 +1013,7 @@
   <p:cSld>
     <p:spTree>
       <p:nvGrpSpPr>
-        <p:cNvPr id="144" name="Shape 144"/>
+        <p:cNvPr id="146" name="Shape 146"/>
         <p:cNvGrpSpPr/>
         <p:nvPr/>
       </p:nvGrpSpPr>
@@ -1027,7 +1027,7 @@
       </p:grpSpPr>
       <p:sp>
         <p:nvSpPr>
-          <p:cNvPr id="145" name="Google Shape;145;g9f3fcfd2f3_0_19:notes"/>
+          <p:cNvPr id="147" name="Google Shape;147;ga124cd480d_0_5:notes"/>
           <p:cNvSpPr/>
           <p:nvPr>
             <p:ph idx="2" type="sldImg"/>
@@ -1062,7 +1062,7 @@
       </p:sp>
       <p:sp>
         <p:nvSpPr>
-          <p:cNvPr id="146" name="Google Shape;146;g9f3fcfd2f3_0_19:notes"/>
+          <p:cNvPr id="148" name="Google Shape;148;ga124cd480d_0_5:notes"/>
           <p:cNvSpPr txBox="1"/>
           <p:nvPr>
             <p:ph idx="1" type="body"/>
@@ -1126,7 +1126,7 @@
       </p:grpSpPr>
       <p:sp>
         <p:nvSpPr>
-          <p:cNvPr id="65" name="Google Shape;65;g9f38e7d874_0_54:notes"/>
+          <p:cNvPr id="65" name="Google Shape;65;g9f38e7d874_0_79:notes"/>
           <p:cNvSpPr/>
           <p:nvPr>
             <p:ph idx="2" type="sldImg"/>
@@ -1161,7 +1161,7 @@
       </p:sp>
       <p:sp>
         <p:nvSpPr>
-          <p:cNvPr id="66" name="Google Shape;66;g9f38e7d874_0_54:notes"/>
+          <p:cNvPr id="66" name="Google Shape;66;g9f38e7d874_0_79:notes"/>
           <p:cNvSpPr txBox="1"/>
           <p:nvPr>
             <p:ph idx="1" type="body"/>
@@ -1211,7 +1211,7 @@
   <p:cSld>
     <p:spTree>
       <p:nvGrpSpPr>
-        <p:cNvPr id="72" name="Shape 72"/>
+        <p:cNvPr id="74" name="Shape 74"/>
         <p:cNvGrpSpPr/>
         <p:nvPr/>
       </p:nvGrpSpPr>
@@ -1225,7 +1225,7 @@
       </p:grpSpPr>
       <p:sp>
         <p:nvSpPr>
-          <p:cNvPr id="73" name="Google Shape;73;g9f3fcfd2f3_0_8:notes"/>
+          <p:cNvPr id="75" name="Google Shape;75;g9f3fcfd2f3_0_35:notes"/>
           <p:cNvSpPr/>
           <p:nvPr>
             <p:ph idx="2" type="sldImg"/>
@@ -1260,7 +1260,7 @@
       </p:sp>
       <p:sp>
         <p:nvSpPr>
-          <p:cNvPr id="74" name="Google Shape;74;g9f3fcfd2f3_0_8:notes"/>
+          <p:cNvPr id="76" name="Google Shape;76;g9f3fcfd2f3_0_35:notes"/>
           <p:cNvSpPr txBox="1"/>
           <p:nvPr>
             <p:ph idx="1" type="body"/>
@@ -1310,7 +1310,7 @@
   <p:cSld>
     <p:spTree>
       <p:nvGrpSpPr>
-        <p:cNvPr id="80" name="Shape 80"/>
+        <p:cNvPr id="83" name="Shape 83"/>
         <p:cNvGrpSpPr/>
         <p:nvPr/>
       </p:nvGrpSpPr>
@@ -1324,7 +1324,7 @@
       </p:grpSpPr>
       <p:sp>
         <p:nvSpPr>
-          <p:cNvPr id="81" name="Google Shape;81;g9f38e7d874_0_79:notes"/>
+          <p:cNvPr id="84" name="Google Shape;84;ga124cd480d_0_22:notes"/>
           <p:cNvSpPr/>
           <p:nvPr>
             <p:ph idx="2" type="sldImg"/>
@@ -1359,7 +1359,7 @@
       </p:sp>
       <p:sp>
         <p:nvSpPr>
-          <p:cNvPr id="82" name="Google Shape;82;g9f38e7d874_0_79:notes"/>
+          <p:cNvPr id="85" name="Google Shape;85;ga124cd480d_0_22:notes"/>
           <p:cNvSpPr txBox="1"/>
           <p:nvPr>
             <p:ph idx="1" type="body"/>
@@ -1409,7 +1409,7 @@
   <p:cSld>
     <p:spTree>
       <p:nvGrpSpPr>
-        <p:cNvPr id="90" name="Shape 90"/>
+        <p:cNvPr id="93" name="Shape 93"/>
         <p:cNvGrpSpPr/>
         <p:nvPr/>
       </p:nvGrpSpPr>
@@ -1423,7 +1423,7 @@
       </p:grpSpPr>
       <p:sp>
         <p:nvSpPr>
-          <p:cNvPr id="91" name="Google Shape;91;g9f38e7d874_0_59:notes"/>
+          <p:cNvPr id="94" name="Google Shape;94;g9f38e7d874_0_54:notes"/>
           <p:cNvSpPr/>
           <p:nvPr>
             <p:ph idx="2" type="sldImg"/>
@@ -1458,7 +1458,7 @@
       </p:sp>
       <p:sp>
         <p:nvSpPr>
-          <p:cNvPr id="92" name="Google Shape;92;g9f38e7d874_0_59:notes"/>
+          <p:cNvPr id="95" name="Google Shape;95;g9f38e7d874_0_54:notes"/>
           <p:cNvSpPr txBox="1"/>
           <p:nvPr>
             <p:ph idx="1" type="body"/>
@@ -1508,7 +1508,7 @@
   <p:cSld>
     <p:spTree>
       <p:nvGrpSpPr>
-        <p:cNvPr id="99" name="Shape 99"/>
+        <p:cNvPr id="102" name="Shape 102"/>
         <p:cNvGrpSpPr/>
         <p:nvPr/>
       </p:nvGrpSpPr>
@@ -1522,7 +1522,7 @@
       </p:grpSpPr>
       <p:sp>
         <p:nvSpPr>
-          <p:cNvPr id="100" name="Google Shape;100;g9f3fcfd2f3_0_35:notes"/>
+          <p:cNvPr id="103" name="Google Shape;103;g9f38e7d874_0_59:notes"/>
           <p:cNvSpPr/>
           <p:nvPr>
             <p:ph idx="2" type="sldImg"/>
@@ -1557,7 +1557,7 @@
       </p:sp>
       <p:sp>
         <p:nvSpPr>
-          <p:cNvPr id="101" name="Google Shape;101;g9f3fcfd2f3_0_35:notes"/>
+          <p:cNvPr id="104" name="Google Shape;104;g9f38e7d874_0_59:notes"/>
           <p:cNvSpPr txBox="1"/>
           <p:nvPr>
             <p:ph idx="1" type="body"/>
@@ -1607,7 +1607,7 @@
   <p:cSld>
     <p:spTree>
       <p:nvGrpSpPr>
-        <p:cNvPr id="108" name="Shape 108"/>
+        <p:cNvPr id="111" name="Shape 111"/>
         <p:cNvGrpSpPr/>
         <p:nvPr/>
       </p:nvGrpSpPr>
@@ -1621,7 +1621,7 @@
       </p:grpSpPr>
       <p:sp>
         <p:nvSpPr>
-          <p:cNvPr id="109" name="Google Shape;109;g9f3fcfd2f3_0_25:notes"/>
+          <p:cNvPr id="112" name="Google Shape;112;g9f3fcfd2f3_0_62:notes"/>
           <p:cNvSpPr/>
           <p:nvPr>
             <p:ph idx="2" type="sldImg"/>
@@ -1656,7 +1656,7 @@
       </p:sp>
       <p:sp>
         <p:nvSpPr>
-          <p:cNvPr id="110" name="Google Shape;110;g9f3fcfd2f3_0_25:notes"/>
+          <p:cNvPr id="113" name="Google Shape;113;g9f3fcfd2f3_0_62:notes"/>
           <p:cNvSpPr txBox="1"/>
           <p:nvPr>
             <p:ph idx="1" type="body"/>
@@ -1706,7 +1706,7 @@
   <p:cSld>
     <p:spTree>
       <p:nvGrpSpPr>
-        <p:cNvPr id="120" name="Shape 120"/>
+        <p:cNvPr id="117" name="Shape 117"/>
         <p:cNvGrpSpPr/>
         <p:nvPr/>
       </p:nvGrpSpPr>
@@ -1720,7 +1720,7 @@
       </p:grpSpPr>
       <p:sp>
         <p:nvSpPr>
-          <p:cNvPr id="121" name="Google Shape;121;g9f3fcfd2f3_0_14:notes"/>
+          <p:cNvPr id="118" name="Google Shape;118;g9f3fcfd2f3_0_25:notes"/>
           <p:cNvSpPr/>
           <p:nvPr>
             <p:ph idx="2" type="sldImg"/>
@@ -1755,7 +1755,7 @@
       </p:sp>
       <p:sp>
         <p:nvSpPr>
-          <p:cNvPr id="122" name="Google Shape;122;g9f3fcfd2f3_0_14:notes"/>
+          <p:cNvPr id="119" name="Google Shape;119;g9f3fcfd2f3_0_25:notes"/>
           <p:cNvSpPr txBox="1"/>
           <p:nvPr>
             <p:ph idx="1" type="body"/>
@@ -1805,7 +1805,7 @@
   <p:cSld>
     <p:spTree>
       <p:nvGrpSpPr>
-        <p:cNvPr id="126" name="Shape 126"/>
+        <p:cNvPr id="127" name="Shape 127"/>
         <p:cNvGrpSpPr/>
         <p:nvPr/>
       </p:nvGrpSpPr>
@@ -1819,7 +1819,7 @@
       </p:grpSpPr>
       <p:sp>
         <p:nvSpPr>
-          <p:cNvPr id="127" name="Google Shape;127;g9f38e7d874_0_69:notes"/>
+          <p:cNvPr id="128" name="Google Shape;128;g9f3fcfd2f3_0_14:notes"/>
           <p:cNvSpPr/>
           <p:nvPr>
             <p:ph idx="2" type="sldImg"/>
@@ -1854,7 +1854,7 @@
       </p:sp>
       <p:sp>
         <p:nvSpPr>
-          <p:cNvPr id="128" name="Google Shape;128;g9f38e7d874_0_69:notes"/>
+          <p:cNvPr id="129" name="Google Shape;129;g9f3fcfd2f3_0_14:notes"/>
           <p:cNvSpPr txBox="1"/>
           <p:nvPr>
             <p:ph idx="1" type="body"/>
@@ -7261,7 +7261,7 @@
   <p:cSld>
     <p:spTree>
       <p:nvGrpSpPr>
-        <p:cNvPr id="135" name="Shape 135"/>
+        <p:cNvPr id="136" name="Shape 136"/>
         <p:cNvGrpSpPr/>
         <p:nvPr/>
       </p:nvGrpSpPr>
@@ -7275,7 +7275,7 @@
       </p:grpSpPr>
       <p:sp>
         <p:nvSpPr>
-          <p:cNvPr id="136" name="Google Shape;136;p22"/>
+          <p:cNvPr id="137" name="Google Shape;137;p22"/>
           <p:cNvSpPr txBox="1"/>
           <p:nvPr>
             <p:ph type="title"/>
@@ -7307,11 +7307,7 @@
             </a:pPr>
             <a:r>
               <a:rPr lang="en"/>
-              <a:t>Appendix: </a:t>
-            </a:r>
-            <a:r>
-              <a:rPr lang="en"/>
-              <a:t>Data Encoding</a:t>
+              <a:t>Appendix: Missing Data Processing</a:t>
             </a:r>
             <a:endParaRPr/>
           </a:p>
@@ -7319,7 +7315,7 @@
       </p:sp>
       <p:sp>
         <p:nvSpPr>
-          <p:cNvPr id="137" name="Google Shape;137;p22"/>
+          <p:cNvPr id="138" name="Google Shape;138;p22"/>
           <p:cNvSpPr txBox="1"/>
           <p:nvPr>
             <p:ph idx="1" type="body"/>
@@ -7327,8 +7323,8 @@
         </p:nvSpPr>
         <p:spPr>
           <a:xfrm>
-            <a:off x="387900" y="1204425"/>
-            <a:ext cx="8368200" cy="4139400"/>
+            <a:off x="387900" y="1245400"/>
+            <a:ext cx="8368200" cy="4016400"/>
           </a:xfrm>
           <a:prstGeom prst="rect">
             <a:avLst/>
@@ -7340,25 +7336,9 @@
           </a:bodyPr>
           <a:lstStyle/>
           <a:p>
-            <a:pPr indent="0" lvl="0" marL="0" rtl="0" algn="l">
-              <a:spcBef>
-                <a:spcPts val="0"/>
-              </a:spcBef>
-              <a:spcAft>
-                <a:spcPts val="0"/>
-              </a:spcAft>
-              <a:buNone/>
-            </a:pPr>
-            <a:r>
-              <a:rPr b="1" lang="en" sz="1200"/>
-              <a:t>Missing Data:</a:t>
-            </a:r>
-            <a:endParaRPr b="1" sz="1200"/>
-          </a:p>
-          <a:p>
             <a:pPr indent="-304800" lvl="0" marL="457200" rtl="0" algn="l">
               <a:spcBef>
-                <a:spcPts val="1600"/>
+                <a:spcPts val="0"/>
               </a:spcBef>
               <a:spcAft>
                 <a:spcPts val="0"/>
@@ -7368,7 +7348,117 @@
             </a:pPr>
             <a:r>
               <a:rPr lang="en" sz="1200"/>
-              <a:t>Both ‘?’ and “Not in Universe” identified as pseudo missing data</a:t>
+              <a:t>Values that contained </a:t>
+            </a:r>
+            <a:r>
+              <a:rPr lang="en" sz="1200"/>
+              <a:t> ‘?’  2 types:</a:t>
+            </a:r>
+            <a:r>
+              <a:rPr b="1" lang="en" sz="1200"/>
+              <a:t> 8 columns total</a:t>
+            </a:r>
+            <a:endParaRPr b="1" sz="1200"/>
+          </a:p>
+          <a:p>
+            <a:pPr indent="-304800" lvl="1" marL="914400" rtl="0" algn="l">
+              <a:spcBef>
+                <a:spcPts val="0"/>
+              </a:spcBef>
+              <a:spcAft>
+                <a:spcPts val="0"/>
+              </a:spcAft>
+              <a:buSzPts val="1200"/>
+              <a:buChar char="○"/>
+            </a:pPr>
+            <a:r>
+              <a:rPr lang="en" sz="1200"/>
+              <a:t>Migration code missing (multiple) :</a:t>
+            </a:r>
+            <a:endParaRPr sz="1200"/>
+          </a:p>
+          <a:p>
+            <a:pPr indent="-304800" lvl="2" marL="1371600" rtl="0" algn="l">
+              <a:spcBef>
+                <a:spcPts val="0"/>
+              </a:spcBef>
+              <a:spcAft>
+                <a:spcPts val="0"/>
+              </a:spcAft>
+              <a:buSzPts val="1200"/>
+              <a:buChar char="■"/>
+            </a:pPr>
+            <a:r>
+              <a:rPr lang="en" sz="1200"/>
+              <a:t>Large percentage of the data missing</a:t>
+            </a:r>
+            <a:endParaRPr sz="1200"/>
+          </a:p>
+          <a:p>
+            <a:pPr indent="-304800" lvl="2" marL="1371600" rtl="0" algn="l">
+              <a:spcBef>
+                <a:spcPts val="0"/>
+              </a:spcBef>
+              <a:spcAft>
+                <a:spcPts val="0"/>
+              </a:spcAft>
+              <a:buSzPts val="1200"/>
+              <a:buChar char="■"/>
+            </a:pPr>
+            <a:r>
+              <a:rPr lang="en" sz="1200"/>
+              <a:t>Relationship to target variable</a:t>
+            </a:r>
+            <a:endParaRPr sz="1200"/>
+          </a:p>
+          <a:p>
+            <a:pPr indent="-304800" lvl="1" marL="914400" rtl="0" algn="l">
+              <a:spcBef>
+                <a:spcPts val="0"/>
+              </a:spcBef>
+              <a:spcAft>
+                <a:spcPts val="0"/>
+              </a:spcAft>
+              <a:buSzPts val="1200"/>
+              <a:buChar char="○"/>
+            </a:pPr>
+            <a:r>
+              <a:rPr lang="en" sz="1200"/>
+              <a:t>Country of Birth (multiple): </a:t>
+            </a:r>
+            <a:endParaRPr sz="1200"/>
+          </a:p>
+          <a:p>
+            <a:pPr indent="-304800" lvl="2" marL="1371600" rtl="0" algn="l">
+              <a:spcBef>
+                <a:spcPts val="0"/>
+              </a:spcBef>
+              <a:spcAft>
+                <a:spcPts val="0"/>
+              </a:spcAft>
+              <a:buSzPts val="1200"/>
+              <a:buChar char="■"/>
+            </a:pPr>
+            <a:r>
+              <a:rPr lang="en" sz="1200"/>
+              <a:t>no relationship to target variable</a:t>
+            </a:r>
+            <a:endParaRPr sz="1200"/>
+          </a:p>
+          <a:p>
+            <a:pPr indent="-304800" lvl="2" marL="1371600" rtl="0" algn="l">
+              <a:spcBef>
+                <a:spcPts val="0"/>
+              </a:spcBef>
+              <a:spcAft>
+                <a:spcPts val="0"/>
+              </a:spcAft>
+              <a:buSzPts val="1200"/>
+              <a:buChar char="■"/>
+            </a:pPr>
+            <a:r>
+              <a:rPr lang="en" sz="1200"/>
+              <a:t>Not a large number of variables </a:t>
             </a:r>
             <a:endParaRPr sz="1200"/>
           </a:p>
@@ -7385,14 +7475,147 @@
             </a:pPr>
             <a:r>
               <a:rPr lang="en" sz="1200"/>
-              <a:t>No Missing Numeric labels</a:t>
+              <a:t>Values that contained “Not in Universe” : </a:t>
+            </a:r>
+            <a:r>
+              <a:rPr b="1" lang="en" sz="1200"/>
+              <a:t>13 columns total	</a:t>
+            </a:r>
+            <a:endParaRPr b="1" sz="1200"/>
+          </a:p>
+          <a:p>
+            <a:pPr indent="-304800" lvl="1" marL="914400" rtl="0" algn="l">
+              <a:spcBef>
+                <a:spcPts val="0"/>
+              </a:spcBef>
+              <a:spcAft>
+                <a:spcPts val="0"/>
+              </a:spcAft>
+              <a:buSzPts val="1200"/>
+              <a:buChar char="○"/>
+            </a:pPr>
+            <a:r>
+              <a:rPr lang="en" sz="1200"/>
+              <a:t>Generally relationship to target variable</a:t>
             </a:r>
             <a:endParaRPr sz="1200"/>
           </a:p>
           <a:p>
+            <a:pPr indent="0" lvl="0" marL="0" rtl="0" algn="l">
+              <a:spcBef>
+                <a:spcPts val="1600"/>
+              </a:spcBef>
+              <a:spcAft>
+                <a:spcPts val="0"/>
+              </a:spcAft>
+              <a:buNone/>
+            </a:pPr>
+            <a:r>
+              <a:rPr b="1" lang="en" sz="1200"/>
+              <a:t>Approaches: </a:t>
+            </a:r>
+            <a:endParaRPr b="1" sz="1200"/>
+          </a:p>
+          <a:p>
             <a:pPr indent="-304800" lvl="0" marL="457200" rtl="0" algn="l">
               <a:spcBef>
-                <a:spcPts val="0"/>
+                <a:spcPts val="1600"/>
+              </a:spcBef>
+              <a:spcAft>
+                <a:spcPts val="0"/>
+              </a:spcAft>
+              <a:buSzPts val="1200"/>
+              <a:buAutoNum type="arabicPeriod"/>
+            </a:pPr>
+            <a:r>
+              <a:rPr lang="en" sz="1200"/>
+              <a:t>Replace everything with a new missing category</a:t>
+            </a:r>
+            <a:endParaRPr sz="1200"/>
+          </a:p>
+          <a:p>
+            <a:pPr indent="-304800" lvl="1" marL="914400" rtl="0" algn="l">
+              <a:spcBef>
+                <a:spcPts val="0"/>
+              </a:spcBef>
+              <a:spcAft>
+                <a:spcPts val="0"/>
+              </a:spcAft>
+              <a:buSzPts val="1200"/>
+              <a:buAutoNum type="alphaLcPeriod"/>
+            </a:pPr>
+            <a:r>
+              <a:rPr lang="en" sz="1200"/>
+              <a:t>Retains information - important when there is a relationship to target variable</a:t>
+            </a:r>
+            <a:endParaRPr sz="1200"/>
+          </a:p>
+          <a:p>
+            <a:pPr indent="-304800" lvl="1" marL="914400" rtl="0" algn="l">
+              <a:spcBef>
+                <a:spcPts val="0"/>
+              </a:spcBef>
+              <a:spcAft>
+                <a:spcPts val="0"/>
+              </a:spcAft>
+              <a:buSzPts val="1200"/>
+              <a:buAutoNum type="alphaLcPeriod"/>
+            </a:pPr>
+            <a:r>
+              <a:rPr lang="en" sz="1200"/>
+              <a:t>Potentially increase cardinality unnecessarily in some instances </a:t>
+            </a:r>
+            <a:endParaRPr sz="1200"/>
+          </a:p>
+          <a:p>
+            <a:pPr indent="-304800" lvl="0" marL="457200" rtl="0" algn="l">
+              <a:spcBef>
+                <a:spcPts val="0"/>
+              </a:spcBef>
+              <a:spcAft>
+                <a:spcPts val="0"/>
+              </a:spcAft>
+              <a:buSzPts val="1200"/>
+              <a:buAutoNum type="arabicPeriod"/>
+            </a:pPr>
+            <a:r>
+              <a:rPr lang="en" sz="1200"/>
+              <a:t>Drop missing data - lose information / less good </a:t>
+            </a:r>
+            <a:endParaRPr sz="1200"/>
+          </a:p>
+          <a:p>
+            <a:pPr indent="0" lvl="0" marL="0" rtl="0" algn="l">
+              <a:spcBef>
+                <a:spcPts val="1600"/>
+              </a:spcBef>
+              <a:spcAft>
+                <a:spcPts val="0"/>
+              </a:spcAft>
+              <a:buNone/>
+            </a:pPr>
+            <a:r>
+              <a:rPr b="1" lang="en" sz="1200"/>
+              <a:t>Improvements: </a:t>
+            </a:r>
+            <a:r>
+              <a:rPr lang="en" sz="1200"/>
+              <a:t>Combination approach</a:t>
+            </a:r>
+            <a:r>
+              <a:rPr b="1" lang="en" sz="1200"/>
+              <a:t> </a:t>
+            </a:r>
+            <a:r>
+              <a:rPr lang="en" sz="1200"/>
+              <a:t>- Drop columns = Smaller features space, missing category for others</a:t>
+            </a:r>
+            <a:endParaRPr sz="1200"/>
+          </a:p>
+          <a:p>
+            <a:pPr indent="-304800" lvl="0" marL="457200" rtl="0" algn="l">
+              <a:spcBef>
+                <a:spcPts val="1600"/>
               </a:spcBef>
               <a:spcAft>
                 <a:spcPts val="0"/>
@@ -7402,162 +7625,7 @@
             </a:pPr>
             <a:r>
               <a:rPr lang="en" sz="1200"/>
-              <a:t>Replaced Categorical variables with a new “Missing”  label</a:t>
-            </a:r>
-            <a:endParaRPr sz="1200"/>
-          </a:p>
-          <a:p>
-            <a:pPr indent="0" lvl="0" marL="0" rtl="0" algn="l">
-              <a:spcBef>
-                <a:spcPts val="1600"/>
-              </a:spcBef>
-              <a:spcAft>
-                <a:spcPts val="0"/>
-              </a:spcAft>
-              <a:buNone/>
-            </a:pPr>
-            <a:r>
-              <a:rPr b="1" lang="en" sz="1200"/>
-              <a:t>Categorical Encoding:</a:t>
-            </a:r>
-            <a:endParaRPr b="1" sz="1200"/>
-          </a:p>
-          <a:p>
-            <a:pPr indent="-304800" lvl="0" marL="457200" rtl="0" algn="l">
-              <a:spcBef>
-                <a:spcPts val="1600"/>
-              </a:spcBef>
-              <a:spcAft>
-                <a:spcPts val="0"/>
-              </a:spcAft>
-              <a:buSzPts val="1200"/>
-              <a:buChar char="●"/>
-            </a:pPr>
-            <a:r>
-              <a:rPr lang="en" sz="1200"/>
-              <a:t>Ordinal Encoding</a:t>
-            </a:r>
-            <a:endParaRPr sz="1200"/>
-          </a:p>
-          <a:p>
-            <a:pPr indent="-304800" lvl="1" marL="914400" rtl="0" algn="l">
-              <a:spcBef>
-                <a:spcPts val="0"/>
-              </a:spcBef>
-              <a:spcAft>
-                <a:spcPts val="0"/>
-              </a:spcAft>
-              <a:buSzPts val="1200"/>
-              <a:buChar char="○"/>
-            </a:pPr>
-            <a:r>
-              <a:rPr lang="en" sz="1200"/>
-              <a:t>Works well with tree based algorithms</a:t>
-            </a:r>
-            <a:endParaRPr sz="1200"/>
-          </a:p>
-          <a:p>
-            <a:pPr indent="-304800" lvl="1" marL="914400" rtl="0" algn="l">
-              <a:spcBef>
-                <a:spcPts val="0"/>
-              </a:spcBef>
-              <a:spcAft>
-                <a:spcPts val="0"/>
-              </a:spcAft>
-              <a:buSzPts val="1200"/>
-              <a:buChar char="○"/>
-            </a:pPr>
-            <a:r>
-              <a:rPr lang="en" sz="1200"/>
-              <a:t>Does not</a:t>
-            </a:r>
-            <a:r>
-              <a:rPr lang="en" sz="1200"/>
-              <a:t> increase the feature space - like with one hot encoding</a:t>
-            </a:r>
-            <a:endParaRPr sz="1200"/>
-          </a:p>
-          <a:p>
-            <a:pPr indent="-304800" lvl="0" marL="457200" rtl="0" algn="l">
-              <a:spcBef>
-                <a:spcPts val="0"/>
-              </a:spcBef>
-              <a:spcAft>
-                <a:spcPts val="0"/>
-              </a:spcAft>
-              <a:buSzPts val="1200"/>
-              <a:buChar char="●"/>
-            </a:pPr>
-            <a:r>
-              <a:rPr lang="en" sz="1200"/>
-              <a:t>Feature Engineering for “Education” category to reduced cardinality/ apply domain knowledge</a:t>
-            </a:r>
-            <a:endParaRPr sz="1200"/>
-          </a:p>
-          <a:p>
-            <a:pPr indent="-304800" lvl="0" marL="457200" rtl="0" algn="l">
-              <a:spcBef>
-                <a:spcPts val="0"/>
-              </a:spcBef>
-              <a:spcAft>
-                <a:spcPts val="0"/>
-              </a:spcAft>
-              <a:buSzPts val="1200"/>
-              <a:buChar char="●"/>
-            </a:pPr>
-            <a:r>
-              <a:rPr lang="en" sz="1200"/>
-              <a:t>Compared using MinMax and standard scalar for normalisation</a:t>
-            </a:r>
-            <a:endParaRPr sz="1200"/>
-          </a:p>
-          <a:p>
-            <a:pPr indent="0" lvl="0" marL="0" rtl="0" algn="l">
-              <a:spcBef>
-                <a:spcPts val="1600"/>
-              </a:spcBef>
-              <a:spcAft>
-                <a:spcPts val="0"/>
-              </a:spcAft>
-              <a:buNone/>
-            </a:pPr>
-            <a:r>
-              <a:rPr b="1" lang="en" sz="1200"/>
-              <a:t>Numerical Encoding:</a:t>
-            </a:r>
-            <a:endParaRPr sz="1200"/>
-          </a:p>
-          <a:p>
-            <a:pPr indent="-304800" lvl="0" marL="457200" rtl="0" algn="l">
-              <a:spcBef>
-                <a:spcPts val="1600"/>
-              </a:spcBef>
-              <a:spcAft>
-                <a:spcPts val="0"/>
-              </a:spcAft>
-              <a:buSzPts val="1200"/>
-              <a:buChar char="●"/>
-            </a:pPr>
-            <a:r>
-              <a:rPr lang="en" sz="1200"/>
-              <a:t>Feature Engineering log transformation for skewed variables</a:t>
-            </a:r>
-            <a:endParaRPr sz="1200"/>
-          </a:p>
-          <a:p>
-            <a:pPr indent="-304800" lvl="0" marL="457200" rtl="0" algn="l">
-              <a:spcBef>
-                <a:spcPts val="0"/>
-              </a:spcBef>
-              <a:spcAft>
-                <a:spcPts val="0"/>
-              </a:spcAft>
-              <a:buSzPts val="1200"/>
-              <a:buChar char="●"/>
-            </a:pPr>
-            <a:r>
-              <a:rPr lang="en" sz="1200"/>
-              <a:t>Compared using MinMax and standard scalar for normalisatio</a:t>
+              <a:t>Identify why they are missing </a:t>
             </a:r>
             <a:endParaRPr sz="1200"/>
           </a:p>
@@ -7576,7 +7644,7 @@
   <p:cSld>
     <p:spTree>
       <p:nvGrpSpPr>
-        <p:cNvPr id="141" name="Shape 141"/>
+        <p:cNvPr id="142" name="Shape 142"/>
         <p:cNvGrpSpPr/>
         <p:nvPr/>
       </p:nvGrpSpPr>
@@ -7590,7 +7658,7 @@
       </p:grpSpPr>
       <p:sp>
         <p:nvSpPr>
-          <p:cNvPr id="142" name="Google Shape;142;p23"/>
+          <p:cNvPr id="143" name="Google Shape;143;p23"/>
           <p:cNvSpPr txBox="1"/>
           <p:nvPr>
             <p:ph type="title"/>
@@ -7622,7 +7690,11 @@
             </a:pPr>
             <a:r>
               <a:rPr lang="en"/>
-              <a:t>Appendix: Processing Pipeline</a:t>
+              <a:t>Appendix: </a:t>
+            </a:r>
+            <a:r>
+              <a:rPr lang="en"/>
+              <a:t>Categorical Encoding</a:t>
             </a:r>
             <a:endParaRPr/>
           </a:p>
@@ -7630,7 +7702,7 @@
       </p:sp>
       <p:sp>
         <p:nvSpPr>
-          <p:cNvPr id="143" name="Google Shape;143;p23"/>
+          <p:cNvPr id="144" name="Google Shape;144;p23"/>
           <p:cNvSpPr txBox="1"/>
           <p:nvPr>
             <p:ph idx="1" type="body"/>
@@ -7638,7 +7710,7 @@
         </p:nvSpPr>
         <p:spPr>
           <a:xfrm>
-            <a:off x="387900" y="1489824"/>
+            <a:off x="387900" y="1261224"/>
             <a:ext cx="8368200" cy="3078900"/>
           </a:xfrm>
           <a:prstGeom prst="rect">
@@ -7651,9 +7723,25 @@
           </a:bodyPr>
           <a:lstStyle/>
           <a:p>
+            <a:pPr indent="0" lvl="0" marL="0" rtl="0" algn="l">
+              <a:spcBef>
+                <a:spcPts val="0"/>
+              </a:spcBef>
+              <a:spcAft>
+                <a:spcPts val="0"/>
+              </a:spcAft>
+              <a:buNone/>
+            </a:pPr>
+            <a:r>
+              <a:rPr b="1" lang="en" sz="1200"/>
+              <a:t>Categorical Encoding:</a:t>
+            </a:r>
+            <a:endParaRPr b="1" sz="1200"/>
+          </a:p>
+          <a:p>
             <a:pPr indent="-304800" lvl="0" marL="457200" rtl="0" algn="l">
               <a:spcBef>
-                <a:spcPts val="0"/>
+                <a:spcPts val="1600"/>
               </a:spcBef>
               <a:spcAft>
                 <a:spcPts val="0"/>
@@ -7662,10 +7750,61 @@
               <a:buChar char="●"/>
             </a:pPr>
             <a:r>
-              <a:rPr lang="en"/>
-              <a:t>Encode “not in universe” as NA</a:t>
-            </a:r>
-            <a:endParaRPr/>
+              <a:rPr lang="en" sz="1200"/>
+              <a:t>Cardinality: High &gt;15:</a:t>
+            </a:r>
+            <a:endParaRPr sz="1200"/>
+          </a:p>
+          <a:p>
+            <a:pPr indent="-304800" lvl="1" marL="914400" rtl="0" algn="l">
+              <a:spcBef>
+                <a:spcPts val="0"/>
+              </a:spcBef>
+              <a:spcAft>
+                <a:spcPts val="0"/>
+              </a:spcAft>
+              <a:buSzPts val="1200"/>
+              <a:buChar char="○"/>
+            </a:pPr>
+            <a:r>
+              <a:rPr lang="en" sz="1200"/>
+              <a:t>Can cause overfitting</a:t>
+            </a:r>
+            <a:endParaRPr sz="1200"/>
+          </a:p>
+          <a:p>
+            <a:pPr indent="-304800" lvl="1" marL="914400" rtl="0" algn="l">
+              <a:spcBef>
+                <a:spcPts val="0"/>
+              </a:spcBef>
+              <a:spcAft>
+                <a:spcPts val="0"/>
+              </a:spcAft>
+              <a:buSzPts val="1200"/>
+              <a:buChar char="○"/>
+            </a:pPr>
+            <a:r>
+              <a:rPr lang="en" sz="1200"/>
+              <a:t>Issue with production models</a:t>
+            </a:r>
+            <a:endParaRPr sz="1200"/>
+          </a:p>
+          <a:p>
+            <a:pPr indent="-304800" lvl="1" marL="914400" rtl="0" algn="l">
+              <a:spcBef>
+                <a:spcPts val="0"/>
+              </a:spcBef>
+              <a:spcAft>
+                <a:spcPts val="0"/>
+              </a:spcAft>
+              <a:buSzPts val="1200"/>
+              <a:buChar char="○"/>
+            </a:pPr>
+            <a:r>
+              <a:rPr lang="en" sz="1200"/>
+              <a:t>Feature Engineering for “Education” category - using domain knowledge</a:t>
+            </a:r>
+            <a:endParaRPr sz="1200"/>
           </a:p>
           <a:p>
             <a:pPr indent="-304800" lvl="0" marL="457200" rtl="0" algn="l">
@@ -7679,10 +7818,61 @@
               <a:buChar char="●"/>
             </a:pPr>
             <a:r>
-              <a:rPr lang="en"/>
-              <a:t>Fill NA with missing (all categorical)</a:t>
-            </a:r>
-            <a:endParaRPr/>
+              <a:rPr lang="en" sz="1200"/>
+              <a:t>Encode less common labels as rare: threshold 0.01%:</a:t>
+            </a:r>
+            <a:endParaRPr sz="1200"/>
+          </a:p>
+          <a:p>
+            <a:pPr indent="-304800" lvl="1" marL="914400" rtl="0" algn="l">
+              <a:spcBef>
+                <a:spcPts val="0"/>
+              </a:spcBef>
+              <a:spcAft>
+                <a:spcPts val="0"/>
+              </a:spcAft>
+              <a:buSzPts val="1200"/>
+              <a:buChar char="○"/>
+            </a:pPr>
+            <a:r>
+              <a:rPr lang="en" sz="1200"/>
+              <a:t>Better for production models - overfitting and variables in test set</a:t>
+            </a:r>
+            <a:endParaRPr sz="1200"/>
+          </a:p>
+          <a:p>
+            <a:pPr indent="-304800" lvl="1" marL="914400" rtl="0" algn="l">
+              <a:spcBef>
+                <a:spcPts val="0"/>
+              </a:spcBef>
+              <a:spcAft>
+                <a:spcPts val="0"/>
+              </a:spcAft>
+              <a:buSzPts val="1200"/>
+              <a:buChar char="○"/>
+            </a:pPr>
+            <a:r>
+              <a:rPr lang="en" sz="1200"/>
+              <a:t>Better suited to visual representations </a:t>
+            </a:r>
+            <a:endParaRPr sz="1200"/>
+          </a:p>
+          <a:p>
+            <a:pPr indent="-304800" lvl="1" marL="914400" rtl="0" algn="l">
+              <a:spcBef>
+                <a:spcPts val="0"/>
+              </a:spcBef>
+              <a:spcAft>
+                <a:spcPts val="0"/>
+              </a:spcAft>
+              <a:buSzPts val="1200"/>
+              <a:buChar char="○"/>
+            </a:pPr>
+            <a:r>
+              <a:rPr lang="en" sz="1200"/>
+              <a:t>Reduces feature space</a:t>
+            </a:r>
+            <a:endParaRPr sz="1200"/>
           </a:p>
           <a:p>
             <a:pPr indent="-304800" lvl="0" marL="457200" rtl="0" algn="l">
@@ -7696,13 +7886,13 @@
               <a:buChar char="●"/>
             </a:pPr>
             <a:r>
-              <a:rPr lang="en"/>
-              <a:t>Feature engineering for education</a:t>
-            </a:r>
-            <a:endParaRPr/>
-          </a:p>
-          <a:p>
-            <a:pPr indent="-304800" lvl="0" marL="457200" rtl="0" algn="l">
+              <a:rPr lang="en" sz="1200"/>
+              <a:t>Ordered Ordinal Encoding</a:t>
+            </a:r>
+            <a:endParaRPr sz="1200"/>
+          </a:p>
+          <a:p>
+            <a:pPr indent="-304800" lvl="1" marL="914400" rtl="0" algn="l">
               <a:spcBef>
                 <a:spcPts val="0"/>
               </a:spcBef>
@@ -7710,16 +7900,16 @@
                 <a:spcPts val="0"/>
               </a:spcAft>
               <a:buSzPts val="1200"/>
-              <a:buChar char="●"/>
-            </a:pPr>
-            <a:r>
-              <a:rPr lang="en"/>
-              <a:t>Log skewed numeric values	</a:t>
-            </a:r>
-            <a:endParaRPr/>
-          </a:p>
-          <a:p>
-            <a:pPr indent="-304800" lvl="0" marL="457200" rtl="0" algn="l">
+              <a:buChar char="○"/>
+            </a:pPr>
+            <a:r>
+              <a:rPr lang="en" sz="1200"/>
+              <a:t>Works well with tree based algorithms</a:t>
+            </a:r>
+            <a:endParaRPr sz="1200"/>
+          </a:p>
+          <a:p>
+            <a:pPr indent="-304800" lvl="1" marL="914400" rtl="0" algn="l">
               <a:spcBef>
                 <a:spcPts val="0"/>
               </a:spcBef>
@@ -7727,16 +7917,16 @@
                 <a:spcPts val="0"/>
               </a:spcAft>
               <a:buSzPts val="1200"/>
-              <a:buChar char="●"/>
-            </a:pPr>
-            <a:r>
-              <a:rPr lang="en"/>
-              <a:t>Normalise variables (min max or standard scalar)</a:t>
-            </a:r>
-            <a:endParaRPr/>
-          </a:p>
-          <a:p>
-            <a:pPr indent="-304800" lvl="0" marL="457200" rtl="0" algn="l">
+              <a:buChar char="○"/>
+            </a:pPr>
+            <a:r>
+              <a:rPr lang="en" sz="1200"/>
+              <a:t>Does not increase the feature space - like with one hot encoding</a:t>
+            </a:r>
+            <a:endParaRPr sz="1200"/>
+          </a:p>
+          <a:p>
+            <a:pPr indent="-304800" lvl="1" marL="914400" rtl="0" algn="l">
               <a:spcBef>
                 <a:spcPts val="0"/>
               </a:spcBef>
@@ -7744,16 +7934,16 @@
                 <a:spcPts val="0"/>
               </a:spcAft>
               <a:buSzPts val="1200"/>
-              <a:buChar char="●"/>
-            </a:pPr>
-            <a:r>
-              <a:rPr lang="en"/>
-              <a:t>Drop correlated variables above a threshold</a:t>
-            </a:r>
-            <a:endParaRPr/>
-          </a:p>
-          <a:p>
-            <a:pPr indent="-304800" lvl="0" marL="457200" rtl="0" algn="l">
+              <a:buChar char="○"/>
+            </a:pPr>
+            <a:r>
+              <a:rPr lang="en" sz="1200"/>
+              <a:t>Creates monotonic relationship with target variable</a:t>
+            </a:r>
+            <a:endParaRPr sz="1200"/>
+          </a:p>
+          <a:p>
+            <a:pPr indent="-304800" lvl="1" marL="914400" rtl="0" algn="l">
               <a:spcBef>
                 <a:spcPts val="0"/>
               </a:spcBef>
@@ -7761,33 +7951,59 @@
                 <a:spcPts val="0"/>
               </a:spcAft>
               <a:buSzPts val="1200"/>
-              <a:buChar char="●"/>
-            </a:pPr>
-            <a:r>
-              <a:rPr lang="en"/>
-              <a:t>Apply resampling method to deal with class imbalance</a:t>
-            </a:r>
-            <a:endParaRPr/>
-          </a:p>
-          <a:p>
-            <a:pPr indent="-304800" lvl="0" marL="457200" rtl="0" algn="l">
-              <a:spcBef>
-                <a:spcPts val="0"/>
-              </a:spcBef>
-              <a:spcAft>
-                <a:spcPts val="0"/>
-              </a:spcAft>
-              <a:buSzPts val="1200"/>
-              <a:buChar char="●"/>
-            </a:pPr>
-            <a:r>
-              <a:rPr lang="en"/>
-              <a:t>Fit predictive model</a:t>
+              <a:buChar char="○"/>
+            </a:pPr>
+            <a:r>
+              <a:rPr lang="en" sz="1200"/>
+              <a:t>Prefered over one hot which expands features space</a:t>
+            </a:r>
+            <a:endParaRPr sz="1200"/>
+          </a:p>
+          <a:p>
+            <a:pPr indent="0" lvl="0" marL="457200" rtl="0" algn="l">
+              <a:spcBef>
+                <a:spcPts val="1600"/>
+              </a:spcBef>
+              <a:spcAft>
+                <a:spcPts val="1600"/>
+              </a:spcAft>
+              <a:buNone/>
+            </a:pPr>
+            <a:r>
+              <a:t/>
             </a:r>
             <a:endParaRPr/>
           </a:p>
         </p:txBody>
       </p:sp>
+      <p:pic>
+        <p:nvPicPr>
+          <p:cNvPr id="145" name="Google Shape;145;p23"/>
+          <p:cNvPicPr preferRelativeResize="0"/>
+          <p:nvPr/>
+        </p:nvPicPr>
+        <p:blipFill>
+          <a:blip r:embed="rId3">
+            <a:alphaModFix/>
+          </a:blip>
+          <a:stretch>
+            <a:fillRect/>
+          </a:stretch>
+        </p:blipFill>
+        <p:spPr>
+          <a:xfrm>
+            <a:off x="5327650" y="1280700"/>
+            <a:ext cx="3551799" cy="983700"/>
+          </a:xfrm>
+          <a:prstGeom prst="rect">
+            <a:avLst/>
+          </a:prstGeom>
+          <a:noFill/>
+          <a:ln>
+            <a:noFill/>
+          </a:ln>
+        </p:spPr>
+      </p:pic>
     </p:spTree>
   </p:cSld>
   <p:clrMapOvr>
@@ -7801,7 +8017,7 @@
   <p:cSld>
     <p:spTree>
       <p:nvGrpSpPr>
-        <p:cNvPr id="147" name="Shape 147"/>
+        <p:cNvPr id="149" name="Shape 149"/>
         <p:cNvGrpSpPr/>
         <p:nvPr/>
       </p:nvGrpSpPr>
@@ -7815,7 +8031,7 @@
       </p:grpSpPr>
       <p:sp>
         <p:nvSpPr>
-          <p:cNvPr id="148" name="Google Shape;148;p24"/>
+          <p:cNvPr id="150" name="Google Shape;150;p24"/>
           <p:cNvSpPr txBox="1"/>
           <p:nvPr>
             <p:ph type="title"/>
@@ -7823,8 +8039,8 @@
         </p:nvSpPr>
         <p:spPr>
           <a:xfrm>
-            <a:off x="387900" y="458025"/>
-            <a:ext cx="8368200" cy="686100"/>
+            <a:off x="235500" y="458025"/>
+            <a:ext cx="8907300" cy="686100"/>
           </a:xfrm>
           <a:prstGeom prst="rect">
             <a:avLst/>
@@ -7847,7 +8063,7 @@
             </a:pPr>
             <a:r>
               <a:rPr lang="en"/>
-              <a:t>Appendix: Predictive Modelling</a:t>
+              <a:t>Appendix: Numerical Encoding &amp; Normalisation</a:t>
             </a:r>
             <a:endParaRPr/>
           </a:p>
@@ -7855,7 +8071,7 @@
       </p:sp>
       <p:sp>
         <p:nvSpPr>
-          <p:cNvPr id="149" name="Google Shape;149;p24"/>
+          <p:cNvPr id="151" name="Google Shape;151;p24"/>
           <p:cNvSpPr txBox="1"/>
           <p:nvPr>
             <p:ph idx="1" type="body"/>
@@ -7863,8 +8079,8 @@
         </p:nvSpPr>
         <p:spPr>
           <a:xfrm>
-            <a:off x="387900" y="1489824"/>
-            <a:ext cx="8368200" cy="3078900"/>
+            <a:off x="387900" y="1489825"/>
+            <a:ext cx="8368200" cy="3460200"/>
           </a:xfrm>
           <a:prstGeom prst="rect">
             <a:avLst/>
@@ -7876,75 +8092,157 @@
           </a:bodyPr>
           <a:lstStyle/>
           <a:p>
-            <a:pPr indent="-342900" lvl="0" marL="457200" rtl="0" algn="l">
-              <a:spcBef>
-                <a:spcPts val="0"/>
-              </a:spcBef>
-              <a:spcAft>
-                <a:spcPts val="0"/>
-              </a:spcAft>
-              <a:buSzPts val="1800"/>
+            <a:pPr indent="0" lvl="0" marL="0" rtl="0" algn="l">
+              <a:spcBef>
+                <a:spcPts val="0"/>
+              </a:spcBef>
+              <a:spcAft>
+                <a:spcPts val="0"/>
+              </a:spcAft>
+              <a:buNone/>
+            </a:pPr>
+            <a:r>
+              <a:rPr b="1" lang="en" sz="1200"/>
+              <a:t>Continuous</a:t>
+            </a:r>
+            <a:r>
+              <a:rPr b="1" lang="en" sz="1200"/>
+              <a:t>:</a:t>
+            </a:r>
+            <a:r>
+              <a:rPr lang="en" sz="1200"/>
+              <a:t> </a:t>
+            </a:r>
+            <a:r>
+              <a:rPr lang="en" sz="1200"/>
+              <a:t>Skewed log transformation for skewed variables to return them to normal</a:t>
+            </a:r>
+            <a:endParaRPr sz="1200"/>
+          </a:p>
+          <a:p>
+            <a:pPr indent="-304800" lvl="0" marL="457200" rtl="0" algn="l">
+              <a:spcBef>
+                <a:spcPts val="1600"/>
+              </a:spcBef>
+              <a:spcAft>
+                <a:spcPts val="0"/>
+              </a:spcAft>
+              <a:buSzPts val="1200"/>
               <a:buChar char="●"/>
             </a:pPr>
             <a:r>
-              <a:rPr lang="en"/>
-              <a:t>Imbalanced dataset</a:t>
-            </a:r>
-            <a:endParaRPr/>
-          </a:p>
-          <a:p>
-            <a:pPr indent="-317500" lvl="1" marL="914400" rtl="0" algn="l">
-              <a:spcBef>
-                <a:spcPts val="0"/>
-              </a:spcBef>
-              <a:spcAft>
-                <a:spcPts val="0"/>
-              </a:spcAft>
-              <a:buSzPts val="1400"/>
+              <a:rPr lang="en" sz="1200"/>
+              <a:t>Better for linear models</a:t>
+            </a:r>
+            <a:endParaRPr sz="1200"/>
+          </a:p>
+          <a:p>
+            <a:pPr indent="-304800" lvl="0" marL="457200" rtl="0" algn="l">
+              <a:spcBef>
+                <a:spcPts val="0"/>
+              </a:spcBef>
+              <a:spcAft>
+                <a:spcPts val="0"/>
+              </a:spcAft>
+              <a:buSzPts val="1200"/>
+              <a:buChar char="●"/>
+            </a:pPr>
+            <a:r>
+              <a:rPr lang="en" sz="1200"/>
+              <a:t>Quick - but potentially more work needs to be done to handle outliers</a:t>
+            </a:r>
+            <a:endParaRPr sz="1200"/>
+          </a:p>
+          <a:p>
+            <a:pPr indent="-304800" lvl="1" marL="914400" rtl="0" algn="l">
+              <a:spcBef>
+                <a:spcPts val="0"/>
+              </a:spcBef>
+              <a:spcAft>
+                <a:spcPts val="0"/>
+              </a:spcAft>
+              <a:buSzPts val="1200"/>
               <a:buChar char="○"/>
             </a:pPr>
             <a:r>
-              <a:rPr lang="en"/>
-              <a:t>Resampling methods used - SMOTE</a:t>
-            </a:r>
-            <a:endParaRPr/>
-          </a:p>
-          <a:p>
-            <a:pPr indent="-317500" lvl="1" marL="914400" rtl="0" algn="l">
-              <a:spcBef>
-                <a:spcPts val="0"/>
-              </a:spcBef>
-              <a:spcAft>
-                <a:spcPts val="0"/>
-              </a:spcAft>
-              <a:buSzPts val="1400"/>
+              <a:rPr lang="en" sz="1200"/>
+              <a:t>Capping</a:t>
+            </a:r>
+            <a:endParaRPr sz="1200"/>
+          </a:p>
+          <a:p>
+            <a:pPr indent="0" lvl="0" marL="0" rtl="0" algn="l">
+              <a:spcBef>
+                <a:spcPts val="1600"/>
+              </a:spcBef>
+              <a:spcAft>
+                <a:spcPts val="0"/>
+              </a:spcAft>
+              <a:buNone/>
+            </a:pPr>
+            <a:r>
+              <a:rPr b="1" lang="en" sz="1200"/>
+              <a:t>Discrete</a:t>
+            </a:r>
+            <a:r>
+              <a:rPr lang="en" sz="1200"/>
+              <a:t>: Scaled using normalisation</a:t>
+            </a:r>
+            <a:endParaRPr sz="1200"/>
+          </a:p>
+          <a:p>
+            <a:pPr indent="-304800" lvl="0" marL="457200" rtl="0" algn="l">
+              <a:spcBef>
+                <a:spcPts val="1600"/>
+              </a:spcBef>
+              <a:spcAft>
+                <a:spcPts val="0"/>
+              </a:spcAft>
+              <a:buSzPts val="1200"/>
+              <a:buChar char="●"/>
+            </a:pPr>
+            <a:r>
+              <a:rPr lang="en" sz="1200"/>
+              <a:t>Quick - but potentially more work needs to be done to handle outliers</a:t>
+            </a:r>
+            <a:endParaRPr sz="1200"/>
+          </a:p>
+          <a:p>
+            <a:pPr indent="-304800" lvl="0" marL="457200" rtl="0" algn="l">
+              <a:spcBef>
+                <a:spcPts val="0"/>
+              </a:spcBef>
+              <a:spcAft>
+                <a:spcPts val="0"/>
+              </a:spcAft>
+              <a:buSzPts val="1200"/>
+              <a:buChar char="●"/>
+            </a:pPr>
+            <a:r>
+              <a:rPr lang="en" sz="1200"/>
+              <a:t>Reduced cardinality for weeks of years --&gt;months</a:t>
+            </a:r>
+            <a:endParaRPr sz="1200"/>
+          </a:p>
+          <a:p>
+            <a:pPr indent="-304800" lvl="1" marL="914400" rtl="0" algn="l">
+              <a:spcBef>
+                <a:spcPts val="0"/>
+              </a:spcBef>
+              <a:spcAft>
+                <a:spcPts val="0"/>
+              </a:spcAft>
+              <a:buSzPts val="1200"/>
               <a:buChar char="○"/>
             </a:pPr>
             <a:r>
-              <a:rPr lang="en"/>
-              <a:t>Metric of interest used was recall &amp; F1 to better evaluate the positive class</a:t>
-            </a:r>
-            <a:endParaRPr/>
-          </a:p>
-          <a:p>
-            <a:pPr indent="-317500" lvl="1" marL="914400" rtl="0" algn="l">
-              <a:spcBef>
-                <a:spcPts val="0"/>
-              </a:spcBef>
-              <a:spcAft>
-                <a:spcPts val="0"/>
-              </a:spcAft>
-              <a:buSzPts val="1400"/>
-              <a:buChar char="○"/>
-            </a:pPr>
-            <a:r>
-              <a:rPr lang="en"/>
-              <a:t>Linear models failed to converge on rebalance data</a:t>
-            </a:r>
-            <a:endParaRPr/>
-          </a:p>
-          <a:p>
-            <a:pPr indent="0" lvl="0" marL="914400" rtl="0" algn="l">
+              <a:rPr lang="en" sz="1200"/>
+              <a:t>Better for linear models, reduced over fitting</a:t>
+            </a:r>
+            <a:endParaRPr sz="1200"/>
+          </a:p>
+          <a:p>
+            <a:pPr indent="0" lvl="0" marL="0" rtl="0" algn="l">
               <a:spcBef>
                 <a:spcPts val="1600"/>
               </a:spcBef>
@@ -7954,77 +8252,52 @@
               <a:buNone/>
             </a:pPr>
             <a:r>
-              <a:t/>
-            </a:r>
-            <a:endParaRPr/>
-          </a:p>
-          <a:p>
-            <a:pPr indent="-342900" lvl="0" marL="457200" rtl="0" algn="l">
+              <a:rPr b="1" lang="en" sz="1200"/>
+              <a:t>Normalisation:</a:t>
+            </a:r>
+            <a:endParaRPr b="1" sz="1200"/>
+          </a:p>
+          <a:p>
+            <a:pPr indent="-304800" lvl="0" marL="457200" rtl="0" algn="l">
               <a:spcBef>
                 <a:spcPts val="1600"/>
               </a:spcBef>
               <a:spcAft>
                 <a:spcPts val="0"/>
               </a:spcAft>
-              <a:buSzPts val="1800"/>
+              <a:buSzPts val="1200"/>
               <a:buChar char="●"/>
             </a:pPr>
             <a:r>
-              <a:rPr lang="en"/>
-              <a:t>Algorithms</a:t>
-            </a:r>
-            <a:endParaRPr/>
-          </a:p>
-          <a:p>
-            <a:pPr indent="-317500" lvl="1" marL="914400" rtl="0" algn="l">
-              <a:spcBef>
-                <a:spcPts val="0"/>
-              </a:spcBef>
-              <a:spcAft>
-                <a:spcPts val="0"/>
-              </a:spcAft>
-              <a:buSzPts val="1400"/>
-              <a:buChar char="○"/>
-            </a:pPr>
-            <a:r>
-              <a:rPr lang="en"/>
-              <a:t>Random forest </a:t>
-            </a:r>
-            <a:endParaRPr/>
-          </a:p>
-          <a:p>
-            <a:pPr indent="-317500" lvl="1" marL="914400" rtl="0" algn="l">
-              <a:spcBef>
-                <a:spcPts val="0"/>
-              </a:spcBef>
-              <a:spcAft>
-                <a:spcPts val="0"/>
-              </a:spcAft>
-              <a:buSzPts val="1400"/>
-              <a:buChar char="○"/>
-            </a:pPr>
-            <a:r>
-              <a:rPr lang="en"/>
-              <a:t>Logistic regression</a:t>
-            </a:r>
-            <a:endParaRPr/>
-          </a:p>
-          <a:p>
-            <a:pPr indent="-317500" lvl="1" marL="914400" rtl="0" algn="l">
-              <a:spcBef>
-                <a:spcPts val="0"/>
-              </a:spcBef>
-              <a:spcAft>
-                <a:spcPts val="0"/>
-              </a:spcAft>
-              <a:buSzPts val="1400"/>
-              <a:buChar char="○"/>
-            </a:pPr>
-            <a:r>
-              <a:rPr lang="en"/>
-              <a:t>MLP</a:t>
-            </a:r>
-            <a:endParaRPr/>
+              <a:rPr b="1" lang="en" sz="1200"/>
+              <a:t>MinMax: </a:t>
+            </a:r>
+            <a:r>
+              <a:rPr lang="en" sz="1200"/>
+              <a:t>retains outliers</a:t>
+            </a:r>
+            <a:endParaRPr sz="1200"/>
+          </a:p>
+          <a:p>
+            <a:pPr indent="-304800" lvl="0" marL="457200" rtl="0" algn="l">
+              <a:spcBef>
+                <a:spcPts val="0"/>
+              </a:spcBef>
+              <a:spcAft>
+                <a:spcPts val="0"/>
+              </a:spcAft>
+              <a:buSzPts val="1200"/>
+              <a:buChar char="●"/>
+            </a:pPr>
+            <a:r>
+              <a:rPr b="1" lang="en" sz="1200"/>
+              <a:t>Potential</a:t>
+            </a:r>
+            <a:r>
+              <a:rPr lang="en" sz="1200"/>
+              <a:t> improvement use robust scalar (to deal with outliers) or Standard scalar to normalise variables</a:t>
+            </a:r>
+            <a:endParaRPr sz="1200"/>
           </a:p>
         </p:txBody>
       </p:sp>
@@ -8063,8 +8336,8 @@
         </p:nvSpPr>
         <p:spPr>
           <a:xfrm>
-            <a:off x="20250" y="381825"/>
-            <a:ext cx="9262500" cy="686100"/>
+            <a:off x="311700" y="534225"/>
+            <a:ext cx="7626900" cy="686100"/>
           </a:xfrm>
           <a:prstGeom prst="rect">
             <a:avLst/>
@@ -8086,16 +8359,153 @@
               <a:buNone/>
             </a:pPr>
             <a:r>
+              <a:t/>
+            </a:r>
+            <a:endParaRPr/>
+          </a:p>
+          <a:p>
+            <a:pPr indent="0" lvl="0" marL="0" rtl="0" algn="l">
+              <a:spcBef>
+                <a:spcPts val="0"/>
+              </a:spcBef>
+              <a:spcAft>
+                <a:spcPts val="0"/>
+              </a:spcAft>
+              <a:buNone/>
+            </a:pPr>
+            <a:r>
+              <a:t/>
+            </a:r>
+            <a:endParaRPr/>
+          </a:p>
+          <a:p>
+            <a:pPr indent="0" lvl="0" marL="0" rtl="0" algn="l">
+              <a:spcBef>
+                <a:spcPts val="0"/>
+              </a:spcBef>
+              <a:spcAft>
+                <a:spcPts val="0"/>
+              </a:spcAft>
+              <a:buNone/>
+            </a:pPr>
+            <a:r>
+              <a:t/>
+            </a:r>
+            <a:endParaRPr/>
+          </a:p>
+          <a:p>
+            <a:pPr indent="0" lvl="0" marL="0" rtl="0" algn="l">
+              <a:spcBef>
+                <a:spcPts val="0"/>
+              </a:spcBef>
+              <a:spcAft>
+                <a:spcPts val="0"/>
+              </a:spcAft>
+              <a:buNone/>
+            </a:pPr>
+            <a:r>
               <a:rPr lang="en"/>
-              <a:t>How do Education and Nationality affect Income?</a:t>
+              <a:t>Occupation</a:t>
             </a:r>
             <a:endParaRPr/>
+          </a:p>
+        </p:txBody>
+      </p:sp>
+      <p:sp>
+        <p:nvSpPr>
+          <p:cNvPr id="69" name="Google Shape;69;p14"/>
+          <p:cNvSpPr txBox="1"/>
+          <p:nvPr>
+            <p:ph idx="1" type="body"/>
+          </p:nvPr>
+        </p:nvSpPr>
+        <p:spPr>
+          <a:xfrm>
+            <a:off x="6900" y="1337425"/>
+            <a:ext cx="4791600" cy="2727000"/>
+          </a:xfrm>
+          <a:prstGeom prst="rect">
+            <a:avLst/>
+          </a:prstGeom>
+        </p:spPr>
+        <p:txBody>
+          <a:bodyPr anchorCtr="0" anchor="t" bIns="91425" lIns="91425" spcFirstLastPara="1" rIns="91425" wrap="square" tIns="91425">
+            <a:noAutofit/>
+          </a:bodyPr>
+          <a:lstStyle/>
+          <a:p>
+            <a:pPr indent="-304800" lvl="0" marL="457200" rtl="0" algn="l">
+              <a:spcBef>
+                <a:spcPts val="0"/>
+              </a:spcBef>
+              <a:spcAft>
+                <a:spcPts val="0"/>
+              </a:spcAft>
+              <a:buSzPts val="1200"/>
+              <a:buChar char="●"/>
+            </a:pPr>
+            <a:r>
+              <a:rPr lang="en" sz="1200"/>
+              <a:t>Industry and role have a large impact on earning potential</a:t>
+            </a:r>
+            <a:endParaRPr sz="1200"/>
+          </a:p>
+          <a:p>
+            <a:pPr indent="-304800" lvl="0" marL="457200" rtl="0" algn="l">
+              <a:spcBef>
+                <a:spcPts val="0"/>
+              </a:spcBef>
+              <a:spcAft>
+                <a:spcPts val="0"/>
+              </a:spcAft>
+              <a:buSzPts val="1200"/>
+              <a:buChar char="●"/>
+            </a:pPr>
+            <a:r>
+              <a:rPr lang="en" sz="1200"/>
+              <a:t>Role within this industry is also very important</a:t>
+            </a:r>
+            <a:endParaRPr sz="1200"/>
+          </a:p>
+          <a:p>
+            <a:pPr indent="-304800" lvl="0" marL="457200" rtl="0" algn="l">
+              <a:spcBef>
+                <a:spcPts val="0"/>
+              </a:spcBef>
+              <a:spcAft>
+                <a:spcPts val="0"/>
+              </a:spcAft>
+              <a:buSzPts val="1200"/>
+              <a:buChar char="●"/>
+            </a:pPr>
+            <a:r>
+              <a:rPr lang="en" sz="1200"/>
+              <a:t>Self employed offers the best chance to earn over 50K</a:t>
+            </a:r>
+            <a:endParaRPr sz="1200"/>
+          </a:p>
+          <a:p>
+            <a:pPr indent="-304800" lvl="0" marL="457200" rtl="0" algn="l">
+              <a:spcBef>
+                <a:spcPts val="0"/>
+              </a:spcBef>
+              <a:spcAft>
+                <a:spcPts val="0"/>
+              </a:spcAft>
+              <a:buSzPts val="1200"/>
+              <a:buChar char="●"/>
+            </a:pPr>
+            <a:r>
+              <a:rPr lang="en" sz="1200"/>
+              <a:t>Not show: Higher wage per hour better/ Full time better than part time better than no time</a:t>
+            </a:r>
+            <a:endParaRPr sz="1200"/>
           </a:p>
         </p:txBody>
       </p:sp>
       <p:pic>
         <p:nvPicPr>
-          <p:cNvPr id="69" name="Google Shape;69;p14"/>
+          <p:cNvPr id="70" name="Google Shape;70;p14"/>
           <p:cNvPicPr preferRelativeResize="0"/>
           <p:nvPr/>
         </p:nvPicPr>
@@ -8109,8 +8519,8 @@
         </p:blipFill>
         <p:spPr>
           <a:xfrm>
-            <a:off x="3046975" y="1296525"/>
-            <a:ext cx="3116799" cy="2969551"/>
+            <a:off x="159300" y="3015790"/>
+            <a:ext cx="2222801" cy="2013310"/>
           </a:xfrm>
           <a:prstGeom prst="rect">
             <a:avLst/>
@@ -8123,7 +8533,7 @@
       </p:pic>
       <p:pic>
         <p:nvPicPr>
-          <p:cNvPr id="70" name="Google Shape;70;p14"/>
+          <p:cNvPr id="71" name="Google Shape;71;p14"/>
           <p:cNvPicPr preferRelativeResize="0"/>
           <p:nvPr/>
         </p:nvPicPr>
@@ -8137,8 +8547,8 @@
         </p:blipFill>
         <p:spPr>
           <a:xfrm>
-            <a:off x="6546815" y="1296525"/>
-            <a:ext cx="2505157" cy="2969550"/>
+            <a:off x="2468350" y="3015800"/>
+            <a:ext cx="2569275" cy="2013300"/>
           </a:xfrm>
           <a:prstGeom prst="rect">
             <a:avLst/>
@@ -8149,117 +8559,62 @@
           </a:ln>
         </p:spPr>
       </p:pic>
-      <p:sp>
-        <p:nvSpPr>
-          <p:cNvPr id="71" name="Google Shape;71;p14"/>
-          <p:cNvSpPr txBox="1"/>
-          <p:nvPr>
-            <p:ph idx="1" type="body"/>
-          </p:nvPr>
-        </p:nvSpPr>
+      <p:pic>
+        <p:nvPicPr>
+          <p:cNvPr id="72" name="Google Shape;72;p14"/>
+          <p:cNvPicPr preferRelativeResize="0"/>
+          <p:nvPr/>
+        </p:nvPicPr>
+        <p:blipFill>
+          <a:blip r:embed="rId5">
+            <a:alphaModFix/>
+          </a:blip>
+          <a:stretch>
+            <a:fillRect/>
+          </a:stretch>
+        </p:blipFill>
         <p:spPr>
           <a:xfrm>
-            <a:off x="6900" y="1489825"/>
-            <a:ext cx="3176400" cy="2144700"/>
+            <a:off x="5177300" y="988500"/>
+            <a:ext cx="3871101" cy="1928275"/>
           </a:xfrm>
           <a:prstGeom prst="rect">
             <a:avLst/>
           </a:prstGeom>
+          <a:noFill/>
+          <a:ln>
+            <a:noFill/>
+          </a:ln>
         </p:spPr>
-        <p:txBody>
-          <a:bodyPr anchorCtr="0" anchor="t" bIns="91425" lIns="91425" spcFirstLastPara="1" rIns="91425" wrap="square" tIns="91425">
-            <a:noAutofit/>
-          </a:bodyPr>
-          <a:lstStyle/>
-          <a:p>
-            <a:pPr indent="-304800" lvl="0" marL="457200" rtl="0" algn="l">
-              <a:spcBef>
-                <a:spcPts val="0"/>
-              </a:spcBef>
-              <a:spcAft>
-                <a:spcPts val="0"/>
-              </a:spcAft>
-              <a:buSzPts val="1200"/>
-              <a:buChar char="●"/>
-            </a:pPr>
-            <a:r>
-              <a:rPr lang="en" sz="1200"/>
-              <a:t>More likely to earn more than 50k if</a:t>
-            </a:r>
-            <a:r>
-              <a:rPr lang="en" sz="1200"/>
-              <a:t>:</a:t>
-            </a:r>
-            <a:endParaRPr sz="1200"/>
-          </a:p>
-          <a:p>
-            <a:pPr indent="-304800" lvl="1" marL="914400" rtl="0" algn="l">
-              <a:spcBef>
-                <a:spcPts val="0"/>
-              </a:spcBef>
-              <a:spcAft>
-                <a:spcPts val="0"/>
-              </a:spcAft>
-              <a:buSzPts val="1200"/>
-              <a:buChar char="○"/>
-            </a:pPr>
-            <a:r>
-              <a:rPr lang="en" sz="1200"/>
-              <a:t>Higher level of education </a:t>
-            </a:r>
-            <a:endParaRPr sz="1200"/>
-          </a:p>
-          <a:p>
-            <a:pPr indent="-304800" lvl="1" marL="914400" rtl="0" algn="l">
-              <a:spcBef>
-                <a:spcPts val="0"/>
-              </a:spcBef>
-              <a:spcAft>
-                <a:spcPts val="0"/>
-              </a:spcAft>
-              <a:buSzPts val="1200"/>
-              <a:buChar char="○"/>
-            </a:pPr>
-            <a:r>
-              <a:rPr lang="en" sz="1200"/>
-              <a:t>Citizens earn more</a:t>
-            </a:r>
-            <a:endParaRPr sz="1200"/>
-          </a:p>
-          <a:p>
-            <a:pPr indent="0" lvl="0" marL="914400" rtl="0" algn="l">
-              <a:spcBef>
-                <a:spcPts val="1600"/>
-              </a:spcBef>
-              <a:spcAft>
-                <a:spcPts val="0"/>
-              </a:spcAft>
-              <a:buNone/>
-            </a:pPr>
-            <a:r>
-              <a:t/>
-            </a:r>
-            <a:endParaRPr sz="1200"/>
-          </a:p>
-          <a:p>
-            <a:pPr indent="-304800" lvl="0" marL="457200" rtl="0" algn="l">
-              <a:spcBef>
-                <a:spcPts val="1600"/>
-              </a:spcBef>
-              <a:spcAft>
-                <a:spcPts val="0"/>
-              </a:spcAft>
-              <a:buSzPts val="1200"/>
-              <a:buChar char="●"/>
-            </a:pPr>
-            <a:r>
-              <a:rPr lang="en" sz="1200"/>
-              <a:t>Education is the most important predictor</a:t>
-            </a:r>
-            <a:endParaRPr sz="1200"/>
-          </a:p>
-        </p:txBody>
-      </p:sp>
+      </p:pic>
+      <p:pic>
+        <p:nvPicPr>
+          <p:cNvPr id="73" name="Google Shape;73;p14"/>
+          <p:cNvPicPr preferRelativeResize="0"/>
+          <p:nvPr/>
+        </p:nvPicPr>
+        <p:blipFill>
+          <a:blip r:embed="rId6">
+            <a:alphaModFix/>
+          </a:blip>
+          <a:stretch>
+            <a:fillRect/>
+          </a:stretch>
+        </p:blipFill>
+        <p:spPr>
+          <a:xfrm>
+            <a:off x="5177300" y="3096650"/>
+            <a:ext cx="3871099" cy="1900099"/>
+          </a:xfrm>
+          <a:prstGeom prst="rect">
+            <a:avLst/>
+          </a:prstGeom>
+          <a:noFill/>
+          <a:ln>
+            <a:noFill/>
+          </a:ln>
+        </p:spPr>
+      </p:pic>
     </p:spTree>
   </p:cSld>
   <p:clrMapOvr>
@@ -8273,7 +8628,7 @@
   <p:cSld>
     <p:spTree>
       <p:nvGrpSpPr>
-        <p:cNvPr id="75" name="Shape 75"/>
+        <p:cNvPr id="77" name="Shape 77"/>
         <p:cNvGrpSpPr/>
         <p:nvPr/>
       </p:nvGrpSpPr>
@@ -8287,7 +8642,7 @@
       </p:grpSpPr>
       <p:sp>
         <p:nvSpPr>
-          <p:cNvPr id="76" name="Google Shape;76;p15"/>
+          <p:cNvPr id="78" name="Google Shape;78;p15"/>
           <p:cNvSpPr txBox="1"/>
           <p:nvPr>
             <p:ph type="title"/>
@@ -8319,15 +8674,15 @@
             </a:pPr>
             <a:r>
               <a:rPr lang="en"/>
-              <a:t>How does Family life affect Income?</a:t>
-            </a:r>
-            <a:endParaRPr u="sng"/>
+              <a:t>Investments</a:t>
+            </a:r>
+            <a:endParaRPr/>
           </a:p>
         </p:txBody>
       </p:sp>
       <p:sp>
         <p:nvSpPr>
-          <p:cNvPr id="77" name="Google Shape;77;p15"/>
+          <p:cNvPr id="79" name="Google Shape;79;p15"/>
           <p:cNvSpPr txBox="1"/>
           <p:nvPr>
             <p:ph idx="1" type="body"/>
@@ -8335,8 +8690,8 @@
         </p:nvSpPr>
         <p:spPr>
           <a:xfrm>
-            <a:off x="6900" y="1489825"/>
-            <a:ext cx="3195900" cy="3078900"/>
+            <a:off x="83100" y="1337425"/>
+            <a:ext cx="7271100" cy="1234200"/>
           </a:xfrm>
           <a:prstGeom prst="rect">
             <a:avLst/>
@@ -8360,7 +8715,66 @@
             </a:pPr>
             <a:r>
               <a:rPr lang="en" sz="1200"/>
-              <a:t>Marriage is important</a:t>
+              <a:t>Having Investments increases the </a:t>
+            </a:r>
+            <a:r>
+              <a:rPr lang="en" sz="1200"/>
+              <a:t>likelihood</a:t>
+            </a:r>
+            <a:r>
+              <a:rPr lang="en" sz="1200"/>
+              <a:t> of earning over 50K</a:t>
+            </a:r>
+            <a:endParaRPr sz="1200"/>
+          </a:p>
+          <a:p>
+            <a:pPr indent="-304800" lvl="0" marL="457200" rtl="0" algn="l">
+              <a:spcBef>
+                <a:spcPts val="0"/>
+              </a:spcBef>
+              <a:spcAft>
+                <a:spcPts val="0"/>
+              </a:spcAft>
+              <a:buSzPts val="1200"/>
+              <a:buChar char="●"/>
+            </a:pPr>
+            <a:r>
+              <a:rPr lang="en" sz="1200"/>
+              <a:t>Even if they perform poorly</a:t>
+            </a:r>
+            <a:endParaRPr sz="1200"/>
+          </a:p>
+          <a:p>
+            <a:pPr indent="-304800" lvl="0" marL="457200" rtl="0" algn="l">
+              <a:spcBef>
+                <a:spcPts val="0"/>
+              </a:spcBef>
+              <a:spcAft>
+                <a:spcPts val="0"/>
+              </a:spcAft>
+              <a:buSzPts val="1200"/>
+              <a:buChar char="●"/>
+            </a:pPr>
+            <a:r>
+              <a:rPr lang="en" sz="1200"/>
+              <a:t>Not able to distinguish between those that have no investment profile vs making 0 </a:t>
+            </a:r>
+            <a:endParaRPr sz="1200"/>
+          </a:p>
+          <a:p>
+            <a:pPr indent="-304800" lvl="0" marL="457200" rtl="0" algn="l">
+              <a:spcBef>
+                <a:spcPts val="0"/>
+              </a:spcBef>
+              <a:spcAft>
+                <a:spcPts val="0"/>
+              </a:spcAft>
+              <a:buSzPts val="1200"/>
+              <a:buChar char="●"/>
+            </a:pPr>
+            <a:r>
+              <a:rPr lang="en" sz="1200"/>
+              <a:t>Log values to encourage normal distributions</a:t>
             </a:r>
             <a:endParaRPr sz="1200"/>
           </a:p>
@@ -8377,12 +8791,12 @@
             </a:pPr>
             <a:r>
               <a:rPr lang="en" sz="1200"/>
-              <a:t>Other than armed forces</a:t>
+              <a:t>Better for linear models</a:t>
             </a:r>
             <a:endParaRPr sz="1200"/>
           </a:p>
           <a:p>
-            <a:pPr indent="-304800" lvl="0" marL="457200" rtl="0" algn="l">
+            <a:pPr indent="-304800" lvl="1" marL="914400" rtl="0" algn="l">
               <a:spcBef>
                 <a:spcPts val="0"/>
               </a:spcBef>
@@ -8390,53 +8804,15 @@
                 <a:spcPts val="0"/>
               </a:spcAft>
               <a:buSzPts val="1200"/>
-              <a:buChar char="●"/>
+              <a:buChar char="○"/>
             </a:pPr>
             <a:r>
               <a:rPr lang="en" sz="1200"/>
-              <a:t>Better to be married and divorced than never married</a:t>
-            </a:r>
-            <a:endParaRPr sz="1200"/>
-          </a:p>
-          <a:p>
-            <a:pPr indent="-304800" lvl="0" marL="457200" rtl="0" algn="l">
-              <a:spcBef>
-                <a:spcPts val="0"/>
-              </a:spcBef>
-              <a:spcAft>
-                <a:spcPts val="0"/>
-              </a:spcAft>
-              <a:buSzPts val="1200"/>
-              <a:buChar char="●"/>
-            </a:pPr>
+              <a:t>Better for </a:t>
+            </a:r>
             <a:r>
               <a:rPr lang="en" sz="1200"/>
-              <a:t>Being a householder or spouse of householder is important</a:t>
-            </a:r>
-            <a:endParaRPr sz="1200"/>
-          </a:p>
-          <a:p>
-            <a:pPr indent="-304800" lvl="0" marL="457200" rtl="0" algn="l">
-              <a:spcBef>
-                <a:spcPts val="0"/>
-              </a:spcBef>
-              <a:spcAft>
-                <a:spcPts val="0"/>
-              </a:spcAft>
-              <a:buSzPts val="1200"/>
-              <a:buChar char="●"/>
-            </a:pPr>
-            <a:r>
-              <a:rPr lang="en" sz="1200"/>
-              <a:t>Having children over 18 improves changes, </a:t>
-            </a:r>
-            <a:r>
-              <a:rPr lang="en" sz="1200"/>
-              <a:t>confounding</a:t>
-            </a:r>
-            <a:r>
-              <a:rPr lang="en" sz="1200"/>
-              <a:t> variable of age?</a:t>
+              <a:t>visualization</a:t>
             </a:r>
             <a:endParaRPr sz="1200"/>
           </a:p>
@@ -8444,7 +8820,7 @@
       </p:sp>
       <p:pic>
         <p:nvPicPr>
-          <p:cNvPr id="78" name="Google Shape;78;p15"/>
+          <p:cNvPr id="80" name="Google Shape;80;p15"/>
           <p:cNvPicPr preferRelativeResize="0"/>
           <p:nvPr/>
         </p:nvPicPr>
@@ -8458,8 +8834,8 @@
         </p:blipFill>
         <p:spPr>
           <a:xfrm>
-            <a:off x="6164525" y="1559200"/>
-            <a:ext cx="2921856" cy="3019976"/>
+            <a:off x="159300" y="2771300"/>
+            <a:ext cx="2783349" cy="1998691"/>
           </a:xfrm>
           <a:prstGeom prst="rect">
             <a:avLst/>
@@ -8472,7 +8848,7 @@
       </p:pic>
       <p:pic>
         <p:nvPicPr>
-          <p:cNvPr id="79" name="Google Shape;79;p15"/>
+          <p:cNvPr id="81" name="Google Shape;81;p15"/>
           <p:cNvPicPr preferRelativeResize="0"/>
           <p:nvPr/>
         </p:nvPicPr>
@@ -8486,8 +8862,36 @@
         </p:blipFill>
         <p:spPr>
           <a:xfrm>
-            <a:off x="3394146" y="1559200"/>
-            <a:ext cx="2675851" cy="3019976"/>
+            <a:off x="3269325" y="2787874"/>
+            <a:ext cx="2783349" cy="1968150"/>
+          </a:xfrm>
+          <a:prstGeom prst="rect">
+            <a:avLst/>
+          </a:prstGeom>
+          <a:noFill/>
+          <a:ln>
+            <a:noFill/>
+          </a:ln>
+        </p:spPr>
+      </p:pic>
+      <p:pic>
+        <p:nvPicPr>
+          <p:cNvPr id="82" name="Google Shape;82;p15"/>
+          <p:cNvPicPr preferRelativeResize="0"/>
+          <p:nvPr/>
+        </p:nvPicPr>
+        <p:blipFill>
+          <a:blip r:embed="rId5">
+            <a:alphaModFix/>
+          </a:blip>
+          <a:stretch>
+            <a:fillRect/>
+          </a:stretch>
+        </p:blipFill>
+        <p:spPr>
+          <a:xfrm>
+            <a:off x="6303150" y="2771300"/>
+            <a:ext cx="2751004" cy="1968151"/>
           </a:xfrm>
           <a:prstGeom prst="rect">
             <a:avLst/>
@@ -8511,7 +8915,7 @@
   <p:cSld>
     <p:spTree>
       <p:nvGrpSpPr>
-        <p:cNvPr id="83" name="Shape 83"/>
+        <p:cNvPr id="86" name="Shape 86"/>
         <p:cNvGrpSpPr/>
         <p:nvPr/>
       </p:nvGrpSpPr>
@@ -8525,7 +8929,7 @@
       </p:grpSpPr>
       <p:sp>
         <p:nvSpPr>
-          <p:cNvPr id="84" name="Google Shape;84;p16"/>
+          <p:cNvPr id="87" name="Google Shape;87;p16"/>
           <p:cNvSpPr txBox="1"/>
           <p:nvPr>
             <p:ph type="title"/>
@@ -8533,7 +8937,7 @@
         </p:nvSpPr>
         <p:spPr>
           <a:xfrm>
-            <a:off x="387900" y="153225"/>
+            <a:off x="387900" y="458025"/>
             <a:ext cx="8368200" cy="686100"/>
           </a:xfrm>
           <a:prstGeom prst="rect">
@@ -8557,7 +8961,7 @@
             </a:pPr>
             <a:r>
               <a:rPr lang="en"/>
-              <a:t>How does Occupation affect Salary?</a:t>
+              <a:t>Nationality</a:t>
             </a:r>
             <a:endParaRPr/>
           </a:p>
@@ -8565,7 +8969,7 @@
       </p:sp>
       <p:sp>
         <p:nvSpPr>
-          <p:cNvPr id="85" name="Google Shape;85;p16"/>
+          <p:cNvPr id="88" name="Google Shape;88;p16"/>
           <p:cNvSpPr txBox="1"/>
           <p:nvPr>
             <p:ph idx="1" type="body"/>
@@ -8573,8 +8977,8 @@
         </p:nvSpPr>
         <p:spPr>
           <a:xfrm>
-            <a:off x="6900" y="1489825"/>
-            <a:ext cx="7088400" cy="2727000"/>
+            <a:off x="6900" y="1337425"/>
+            <a:ext cx="8130900" cy="3078900"/>
           </a:xfrm>
           <a:prstGeom prst="rect">
             <a:avLst/>
@@ -8598,7 +9002,31 @@
             </a:pPr>
             <a:r>
               <a:rPr lang="en" sz="1200"/>
-              <a:t>Being in full time work is better than part time </a:t>
+              <a:t>High correlation (&gt; 0.7) between </a:t>
+            </a:r>
+            <a:r>
+              <a:rPr lang="en" sz="1200"/>
+              <a:t>mother's</a:t>
+            </a:r>
+            <a:r>
+              <a:rPr lang="en" sz="1200"/>
+              <a:t> country of </a:t>
+            </a:r>
+            <a:r>
+              <a:rPr lang="en" sz="1200"/>
+              <a:t>birth</a:t>
+            </a:r>
+            <a:r>
+              <a:rPr lang="en" sz="1200"/>
+              <a:t> and </a:t>
+            </a:r>
+            <a:r>
+              <a:rPr lang="en" sz="1200"/>
+              <a:t>father's</a:t>
+            </a:r>
+            <a:r>
+              <a:rPr lang="en" sz="1200"/>
+              <a:t> country of birth (not shown)</a:t>
             </a:r>
             <a:endParaRPr sz="1200"/>
           </a:p>
@@ -8615,7 +9043,7 @@
             </a:pPr>
             <a:r>
               <a:rPr lang="en" sz="1200"/>
-              <a:t>Working for more months is better</a:t>
+              <a:t>High correlation between birth of self and parents</a:t>
             </a:r>
             <a:endParaRPr sz="1200"/>
           </a:p>
@@ -8632,7 +9060,15 @@
             </a:pPr>
             <a:r>
               <a:rPr lang="en" sz="1200"/>
-              <a:t>Higher wage per hour is better</a:t>
+              <a:t>Citizenship more </a:t>
+            </a:r>
+            <a:r>
+              <a:rPr lang="en" sz="1200"/>
+              <a:t>nuanced</a:t>
+            </a:r>
+            <a:r>
+              <a:rPr lang="en" sz="1200"/>
+              <a:t> than native,  not native - </a:t>
             </a:r>
             <a:endParaRPr sz="1200"/>
           </a:p>
@@ -8649,7 +9085,28 @@
             </a:pPr>
             <a:r>
               <a:rPr lang="en" sz="1200"/>
-              <a:t>Self employed offers the best chance</a:t>
+              <a:t>Generally better to be a native but distinction for us outlying- consistent with birth country</a:t>
+            </a:r>
+            <a:endParaRPr sz="1200"/>
+          </a:p>
+          <a:p>
+            <a:pPr indent="-304800" lvl="0" marL="457200" rtl="0" algn="l">
+              <a:spcBef>
+                <a:spcPts val="0"/>
+              </a:spcBef>
+              <a:spcAft>
+                <a:spcPts val="0"/>
+              </a:spcAft>
+              <a:buSzPts val="1200"/>
+              <a:buChar char="●"/>
+            </a:pPr>
+            <a:r>
+              <a:rPr b="1" lang="en" sz="1200"/>
+              <a:t>Improvements</a:t>
+            </a:r>
+            <a:r>
+              <a:rPr lang="en" sz="1200"/>
+              <a:t>: Continent instead of country for Rare labels</a:t>
             </a:r>
             <a:endParaRPr sz="1200"/>
           </a:p>
@@ -8657,7 +9114,7 @@
       </p:sp>
       <p:pic>
         <p:nvPicPr>
-          <p:cNvPr id="86" name="Google Shape;86;p16"/>
+          <p:cNvPr id="89" name="Google Shape;89;p16"/>
           <p:cNvPicPr preferRelativeResize="0"/>
           <p:nvPr/>
         </p:nvPicPr>
@@ -8671,8 +9128,8 @@
         </p:blipFill>
         <p:spPr>
           <a:xfrm>
-            <a:off x="6321725" y="2719125"/>
-            <a:ext cx="2550325" cy="2353853"/>
+            <a:off x="264500" y="2472925"/>
+            <a:ext cx="3001851" cy="2513176"/>
           </a:xfrm>
           <a:prstGeom prst="rect">
             <a:avLst/>
@@ -8685,7 +9142,7 @@
       </p:pic>
       <p:pic>
         <p:nvPicPr>
-          <p:cNvPr id="87" name="Google Shape;87;p16"/>
+          <p:cNvPr id="90" name="Google Shape;90;p16"/>
           <p:cNvPicPr preferRelativeResize="0"/>
           <p:nvPr/>
         </p:nvPicPr>
@@ -8699,8 +9156,8 @@
         </p:blipFill>
         <p:spPr>
           <a:xfrm>
-            <a:off x="171250" y="2740000"/>
-            <a:ext cx="3193201" cy="2309975"/>
+            <a:off x="3504200" y="2472925"/>
+            <a:ext cx="3001851" cy="2513174"/>
           </a:xfrm>
           <a:prstGeom prst="rect">
             <a:avLst/>
@@ -8713,7 +9170,7 @@
       </p:pic>
       <p:pic>
         <p:nvPicPr>
-          <p:cNvPr id="88" name="Google Shape;88;p16"/>
+          <p:cNvPr id="91" name="Google Shape;91;p16"/>
           <p:cNvPicPr preferRelativeResize="0"/>
           <p:nvPr/>
         </p:nvPicPr>
@@ -8727,8 +9184,8 @@
         </p:blipFill>
         <p:spPr>
           <a:xfrm>
-            <a:off x="3578526" y="2741175"/>
-            <a:ext cx="2550324" cy="2309976"/>
+            <a:off x="6602046" y="2070504"/>
+            <a:ext cx="2451175" cy="2915597"/>
           </a:xfrm>
           <a:prstGeom prst="rect">
             <a:avLst/>
@@ -8741,7 +9198,7 @@
       </p:pic>
       <p:pic>
         <p:nvPicPr>
-          <p:cNvPr id="89" name="Google Shape;89;p16"/>
+          <p:cNvPr id="92" name="Google Shape;92;p16"/>
           <p:cNvPicPr preferRelativeResize="0"/>
           <p:nvPr/>
         </p:nvPicPr>
@@ -8755,8 +9212,8 @@
         </p:blipFill>
         <p:spPr>
           <a:xfrm>
-            <a:off x="6321725" y="807275"/>
-            <a:ext cx="2550324" cy="1791227"/>
+            <a:off x="4648494" y="133025"/>
+            <a:ext cx="4325881" cy="1011100"/>
           </a:xfrm>
           <a:prstGeom prst="rect">
             <a:avLst/>
@@ -8780,7 +9237,7 @@
   <p:cSld>
     <p:spTree>
       <p:nvGrpSpPr>
-        <p:cNvPr id="93" name="Shape 93"/>
+        <p:cNvPr id="96" name="Shape 96"/>
         <p:cNvGrpSpPr/>
         <p:nvPr/>
       </p:nvGrpSpPr>
@@ -8794,7 +9251,7 @@
       </p:grpSpPr>
       <p:sp>
         <p:nvSpPr>
-          <p:cNvPr id="94" name="Google Shape;94;p17"/>
+          <p:cNvPr id="97" name="Google Shape;97;p17"/>
           <p:cNvSpPr txBox="1"/>
           <p:nvPr>
             <p:ph type="title"/>
@@ -8802,7 +9259,312 @@
         </p:nvSpPr>
         <p:spPr>
           <a:xfrm>
-            <a:off x="387900" y="458025"/>
+            <a:off x="96450" y="381825"/>
+            <a:ext cx="9262500" cy="686100"/>
+          </a:xfrm>
+          <a:prstGeom prst="rect">
+            <a:avLst/>
+          </a:prstGeom>
+        </p:spPr>
+        <p:txBody>
+          <a:bodyPr anchorCtr="0" anchor="b" bIns="91425" lIns="91425" spcFirstLastPara="1" rIns="91425" wrap="square" tIns="91425">
+            <a:noAutofit/>
+          </a:bodyPr>
+          <a:lstStyle/>
+          <a:p>
+            <a:pPr indent="0" lvl="0" marL="0" rtl="0" algn="l">
+              <a:spcBef>
+                <a:spcPts val="0"/>
+              </a:spcBef>
+              <a:spcAft>
+                <a:spcPts val="0"/>
+              </a:spcAft>
+              <a:buNone/>
+            </a:pPr>
+            <a:r>
+              <a:rPr lang="en"/>
+              <a:t>Education &amp; Family Life</a:t>
+            </a:r>
+            <a:endParaRPr/>
+          </a:p>
+        </p:txBody>
+      </p:sp>
+      <p:pic>
+        <p:nvPicPr>
+          <p:cNvPr id="98" name="Google Shape;98;p17"/>
+          <p:cNvPicPr preferRelativeResize="0"/>
+          <p:nvPr/>
+        </p:nvPicPr>
+        <p:blipFill>
+          <a:blip r:embed="rId3">
+            <a:alphaModFix/>
+          </a:blip>
+          <a:stretch>
+            <a:fillRect/>
+          </a:stretch>
+        </p:blipFill>
+        <p:spPr>
+          <a:xfrm>
+            <a:off x="536400" y="2648825"/>
+            <a:ext cx="2458425" cy="2342276"/>
+          </a:xfrm>
+          <a:prstGeom prst="rect">
+            <a:avLst/>
+          </a:prstGeom>
+          <a:noFill/>
+          <a:ln>
+            <a:noFill/>
+          </a:ln>
+        </p:spPr>
+      </p:pic>
+      <p:sp>
+        <p:nvSpPr>
+          <p:cNvPr id="99" name="Google Shape;99;p17"/>
+          <p:cNvSpPr txBox="1"/>
+          <p:nvPr>
+            <p:ph idx="1" type="body"/>
+          </p:nvPr>
+        </p:nvSpPr>
+        <p:spPr>
+          <a:xfrm>
+            <a:off x="6900" y="804025"/>
+            <a:ext cx="8382300" cy="2144700"/>
+          </a:xfrm>
+          <a:prstGeom prst="rect">
+            <a:avLst/>
+          </a:prstGeom>
+        </p:spPr>
+        <p:txBody>
+          <a:bodyPr anchorCtr="0" anchor="t" bIns="91425" lIns="91425" spcFirstLastPara="1" rIns="91425" wrap="square" tIns="91425">
+            <a:noAutofit/>
+          </a:bodyPr>
+          <a:lstStyle/>
+          <a:p>
+            <a:pPr indent="0" lvl="0" marL="0" rtl="0" algn="l">
+              <a:spcBef>
+                <a:spcPts val="0"/>
+              </a:spcBef>
+              <a:spcAft>
+                <a:spcPts val="0"/>
+              </a:spcAft>
+              <a:buNone/>
+            </a:pPr>
+            <a:r>
+              <a:t/>
+            </a:r>
+            <a:endParaRPr sz="1200"/>
+          </a:p>
+          <a:p>
+            <a:pPr indent="-304800" lvl="0" marL="457200" rtl="0" algn="l">
+              <a:spcBef>
+                <a:spcPts val="1600"/>
+              </a:spcBef>
+              <a:spcAft>
+                <a:spcPts val="0"/>
+              </a:spcAft>
+              <a:buSzPts val="1200"/>
+              <a:buChar char="●"/>
+            </a:pPr>
+            <a:r>
+              <a:rPr lang="en" sz="1200"/>
+              <a:t>Education is the most important predictor</a:t>
+            </a:r>
+            <a:endParaRPr sz="1200"/>
+          </a:p>
+          <a:p>
+            <a:pPr indent="-304800" lvl="0" marL="457200" rtl="0" algn="l">
+              <a:spcBef>
+                <a:spcPts val="0"/>
+              </a:spcBef>
+              <a:spcAft>
+                <a:spcPts val="0"/>
+              </a:spcAft>
+              <a:buSzPts val="1200"/>
+              <a:buChar char="●"/>
+            </a:pPr>
+            <a:r>
+              <a:rPr lang="en" sz="1200"/>
+              <a:t>Marriage is important</a:t>
+            </a:r>
+            <a:endParaRPr sz="1200"/>
+          </a:p>
+          <a:p>
+            <a:pPr indent="-304800" lvl="1" marL="914400" rtl="0" algn="l">
+              <a:spcBef>
+                <a:spcPts val="0"/>
+              </a:spcBef>
+              <a:spcAft>
+                <a:spcPts val="0"/>
+              </a:spcAft>
+              <a:buSzPts val="1200"/>
+              <a:buChar char="○"/>
+            </a:pPr>
+            <a:r>
+              <a:rPr lang="en" sz="1200"/>
+              <a:t>Other than armed forces</a:t>
+            </a:r>
+            <a:endParaRPr sz="1200"/>
+          </a:p>
+          <a:p>
+            <a:pPr indent="-304800" lvl="0" marL="457200" rtl="0" algn="l">
+              <a:spcBef>
+                <a:spcPts val="0"/>
+              </a:spcBef>
+              <a:spcAft>
+                <a:spcPts val="0"/>
+              </a:spcAft>
+              <a:buSzPts val="1200"/>
+              <a:buChar char="●"/>
+            </a:pPr>
+            <a:r>
+              <a:rPr lang="en" sz="1200"/>
+              <a:t>Better to be married and divorced than never married</a:t>
+            </a:r>
+            <a:endParaRPr sz="1200"/>
+          </a:p>
+          <a:p>
+            <a:pPr indent="-304800" lvl="0" marL="457200" rtl="0" algn="l">
+              <a:spcBef>
+                <a:spcPts val="0"/>
+              </a:spcBef>
+              <a:spcAft>
+                <a:spcPts val="0"/>
+              </a:spcAft>
+              <a:buSzPts val="1200"/>
+              <a:buChar char="●"/>
+            </a:pPr>
+            <a:r>
+              <a:rPr lang="en" sz="1200"/>
+              <a:t>Being a householder or spouse of householder is important</a:t>
+            </a:r>
+            <a:endParaRPr sz="1200"/>
+          </a:p>
+          <a:p>
+            <a:pPr indent="-304800" lvl="0" marL="457200" rtl="0" algn="l">
+              <a:spcBef>
+                <a:spcPts val="0"/>
+              </a:spcBef>
+              <a:spcAft>
+                <a:spcPts val="0"/>
+              </a:spcAft>
+              <a:buSzPts val="1200"/>
+              <a:buChar char="●"/>
+            </a:pPr>
+            <a:r>
+              <a:rPr lang="en" sz="1200"/>
+              <a:t>Having children over 18 improves changes, confounding variable of age?</a:t>
+            </a:r>
+            <a:endParaRPr sz="1200"/>
+          </a:p>
+          <a:p>
+            <a:pPr indent="0" lvl="0" marL="457200" rtl="0" algn="l">
+              <a:spcBef>
+                <a:spcPts val="1600"/>
+              </a:spcBef>
+              <a:spcAft>
+                <a:spcPts val="1600"/>
+              </a:spcAft>
+              <a:buNone/>
+            </a:pPr>
+            <a:r>
+              <a:t/>
+            </a:r>
+            <a:endParaRPr sz="1200"/>
+          </a:p>
+        </p:txBody>
+      </p:sp>
+      <p:pic>
+        <p:nvPicPr>
+          <p:cNvPr id="100" name="Google Shape;100;p17"/>
+          <p:cNvPicPr preferRelativeResize="0"/>
+          <p:nvPr/>
+        </p:nvPicPr>
+        <p:blipFill>
+          <a:blip r:embed="rId4">
+            <a:alphaModFix/>
+          </a:blip>
+          <a:stretch>
+            <a:fillRect/>
+          </a:stretch>
+        </p:blipFill>
+        <p:spPr>
+          <a:xfrm>
+            <a:off x="5948375" y="1971125"/>
+            <a:ext cx="2921856" cy="3019976"/>
+          </a:xfrm>
+          <a:prstGeom prst="rect">
+            <a:avLst/>
+          </a:prstGeom>
+          <a:noFill/>
+          <a:ln>
+            <a:noFill/>
+          </a:ln>
+        </p:spPr>
+      </p:pic>
+      <p:pic>
+        <p:nvPicPr>
+          <p:cNvPr id="101" name="Google Shape;101;p17"/>
+          <p:cNvPicPr preferRelativeResize="0"/>
+          <p:nvPr/>
+        </p:nvPicPr>
+        <p:blipFill>
+          <a:blip r:embed="rId5">
+            <a:alphaModFix/>
+          </a:blip>
+          <a:stretch>
+            <a:fillRect/>
+          </a:stretch>
+        </p:blipFill>
+        <p:spPr>
+          <a:xfrm>
+            <a:off x="3433910" y="2648825"/>
+            <a:ext cx="2075391" cy="2342275"/>
+          </a:xfrm>
+          <a:prstGeom prst="rect">
+            <a:avLst/>
+          </a:prstGeom>
+          <a:noFill/>
+          <a:ln>
+            <a:noFill/>
+          </a:ln>
+        </p:spPr>
+      </p:pic>
+    </p:spTree>
+  </p:cSld>
+  <p:clrMapOvr>
+    <a:masterClrMapping/>
+  </p:clrMapOvr>
+</p:sld>
+</file>
+
+<file path=ppt/slides/slide6.xml><?xml version="1.0" encoding="utf-8"?>
+<p:sld xmlns:a="http://schemas.openxmlformats.org/drawingml/2006/main" xmlns:r="http://schemas.openxmlformats.org/officeDocument/2006/relationships" xmlns:mc="http://schemas.openxmlformats.org/markup-compatibility/2006" xmlns:mv="urn:schemas-microsoft-com:mac:vml" xmlns:p="http://schemas.openxmlformats.org/presentationml/2006/main" xmlns:c="http://schemas.openxmlformats.org/drawingml/2006/chart" xmlns:dgm="http://schemas.openxmlformats.org/drawingml/2006/diagram" xmlns:o="urn:schemas-microsoft-com:office:office" xmlns:v="urn:schemas-microsoft-com:vml" xmlns:pvml="urn:schemas-microsoft-com:office:powerpoint" xmlns:com="http://schemas.openxmlformats.org/drawingml/2006/compatibility" xmlns:p14="http://schemas.microsoft.com/office/powerpoint/2010/main" xmlns:p15="http://schemas.microsoft.com/office/powerpoint/2012/main" xmlns:ahyp="http://schemas.microsoft.com/office/drawing/2018/hyperlinkcolor">
+  <p:cSld>
+    <p:spTree>
+      <p:nvGrpSpPr>
+        <p:cNvPr id="105" name="Shape 105"/>
+        <p:cNvGrpSpPr/>
+        <p:nvPr/>
+      </p:nvGrpSpPr>
+      <p:grpSpPr>
+        <a:xfrm>
+          <a:off x="0" y="0"/>
+          <a:ext cx="0" cy="0"/>
+          <a:chOff x="0" y="0"/>
+          <a:chExt cx="0" cy="0"/>
+        </a:xfrm>
+      </p:grpSpPr>
+      <p:sp>
+        <p:nvSpPr>
+          <p:cNvPr id="106" name="Google Shape;106;p18"/>
+          <p:cNvSpPr txBox="1"/>
+          <p:nvPr>
+            <p:ph type="title"/>
+          </p:nvPr>
+        </p:nvSpPr>
+        <p:spPr>
+          <a:xfrm>
+            <a:off x="235500" y="458025"/>
             <a:ext cx="8368200" cy="686100"/>
           </a:xfrm>
           <a:prstGeom prst="rect">
@@ -8826,7 +9588,7 @@
             </a:pPr>
             <a:r>
               <a:rPr lang="en"/>
-              <a:t>How do Physical Attributes Affect Income?</a:t>
+              <a:t>Physical Attributes</a:t>
             </a:r>
             <a:endParaRPr/>
           </a:p>
@@ -8834,7 +9596,7 @@
       </p:sp>
       <p:pic>
         <p:nvPicPr>
-          <p:cNvPr id="95" name="Google Shape;95;p17"/>
+          <p:cNvPr id="107" name="Google Shape;107;p18"/>
           <p:cNvPicPr preferRelativeResize="0"/>
           <p:nvPr/>
         </p:nvPicPr>
@@ -8862,7 +9624,7 @@
       </p:pic>
       <p:pic>
         <p:nvPicPr>
-          <p:cNvPr id="96" name="Google Shape;96;p17"/>
+          <p:cNvPr id="108" name="Google Shape;108;p18"/>
           <p:cNvPicPr preferRelativeResize="0"/>
           <p:nvPr/>
         </p:nvPicPr>
@@ -8890,7 +9652,7 @@
       </p:pic>
       <p:pic>
         <p:nvPicPr>
-          <p:cNvPr id="97" name="Google Shape;97;p17"/>
+          <p:cNvPr id="109" name="Google Shape;109;p18"/>
           <p:cNvPicPr preferRelativeResize="0"/>
           <p:nvPr/>
         </p:nvPicPr>
@@ -8918,7 +9680,7 @@
       </p:pic>
       <p:sp>
         <p:nvSpPr>
-          <p:cNvPr id="98" name="Google Shape;98;p17"/>
+          <p:cNvPr id="110" name="Google Shape;110;p18"/>
           <p:cNvSpPr txBox="1"/>
           <p:nvPr>
             <p:ph idx="1" type="body"/>
@@ -9016,12 +9778,12 @@
 </p:sld>
 </file>
 
-<file path=ppt/slides/slide6.xml><?xml version="1.0" encoding="utf-8"?>
+<file path=ppt/slides/slide7.xml><?xml version="1.0" encoding="utf-8"?>
 <p:sld xmlns:a="http://schemas.openxmlformats.org/drawingml/2006/main" xmlns:r="http://schemas.openxmlformats.org/officeDocument/2006/relationships" xmlns:mc="http://schemas.openxmlformats.org/markup-compatibility/2006" xmlns:mv="urn:schemas-microsoft-com:mac:vml" xmlns:p="http://schemas.openxmlformats.org/presentationml/2006/main" xmlns:c="http://schemas.openxmlformats.org/drawingml/2006/chart" xmlns:dgm="http://schemas.openxmlformats.org/drawingml/2006/diagram" xmlns:o="urn:schemas-microsoft-com:office:office" xmlns:v="urn:schemas-microsoft-com:vml" xmlns:pvml="urn:schemas-microsoft-com:office:powerpoint" xmlns:com="http://schemas.openxmlformats.org/drawingml/2006/compatibility" xmlns:p14="http://schemas.microsoft.com/office/powerpoint/2010/main" xmlns:p15="http://schemas.microsoft.com/office/powerpoint/2012/main" xmlns:ahyp="http://schemas.microsoft.com/office/drawing/2018/hyperlinkcolor">
   <p:cSld>
     <p:spTree>
       <p:nvGrpSpPr>
-        <p:cNvPr id="102" name="Shape 102"/>
+        <p:cNvPr id="114" name="Shape 114"/>
         <p:cNvGrpSpPr/>
         <p:nvPr/>
       </p:nvGrpSpPr>
@@ -9035,7 +9797,7 @@
       </p:grpSpPr>
       <p:sp>
         <p:nvSpPr>
-          <p:cNvPr id="103" name="Google Shape;103;p18"/>
+          <p:cNvPr id="115" name="Google Shape;115;p19"/>
           <p:cNvSpPr txBox="1"/>
           <p:nvPr>
             <p:ph type="title"/>
@@ -9067,7 +9829,7 @@
             </a:pPr>
             <a:r>
               <a:rPr lang="en"/>
-              <a:t>Does having Investments affect Income?</a:t>
+              <a:t>Prediction Pipeline</a:t>
             </a:r>
             <a:endParaRPr/>
           </a:p>
@@ -9075,7 +9837,7 @@
       </p:sp>
       <p:sp>
         <p:nvSpPr>
-          <p:cNvPr id="104" name="Google Shape;104;p18"/>
+          <p:cNvPr id="116" name="Google Shape;116;p19"/>
           <p:cNvSpPr txBox="1"/>
           <p:nvPr>
             <p:ph idx="1" type="body"/>
@@ -9083,8 +9845,8 @@
         </p:nvSpPr>
         <p:spPr>
           <a:xfrm>
-            <a:off x="83100" y="1489825"/>
-            <a:ext cx="4564500" cy="1171500"/>
+            <a:off x="387900" y="1185024"/>
+            <a:ext cx="8368200" cy="3078900"/>
           </a:xfrm>
           <a:prstGeom prst="rect">
             <a:avLst/>
@@ -9108,15 +9870,41 @@
             </a:pPr>
             <a:r>
               <a:rPr lang="en" sz="1200"/>
-              <a:t>Having Investments increases the </a:t>
-            </a:r>
+              <a:t>Missing Data:</a:t>
+            </a:r>
+            <a:endParaRPr sz="1200"/>
+          </a:p>
+          <a:p>
+            <a:pPr indent="-304800" lvl="1" marL="914400" rtl="0" algn="l">
+              <a:spcBef>
+                <a:spcPts val="0"/>
+              </a:spcBef>
+              <a:spcAft>
+                <a:spcPts val="0"/>
+              </a:spcAft>
+              <a:buSzPts val="1200"/>
+              <a:buChar char="○"/>
+            </a:pPr>
             <a:r>
               <a:rPr lang="en" sz="1200"/>
-              <a:t>likelihood</a:t>
-            </a:r>
+              <a:t>Encode “not in universe” &amp; “ ?” as N/A</a:t>
+            </a:r>
+            <a:endParaRPr sz="1200"/>
+          </a:p>
+          <a:p>
+            <a:pPr indent="-304800" lvl="1" marL="914400" rtl="0" algn="l">
+              <a:spcBef>
+                <a:spcPts val="0"/>
+              </a:spcBef>
+              <a:spcAft>
+                <a:spcPts val="0"/>
+              </a:spcAft>
+              <a:buSzPts val="1200"/>
+              <a:buChar char="○"/>
+            </a:pPr>
             <a:r>
               <a:rPr lang="en" sz="1200"/>
-              <a:t> of earning over 50K</a:t>
+              <a:t>Fill N/A with “missing” (all categorical)</a:t>
             </a:r>
             <a:endParaRPr sz="1200"/>
           </a:p>
@@ -9133,95 +9921,199 @@
             </a:pPr>
             <a:r>
               <a:rPr lang="en" sz="1200"/>
-              <a:t>Even if they perform poorly</a:t>
+              <a:t>Categorical Processing</a:t>
+            </a:r>
+            <a:endParaRPr sz="1200"/>
+          </a:p>
+          <a:p>
+            <a:pPr indent="-304800" lvl="1" marL="914400" rtl="0" algn="l">
+              <a:spcBef>
+                <a:spcPts val="0"/>
+              </a:spcBef>
+              <a:spcAft>
+                <a:spcPts val="0"/>
+              </a:spcAft>
+              <a:buSzPts val="1200"/>
+              <a:buChar char="○"/>
+            </a:pPr>
+            <a:r>
+              <a:rPr lang="en" sz="1200"/>
+              <a:t>Label “Rare” Categories</a:t>
+            </a:r>
+            <a:endParaRPr sz="1200"/>
+          </a:p>
+          <a:p>
+            <a:pPr indent="-304800" lvl="1" marL="914400" rtl="0" algn="l">
+              <a:spcBef>
+                <a:spcPts val="0"/>
+              </a:spcBef>
+              <a:spcAft>
+                <a:spcPts val="0"/>
+              </a:spcAft>
+              <a:buSzPts val="1200"/>
+              <a:buChar char="○"/>
+            </a:pPr>
+            <a:r>
+              <a:rPr lang="en" sz="1200"/>
+              <a:t>Feature engineering for Education </a:t>
+            </a:r>
+            <a:endParaRPr b="1" sz="1200"/>
+          </a:p>
+          <a:p>
+            <a:pPr indent="-304800" lvl="1" marL="914400" rtl="0" algn="l">
+              <a:spcBef>
+                <a:spcPts val="0"/>
+              </a:spcBef>
+              <a:spcAft>
+                <a:spcPts val="0"/>
+              </a:spcAft>
+              <a:buSzPts val="1200"/>
+              <a:buChar char="○"/>
+            </a:pPr>
+            <a:r>
+              <a:rPr lang="en" sz="1200"/>
+              <a:t>Ordered Ordinal Encoding for Categorical</a:t>
+            </a:r>
+            <a:endParaRPr sz="1200"/>
+          </a:p>
+          <a:p>
+            <a:pPr indent="-304800" lvl="0" marL="457200" rtl="0" algn="l">
+              <a:spcBef>
+                <a:spcPts val="0"/>
+              </a:spcBef>
+              <a:spcAft>
+                <a:spcPts val="0"/>
+              </a:spcAft>
+              <a:buSzPts val="1200"/>
+              <a:buChar char="●"/>
+            </a:pPr>
+            <a:r>
+              <a:rPr lang="en" sz="1200"/>
+              <a:t>Numeric Processing</a:t>
+            </a:r>
+            <a:endParaRPr sz="1200"/>
+          </a:p>
+          <a:p>
+            <a:pPr indent="-304800" lvl="1" marL="914400" rtl="0" algn="l">
+              <a:spcBef>
+                <a:spcPts val="0"/>
+              </a:spcBef>
+              <a:spcAft>
+                <a:spcPts val="0"/>
+              </a:spcAft>
+              <a:buSzPts val="1200"/>
+              <a:buChar char="○"/>
+            </a:pPr>
+            <a:r>
+              <a:rPr lang="en" sz="1200"/>
+              <a:t>Log skewed numeric values	</a:t>
+            </a:r>
+            <a:endParaRPr sz="1200"/>
+          </a:p>
+          <a:p>
+            <a:pPr indent="-304800" lvl="0" marL="457200" rtl="0" algn="l">
+              <a:spcBef>
+                <a:spcPts val="0"/>
+              </a:spcBef>
+              <a:spcAft>
+                <a:spcPts val="0"/>
+              </a:spcAft>
+              <a:buSzPts val="1200"/>
+              <a:buChar char="●"/>
+            </a:pPr>
+            <a:r>
+              <a:rPr lang="en" sz="1200"/>
+              <a:t>Normalise variables</a:t>
+            </a:r>
+            <a:endParaRPr sz="1200"/>
+          </a:p>
+          <a:p>
+            <a:pPr indent="-304800" lvl="0" marL="457200" rtl="0" algn="l">
+              <a:spcBef>
+                <a:spcPts val="0"/>
+              </a:spcBef>
+              <a:spcAft>
+                <a:spcPts val="0"/>
+              </a:spcAft>
+              <a:buSzPts val="1200"/>
+              <a:buChar char="●"/>
+            </a:pPr>
+            <a:r>
+              <a:rPr lang="en" sz="1200"/>
+              <a:t>Drop correlated variables above a threshold</a:t>
+            </a:r>
+            <a:endParaRPr sz="1200"/>
+          </a:p>
+          <a:p>
+            <a:pPr indent="-304800" lvl="0" marL="457200" rtl="0" algn="l">
+              <a:spcBef>
+                <a:spcPts val="0"/>
+              </a:spcBef>
+              <a:spcAft>
+                <a:spcPts val="0"/>
+              </a:spcAft>
+              <a:buSzPts val="1200"/>
+              <a:buChar char="●"/>
+            </a:pPr>
+            <a:r>
+              <a:rPr lang="en" sz="1200"/>
+              <a:t>Prediction:</a:t>
+            </a:r>
+            <a:endParaRPr sz="1200"/>
+          </a:p>
+          <a:p>
+            <a:pPr indent="-317500" lvl="1" marL="914400" rtl="0" algn="l">
+              <a:spcBef>
+                <a:spcPts val="0"/>
+              </a:spcBef>
+              <a:spcAft>
+                <a:spcPts val="0"/>
+              </a:spcAft>
+              <a:buSzPts val="1400"/>
+              <a:buChar char="○"/>
+            </a:pPr>
+            <a:r>
+              <a:rPr lang="en" sz="1200"/>
+              <a:t>Apply resampling method to deal with class imbalance</a:t>
+            </a:r>
+            <a:endParaRPr sz="1200"/>
+          </a:p>
+          <a:p>
+            <a:pPr indent="-317500" lvl="1" marL="914400" rtl="0" algn="l">
+              <a:spcBef>
+                <a:spcPts val="0"/>
+              </a:spcBef>
+              <a:spcAft>
+                <a:spcPts val="0"/>
+              </a:spcAft>
+              <a:buSzPts val="1400"/>
+              <a:buChar char="○"/>
+            </a:pPr>
+            <a:r>
+              <a:rPr lang="en" sz="1200"/>
+              <a:t>Fit predictive model </a:t>
+            </a:r>
+            <a:endParaRPr sz="1200"/>
+          </a:p>
+          <a:p>
+            <a:pPr indent="-317500" lvl="1" marL="914400" rtl="0" algn="l">
+              <a:spcBef>
+                <a:spcPts val="0"/>
+              </a:spcBef>
+              <a:spcAft>
+                <a:spcPts val="0"/>
+              </a:spcAft>
+              <a:buSzPts val="1400"/>
+              <a:buChar char="○"/>
+            </a:pPr>
+            <a:r>
+              <a:rPr lang="en" sz="1200"/>
+              <a:t>Hyperparameter tuning for best model</a:t>
             </a:r>
             <a:endParaRPr sz="1200"/>
           </a:p>
         </p:txBody>
       </p:sp>
-      <p:pic>
-        <p:nvPicPr>
-          <p:cNvPr id="105" name="Google Shape;105;p18"/>
-          <p:cNvPicPr preferRelativeResize="0"/>
-          <p:nvPr/>
-        </p:nvPicPr>
-        <p:blipFill rotWithShape="1">
-          <a:blip r:embed="rId3">
-            <a:alphaModFix/>
-          </a:blip>
-          <a:srcRect b="0" l="-5163" r="0" t="-5163"/>
-          <a:stretch/>
-        </p:blipFill>
-        <p:spPr>
-          <a:xfrm>
-            <a:off x="5548650" y="1036300"/>
-            <a:ext cx="2725551" cy="1962401"/>
-          </a:xfrm>
-          <a:prstGeom prst="rect">
-            <a:avLst/>
-          </a:prstGeom>
-          <a:noFill/>
-          <a:ln>
-            <a:noFill/>
-          </a:ln>
-        </p:spPr>
-      </p:pic>
-      <p:pic>
-        <p:nvPicPr>
-          <p:cNvPr id="106" name="Google Shape;106;p18"/>
-          <p:cNvPicPr preferRelativeResize="0"/>
-          <p:nvPr/>
-        </p:nvPicPr>
-        <p:blipFill>
-          <a:blip r:embed="rId4">
-            <a:alphaModFix/>
-          </a:blip>
-          <a:stretch>
-            <a:fillRect/>
-          </a:stretch>
-        </p:blipFill>
-        <p:spPr>
-          <a:xfrm>
-            <a:off x="2030350" y="2391150"/>
-            <a:ext cx="2528826" cy="1839750"/>
-          </a:xfrm>
-          <a:prstGeom prst="rect">
-            <a:avLst/>
-          </a:prstGeom>
-          <a:noFill/>
-          <a:ln>
-            <a:noFill/>
-          </a:ln>
-        </p:spPr>
-      </p:pic>
-      <p:pic>
-        <p:nvPicPr>
-          <p:cNvPr id="107" name="Google Shape;107;p18"/>
-          <p:cNvPicPr preferRelativeResize="0"/>
-          <p:nvPr/>
-        </p:nvPicPr>
-        <p:blipFill>
-          <a:blip r:embed="rId5">
-            <a:alphaModFix/>
-          </a:blip>
-          <a:stretch>
-            <a:fillRect/>
-          </a:stretch>
-        </p:blipFill>
-        <p:spPr>
-          <a:xfrm>
-            <a:off x="5658025" y="3153151"/>
-            <a:ext cx="2616175" cy="1890198"/>
-          </a:xfrm>
-          <a:prstGeom prst="rect">
-            <a:avLst/>
-          </a:prstGeom>
-          <a:noFill/>
-          <a:ln>
-            <a:noFill/>
-          </a:ln>
-        </p:spPr>
-      </p:pic>
     </p:spTree>
   </p:cSld>
   <p:clrMapOvr>
@@ -9230,12 +10122,12 @@
 </p:sld>
 </file>
 
-<file path=ppt/slides/slide7.xml><?xml version="1.0" encoding="utf-8"?>
+<file path=ppt/slides/slide8.xml><?xml version="1.0" encoding="utf-8"?>
 <p:sld xmlns:a="http://schemas.openxmlformats.org/drawingml/2006/main" xmlns:r="http://schemas.openxmlformats.org/officeDocument/2006/relationships" xmlns:mc="http://schemas.openxmlformats.org/markup-compatibility/2006" xmlns:mv="urn:schemas-microsoft-com:mac:vml" xmlns:p="http://schemas.openxmlformats.org/presentationml/2006/main" xmlns:c="http://schemas.openxmlformats.org/drawingml/2006/chart" xmlns:dgm="http://schemas.openxmlformats.org/drawingml/2006/diagram" xmlns:o="urn:schemas-microsoft-com:office:office" xmlns:v="urn:schemas-microsoft-com:vml" xmlns:pvml="urn:schemas-microsoft-com:office:powerpoint" xmlns:com="http://schemas.openxmlformats.org/drawingml/2006/compatibility" xmlns:p14="http://schemas.microsoft.com/office/powerpoint/2010/main" xmlns:p15="http://schemas.microsoft.com/office/powerpoint/2012/main" xmlns:ahyp="http://schemas.microsoft.com/office/drawing/2018/hyperlinkcolor">
   <p:cSld>
     <p:spTree>
       <p:nvGrpSpPr>
-        <p:cNvPr id="111" name="Shape 111"/>
+        <p:cNvPr id="120" name="Shape 120"/>
         <p:cNvGrpSpPr/>
         <p:nvPr/>
       </p:nvGrpSpPr>
@@ -9249,7 +10141,7 @@
       </p:grpSpPr>
       <p:sp>
         <p:nvSpPr>
-          <p:cNvPr id="112" name="Google Shape;112;p19"/>
+          <p:cNvPr id="121" name="Google Shape;121;p20"/>
           <p:cNvSpPr txBox="1"/>
           <p:nvPr>
             <p:ph type="title"/>
@@ -9289,7 +10181,7 @@
       </p:sp>
       <p:sp>
         <p:nvSpPr>
-          <p:cNvPr id="113" name="Google Shape;113;p19"/>
+          <p:cNvPr id="122" name="Google Shape;122;p20"/>
           <p:cNvSpPr txBox="1"/>
           <p:nvPr>
             <p:ph idx="1" type="body"/>
@@ -9298,7 +10190,7 @@
         <p:spPr>
           <a:xfrm>
             <a:off x="387900" y="1261225"/>
-            <a:ext cx="8368200" cy="947400"/>
+            <a:ext cx="6869100" cy="3052800"/>
           </a:xfrm>
           <a:prstGeom prst="rect">
             <a:avLst/>
@@ -9322,7 +10214,7 @@
             </a:pPr>
             <a:r>
               <a:rPr lang="en" sz="1200"/>
-              <a:t>Imbalanced dataset towards under 50K</a:t>
+              <a:t>Imbalanced dataset towards under 50K - 93.8%</a:t>
             </a:r>
             <a:endParaRPr sz="1200"/>
           </a:p>
@@ -9339,14 +10231,44 @@
             </a:pPr>
             <a:r>
               <a:rPr lang="en" sz="1200"/>
-              <a:t>Resampling methods used as well as recall and F1 to bias for positive class</a:t>
+              <a:t>Resampling methods used to rebalance dataset for positive class</a:t>
             </a:r>
             <a:endParaRPr sz="1200"/>
           </a:p>
           <a:p>
+            <a:pPr indent="0" lvl="0" marL="914400" rtl="0" algn="l">
+              <a:spcBef>
+                <a:spcPts val="1600"/>
+              </a:spcBef>
+              <a:spcAft>
+                <a:spcPts val="0"/>
+              </a:spcAft>
+              <a:buNone/>
+            </a:pPr>
+            <a:r>
+              <a:t/>
+            </a:r>
+            <a:endParaRPr sz="1200"/>
+          </a:p>
+          <a:p>
+            <a:pPr indent="0" lvl="0" marL="0" rtl="0" algn="l">
+              <a:spcBef>
+                <a:spcPts val="1600"/>
+              </a:spcBef>
+              <a:spcAft>
+                <a:spcPts val="0"/>
+              </a:spcAft>
+              <a:buNone/>
+            </a:pPr>
+            <a:r>
+              <a:t/>
+            </a:r>
+            <a:endParaRPr sz="1200"/>
+          </a:p>
+          <a:p>
             <a:pPr indent="-304800" lvl="0" marL="457200" rtl="0" algn="l">
               <a:spcBef>
-                <a:spcPts val="0"/>
+                <a:spcPts val="1600"/>
               </a:spcBef>
               <a:spcAft>
                 <a:spcPts val="0"/>
@@ -9356,7 +10278,7 @@
             </a:pPr>
             <a:r>
               <a:rPr lang="en" sz="1200"/>
-              <a:t>Gaussian normalisation better than min max</a:t>
+              <a:t>Best algorithm hyperparameters established through random search - 5 fold cross validation</a:t>
             </a:r>
             <a:endParaRPr sz="1200"/>
           </a:p>
@@ -9373,11 +10295,28 @@
             </a:pPr>
             <a:r>
               <a:rPr lang="en" sz="1200"/>
-              <a:t>Logistic Regression failed to converge</a:t>
+              <a:t>Variable importance</a:t>
             </a:r>
             <a:endParaRPr sz="1200"/>
           </a:p>
           <a:p>
+            <a:pPr indent="-304800" lvl="0" marL="457200" rtl="0" algn="l">
+              <a:spcBef>
+                <a:spcPts val="0"/>
+              </a:spcBef>
+              <a:spcAft>
+                <a:spcPts val="0"/>
+              </a:spcAft>
+              <a:buSzPts val="1200"/>
+              <a:buChar char="●"/>
+            </a:pPr>
+            <a:r>
+              <a:rPr lang="en" sz="1200"/>
+              <a:t>Test set performance</a:t>
+            </a:r>
+            <a:endParaRPr sz="1200"/>
+          </a:p>
+          <a:p>
             <a:pPr indent="0" lvl="0" marL="457200" rtl="0" algn="l">
               <a:spcBef>
                 <a:spcPts val="1600"/>
@@ -9408,7 +10347,7 @@
             <a:endParaRPr sz="1200"/>
           </a:p>
           <a:p>
-            <a:pPr indent="0" lvl="0" marL="914400" rtl="0" algn="l">
+            <a:pPr indent="0" lvl="0" marL="0" rtl="0" algn="l">
               <a:spcBef>
                 <a:spcPts val="1600"/>
               </a:spcBef>
@@ -9419,22 +10358,6 @@
             </a:pPr>
             <a:r>
               <a:t/>
-            </a:r>
-            <a:endParaRPr sz="1200"/>
-          </a:p>
-          <a:p>
-            <a:pPr indent="0" lvl="0" marL="0" rtl="0" algn="l">
-              <a:spcBef>
-                <a:spcPts val="1600"/>
-              </a:spcBef>
-              <a:spcAft>
-                <a:spcPts val="0"/>
-              </a:spcAft>
-              <a:buNone/>
-            </a:pPr>
-            <a:r>
-              <a:rPr lang="en" sz="1200"/>
-              <a:t>Best model = SMOTE- RF = </a:t>
             </a:r>
             <a:endParaRPr sz="1200"/>
           </a:p>
@@ -9457,7 +10380,7 @@
       </p:sp>
       <p:pic>
         <p:nvPicPr>
-          <p:cNvPr id="114" name="Google Shape;114;p19"/>
+          <p:cNvPr id="123" name="Google Shape;123;p20"/>
           <p:cNvPicPr preferRelativeResize="0"/>
           <p:nvPr/>
         </p:nvPicPr>
@@ -9471,7 +10394,7 @@
         </p:blipFill>
         <p:spPr>
           <a:xfrm>
-            <a:off x="6178800" y="1342700"/>
+            <a:off x="6362125" y="229725"/>
             <a:ext cx="2657726" cy="386700"/>
           </a:xfrm>
           <a:prstGeom prst="rect">
@@ -9485,7 +10408,7 @@
       </p:pic>
       <p:pic>
         <p:nvPicPr>
-          <p:cNvPr id="115" name="Google Shape;115;p19"/>
+          <p:cNvPr id="124" name="Google Shape;124;p20"/>
           <p:cNvPicPr preferRelativeResize="0"/>
           <p:nvPr/>
         </p:nvPicPr>
@@ -9499,8 +10422,8 @@
         </p:blipFill>
         <p:spPr>
           <a:xfrm>
-            <a:off x="4690150" y="2375587"/>
-            <a:ext cx="4251249" cy="811850"/>
+            <a:off x="3167975" y="3023825"/>
+            <a:ext cx="2227173" cy="2005150"/>
           </a:xfrm>
           <a:prstGeom prst="rect">
             <a:avLst/>
@@ -9511,125 +10434,9 @@
           </a:ln>
         </p:spPr>
       </p:pic>
-      <p:sp>
-        <p:nvSpPr>
-          <p:cNvPr id="116" name="Google Shape;116;p19"/>
-          <p:cNvSpPr txBox="1"/>
-          <p:nvPr/>
-        </p:nvSpPr>
-        <p:spPr>
-          <a:xfrm>
-            <a:off x="1463175" y="2064425"/>
-            <a:ext cx="992100" cy="328200"/>
-          </a:xfrm>
-          <a:prstGeom prst="rect">
-            <a:avLst/>
-          </a:prstGeom>
-          <a:noFill/>
-          <a:ln>
-            <a:noFill/>
-          </a:ln>
-        </p:spPr>
-        <p:txBody>
-          <a:bodyPr anchorCtr="0" anchor="t" bIns="91425" lIns="91425" spcFirstLastPara="1" rIns="91425" wrap="square" tIns="91425">
-            <a:noAutofit/>
-          </a:bodyPr>
-          <a:lstStyle/>
-          <a:p>
-            <a:pPr indent="0" lvl="0" marL="0" rtl="0" algn="l">
-              <a:spcBef>
-                <a:spcPts val="0"/>
-              </a:spcBef>
-              <a:spcAft>
-                <a:spcPts val="0"/>
-              </a:spcAft>
-              <a:buNone/>
-            </a:pPr>
-            <a:r>
-              <a:rPr lang="en">
-                <a:solidFill>
-                  <a:srgbClr val="FFFFFF"/>
-                </a:solidFill>
-                <a:latin typeface="Roboto"/>
-                <a:ea typeface="Roboto"/>
-                <a:cs typeface="Roboto"/>
-                <a:sym typeface="Roboto"/>
-              </a:rPr>
-              <a:t>Min_MAX</a:t>
-            </a:r>
-            <a:endParaRPr>
-              <a:solidFill>
-                <a:srgbClr val="FFFFFF"/>
-              </a:solidFill>
-              <a:latin typeface="Roboto"/>
-              <a:ea typeface="Roboto"/>
-              <a:cs typeface="Roboto"/>
-              <a:sym typeface="Roboto"/>
-            </a:endParaRPr>
-          </a:p>
-        </p:txBody>
-      </p:sp>
-      <p:sp>
-        <p:nvSpPr>
-          <p:cNvPr id="117" name="Google Shape;117;p19"/>
-          <p:cNvSpPr txBox="1"/>
-          <p:nvPr/>
-        </p:nvSpPr>
-        <p:spPr>
-          <a:xfrm>
-            <a:off x="6319725" y="2064425"/>
-            <a:ext cx="1628400" cy="328200"/>
-          </a:xfrm>
-          <a:prstGeom prst="rect">
-            <a:avLst/>
-          </a:prstGeom>
-          <a:noFill/>
-          <a:ln>
-            <a:noFill/>
-          </a:ln>
-        </p:spPr>
-        <p:txBody>
-          <a:bodyPr anchorCtr="0" anchor="t" bIns="91425" lIns="91425" spcFirstLastPara="1" rIns="91425" wrap="square" tIns="91425">
-            <a:noAutofit/>
-          </a:bodyPr>
-          <a:lstStyle/>
-          <a:p>
-            <a:pPr indent="0" lvl="0" marL="0" rtl="0" algn="l">
-              <a:spcBef>
-                <a:spcPts val="0"/>
-              </a:spcBef>
-              <a:spcAft>
-                <a:spcPts val="0"/>
-              </a:spcAft>
-              <a:buNone/>
-            </a:pPr>
-            <a:r>
-              <a:rPr lang="en">
-                <a:solidFill>
-                  <a:srgbClr val="FFFFFF"/>
-                </a:solidFill>
-                <a:latin typeface="Roboto"/>
-                <a:ea typeface="Roboto"/>
-                <a:cs typeface="Roboto"/>
-                <a:sym typeface="Roboto"/>
-              </a:rPr>
-              <a:t>Standard Scalar</a:t>
-            </a:r>
-            <a:endParaRPr>
-              <a:solidFill>
-                <a:srgbClr val="FFFFFF"/>
-              </a:solidFill>
-              <a:latin typeface="Roboto"/>
-              <a:ea typeface="Roboto"/>
-              <a:cs typeface="Roboto"/>
-              <a:sym typeface="Roboto"/>
-            </a:endParaRPr>
-          </a:p>
-        </p:txBody>
-      </p:sp>
       <p:pic>
         <p:nvPicPr>
-          <p:cNvPr id="118" name="Google Shape;118;p19"/>
+          <p:cNvPr id="125" name="Google Shape;125;p20"/>
           <p:cNvPicPr preferRelativeResize="0"/>
           <p:nvPr/>
         </p:nvPicPr>
@@ -9643,8 +10450,8 @@
         </p:blipFill>
         <p:spPr>
           <a:xfrm>
-            <a:off x="387899" y="2392625"/>
-            <a:ext cx="4129212" cy="811875"/>
+            <a:off x="1291200" y="1795025"/>
+            <a:ext cx="3803775" cy="946825"/>
           </a:xfrm>
           <a:prstGeom prst="rect">
             <a:avLst/>
@@ -9657,7 +10464,7 @@
       </p:pic>
       <p:pic>
         <p:nvPicPr>
-          <p:cNvPr id="119" name="Google Shape;119;p19"/>
+          <p:cNvPr id="126" name="Google Shape;126;p20"/>
           <p:cNvPicPr preferRelativeResize="0"/>
           <p:nvPr/>
         </p:nvPicPr>
@@ -9671,8 +10478,8 @@
         </p:blipFill>
         <p:spPr>
           <a:xfrm>
-            <a:off x="2590100" y="3304850"/>
-            <a:ext cx="1926999" cy="1734899"/>
+            <a:off x="7494575" y="1026550"/>
+            <a:ext cx="1467675" cy="2005149"/>
           </a:xfrm>
           <a:prstGeom prst="rect">
             <a:avLst/>
@@ -9691,12 +10498,12 @@
 </p:sld>
 </file>
 
-<file path=ppt/slides/slide8.xml><?xml version="1.0" encoding="utf-8"?>
+<file path=ppt/slides/slide9.xml><?xml version="1.0" encoding="utf-8"?>
 <p:sld xmlns:a="http://schemas.openxmlformats.org/drawingml/2006/main" xmlns:r="http://schemas.openxmlformats.org/officeDocument/2006/relationships" xmlns:mc="http://schemas.openxmlformats.org/markup-compatibility/2006" xmlns:mv="urn:schemas-microsoft-com:mac:vml" xmlns:p="http://schemas.openxmlformats.org/presentationml/2006/main" xmlns:c="http://schemas.openxmlformats.org/drawingml/2006/chart" xmlns:dgm="http://schemas.openxmlformats.org/drawingml/2006/diagram" xmlns:o="urn:schemas-microsoft-com:office:office" xmlns:v="urn:schemas-microsoft-com:vml" xmlns:pvml="urn:schemas-microsoft-com:office:powerpoint" xmlns:com="http://schemas.openxmlformats.org/drawingml/2006/compatibility" xmlns:p14="http://schemas.microsoft.com/office/powerpoint/2010/main" xmlns:p15="http://schemas.microsoft.com/office/powerpoint/2012/main" xmlns:ahyp="http://schemas.microsoft.com/office/drawing/2018/hyperlinkcolor">
   <p:cSld>
     <p:spTree>
       <p:nvGrpSpPr>
-        <p:cNvPr id="123" name="Shape 123"/>
+        <p:cNvPr id="130" name="Shape 130"/>
         <p:cNvGrpSpPr/>
         <p:nvPr/>
       </p:nvGrpSpPr>
@@ -9710,7 +10517,7 @@
       </p:grpSpPr>
       <p:sp>
         <p:nvSpPr>
-          <p:cNvPr id="124" name="Google Shape;124;p20"/>
+          <p:cNvPr id="131" name="Google Shape;131;p21"/>
           <p:cNvSpPr txBox="1"/>
           <p:nvPr>
             <p:ph type="title"/>
@@ -9758,7 +10565,7 @@
       </p:sp>
       <p:sp>
         <p:nvSpPr>
-          <p:cNvPr id="125" name="Google Shape;125;p20"/>
+          <p:cNvPr id="132" name="Google Shape;132;p21"/>
           <p:cNvSpPr txBox="1"/>
           <p:nvPr>
             <p:ph idx="1" type="body"/>
@@ -9789,8 +10596,12 @@
               <a:buNone/>
             </a:pPr>
             <a:r>
+              <a:rPr b="1" lang="en" sz="1200"/>
+              <a:t>Findings &amp; Recommendations</a:t>
+            </a:r>
+            <a:r>
               <a:rPr lang="en" sz="1200"/>
-              <a:t>Findings:</a:t>
+              <a:t>: Most important factors for earning over 50k:</a:t>
             </a:r>
             <a:endParaRPr sz="1200"/>
           </a:p>
@@ -9807,7 +10618,7 @@
             </a:pPr>
             <a:r>
               <a:rPr lang="en" sz="1200"/>
-              <a:t>Education is most important variable</a:t>
+              <a:t>Most Important: Being older/ better educated / having investments / being a executive in professional services/ working full time</a:t>
             </a:r>
             <a:endParaRPr sz="1200"/>
           </a:p>
@@ -9824,32 +10635,15 @@
             </a:pPr>
             <a:r>
               <a:rPr lang="en" sz="1200"/>
-              <a:t>The following  increase </a:t>
+              <a:t>Also important: Male, </a:t>
             </a:r>
             <a:r>
               <a:rPr lang="en" sz="1200"/>
-              <a:t>likelihood</a:t>
+              <a:t>Self-employed, </a:t>
             </a:r>
             <a:r>
               <a:rPr lang="en" sz="1200"/>
-              <a:t> of earning over 50k:</a:t>
-            </a:r>
-            <a:endParaRPr sz="1200"/>
-          </a:p>
-          <a:p>
-            <a:pPr indent="-304800" lvl="1" marL="914400" rtl="0" algn="l">
-              <a:spcBef>
-                <a:spcPts val="0"/>
-              </a:spcBef>
-              <a:spcAft>
-                <a:spcPts val="0"/>
-              </a:spcAft>
-              <a:buSzPts val="1200"/>
-              <a:buChar char="○"/>
-            </a:pPr>
-            <a:r>
-              <a:rPr lang="en" sz="1200"/>
-              <a:t>Older, Male, Self-employed, in full time work, married and having investments </a:t>
+              <a:t>married, not being born in Mexico</a:t>
             </a:r>
             <a:endParaRPr sz="1200"/>
           </a:p>
@@ -9866,7 +10660,7 @@
             </a:pPr>
             <a:r>
               <a:rPr lang="en" sz="1200"/>
-              <a:t>Predictive models are quite poor at predicting positive class without rebalancing of the dataset</a:t>
+              <a:t>Predictive models are quite poor at predicting positive class</a:t>
             </a:r>
             <a:endParaRPr sz="1200"/>
           </a:p>
@@ -9899,7 +10693,7 @@
             </a:pPr>
             <a:r>
               <a:rPr lang="en" sz="1200"/>
-              <a:t>Look at variable importance to the model</a:t>
+              <a:t>Cross validate a large random search on all preprocessing and hyperparameters</a:t>
             </a:r>
             <a:endParaRPr sz="1200"/>
           </a:p>
@@ -9916,7 +10710,7 @@
             </a:pPr>
             <a:r>
               <a:rPr lang="en" sz="1200"/>
-              <a:t>Further dig into how different career options affect income using visualisations</a:t>
+              <a:t>Investigate other methods of feature importance</a:t>
             </a:r>
             <a:endParaRPr sz="1200"/>
           </a:p>
@@ -9933,7 +10727,7 @@
             </a:pPr>
             <a:r>
               <a:rPr lang="en" sz="1200"/>
-              <a:t>Identify highly correlated variables for visualisations as well as modelling</a:t>
+              <a:t>Investigate Regularisation techniques to bias positive class predictions for algorithms</a:t>
             </a:r>
             <a:endParaRPr sz="1200"/>
           </a:p>
@@ -9950,7 +10744,7 @@
             </a:pPr>
             <a:r>
               <a:rPr lang="en" sz="1200"/>
-              <a:t>Compare One hot vs ordinal encoding for categorical variables</a:t>
+              <a:t>Further dig into how different career options affect income using visualisations</a:t>
             </a:r>
             <a:endParaRPr sz="1200"/>
           </a:p>
@@ -9967,7 +10761,7 @@
             </a:pPr>
             <a:r>
               <a:rPr lang="en" sz="1200"/>
-              <a:t>Investigate Resampling methods to correct for imbalance dataset:  Undersampling/Oversampling</a:t>
+              <a:t>Identify highly correlated variables for visualisations as well as modelling</a:t>
             </a:r>
             <a:endParaRPr sz="1200"/>
           </a:p>
@@ -9984,157 +10778,28 @@
             </a:pPr>
             <a:r>
               <a:rPr lang="en" sz="1200"/>
-              <a:t>Investigate Re</a:t>
-            </a:r>
-            <a:r>
-              <a:rPr lang="en" sz="1200"/>
-              <a:t>gularisation techniques to bias positive class predictions for algorithms</a:t>
+              <a:t>Compare One hot vs ordinal encoding for categorical variables</a:t>
             </a:r>
             <a:endParaRPr sz="1200"/>
           </a:p>
           <a:p>
-            <a:pPr indent="-304800" lvl="0" marL="457200" rtl="0" algn="l">
-              <a:spcBef>
-                <a:spcPts val="0"/>
-              </a:spcBef>
-              <a:spcAft>
-                <a:spcPts val="0"/>
-              </a:spcAft>
-              <a:buSzPts val="1200"/>
-              <a:buChar char="●"/>
-            </a:pPr>
-            <a:r>
-              <a:rPr lang="en" sz="1200"/>
-              <a:t>Hyperparameter optimisation using: random search or gridsearch</a:t>
+            <a:pPr indent="0" lvl="0" marL="457200" rtl="0" algn="l">
+              <a:spcBef>
+                <a:spcPts val="1600"/>
+              </a:spcBef>
+              <a:spcAft>
+                <a:spcPts val="0"/>
+              </a:spcAft>
+              <a:buNone/>
+            </a:pPr>
+            <a:r>
+              <a:t/>
             </a:r>
             <a:endParaRPr sz="1200"/>
           </a:p>
-        </p:txBody>
-      </p:sp>
-    </p:spTree>
-  </p:cSld>
-  <p:clrMapOvr>
-    <a:masterClrMapping/>
-  </p:clrMapOvr>
-</p:sld>
-</file>
-
-<file path=ppt/slides/slide9.xml><?xml version="1.0" encoding="utf-8"?>
-<p:sld xmlns:a="http://schemas.openxmlformats.org/drawingml/2006/main" xmlns:r="http://schemas.openxmlformats.org/officeDocument/2006/relationships" xmlns:mc="http://schemas.openxmlformats.org/markup-compatibility/2006" xmlns:mv="urn:schemas-microsoft-com:mac:vml" xmlns:p="http://schemas.openxmlformats.org/presentationml/2006/main" xmlns:c="http://schemas.openxmlformats.org/drawingml/2006/chart" xmlns:dgm="http://schemas.openxmlformats.org/drawingml/2006/diagram" xmlns:o="urn:schemas-microsoft-com:office:office" xmlns:v="urn:schemas-microsoft-com:vml" xmlns:pvml="urn:schemas-microsoft-com:office:powerpoint" xmlns:com="http://schemas.openxmlformats.org/drawingml/2006/compatibility" xmlns:p14="http://schemas.microsoft.com/office/powerpoint/2010/main" xmlns:p15="http://schemas.microsoft.com/office/powerpoint/2012/main" xmlns:ahyp="http://schemas.microsoft.com/office/drawing/2018/hyperlinkcolor">
-  <p:cSld>
-    <p:spTree>
-      <p:nvGrpSpPr>
-        <p:cNvPr id="129" name="Shape 129"/>
-        <p:cNvGrpSpPr/>
-        <p:nvPr/>
-      </p:nvGrpSpPr>
-      <p:grpSpPr>
-        <a:xfrm>
-          <a:off x="0" y="0"/>
-          <a:ext cx="0" cy="0"/>
-          <a:chOff x="0" y="0"/>
-          <a:chExt cx="0" cy="0"/>
-        </a:xfrm>
-      </p:grpSpPr>
-      <p:sp>
-        <p:nvSpPr>
-          <p:cNvPr id="130" name="Google Shape;130;p21"/>
-          <p:cNvSpPr txBox="1"/>
-          <p:nvPr>
-            <p:ph type="title"/>
-          </p:nvPr>
-        </p:nvSpPr>
-        <p:spPr>
-          <a:xfrm>
-            <a:off x="387900" y="458025"/>
-            <a:ext cx="8368200" cy="686100"/>
-          </a:xfrm>
-          <a:prstGeom prst="rect">
-            <a:avLst/>
-          </a:prstGeom>
-        </p:spPr>
-        <p:txBody>
-          <a:bodyPr anchorCtr="0" anchor="b" bIns="91425" lIns="91425" spcFirstLastPara="1" rIns="91425" wrap="square" tIns="91425">
-            <a:noAutofit/>
-          </a:bodyPr>
-          <a:lstStyle/>
           <a:p>
             <a:pPr indent="0" lvl="0" marL="0" rtl="0" algn="l">
               <a:spcBef>
-                <a:spcPts val="0"/>
-              </a:spcBef>
-              <a:spcAft>
-                <a:spcPts val="0"/>
-              </a:spcAft>
-              <a:buNone/>
-            </a:pPr>
-            <a:r>
-              <a:rPr lang="en"/>
-              <a:t>Appendix: Technical Details</a:t>
-            </a:r>
-            <a:endParaRPr/>
-          </a:p>
-        </p:txBody>
-      </p:sp>
-      <p:sp>
-        <p:nvSpPr>
-          <p:cNvPr id="131" name="Google Shape;131;p21"/>
-          <p:cNvSpPr txBox="1"/>
-          <p:nvPr>
-            <p:ph idx="1" type="body"/>
-          </p:nvPr>
-        </p:nvSpPr>
-        <p:spPr>
-          <a:xfrm>
-            <a:off x="387900" y="1489824"/>
-            <a:ext cx="8368200" cy="3078900"/>
-          </a:xfrm>
-          <a:prstGeom prst="rect">
-            <a:avLst/>
-          </a:prstGeom>
-        </p:spPr>
-        <p:txBody>
-          <a:bodyPr anchorCtr="0" anchor="t" bIns="91425" lIns="91425" spcFirstLastPara="1" rIns="91425" wrap="square" tIns="91425">
-            <a:noAutofit/>
-          </a:bodyPr>
-          <a:lstStyle/>
-          <a:p>
-            <a:pPr indent="-342900" lvl="0" marL="457200" rtl="0" algn="l">
-              <a:spcBef>
-                <a:spcPts val="0"/>
-              </a:spcBef>
-              <a:spcAft>
-                <a:spcPts val="0"/>
-              </a:spcAft>
-              <a:buSzPts val="1800"/>
-              <a:buChar char="●"/>
-            </a:pPr>
-            <a:r>
-              <a:rPr lang="en"/>
-              <a:t>Following slides contain technical details used for the investigation</a:t>
-            </a:r>
-            <a:endParaRPr/>
-          </a:p>
-          <a:p>
-            <a:pPr indent="-342900" lvl="0" marL="457200" rtl="0" algn="l">
-              <a:spcBef>
-                <a:spcPts val="0"/>
-              </a:spcBef>
-              <a:spcAft>
-                <a:spcPts val="0"/>
-              </a:spcAft>
-              <a:buSzPts val="1800"/>
-              <a:buChar char="●"/>
-            </a:pPr>
-            <a:r>
-              <a:rPr lang="en"/>
-              <a:t>Not required for presentation unless requested</a:t>
-            </a:r>
-            <a:endParaRPr/>
-          </a:p>
-          <a:p>
-            <a:pPr indent="0" lvl="0" marL="0" rtl="0" algn="l">
-              <a:spcBef>
                 <a:spcPts val="1600"/>
               </a:spcBef>
               <a:spcAft>
@@ -10145,7 +10810,7 @@
             <a:r>
               <a:t/>
             </a:r>
-            <a:endParaRPr/>
+            <a:endParaRPr sz="1200"/>
           </a:p>
         </p:txBody>
       </p:sp>

--- a/Presentation.pptx
+++ b/Presentation.pptx
@@ -10422,8 +10422,8 @@
         </p:blipFill>
         <p:spPr>
           <a:xfrm>
-            <a:off x="3167975" y="3023825"/>
-            <a:ext cx="2227173" cy="2005150"/>
+            <a:off x="1291200" y="1795025"/>
+            <a:ext cx="3803775" cy="946825"/>
           </a:xfrm>
           <a:prstGeom prst="rect">
             <a:avLst/>
@@ -10450,8 +10450,8 @@
         </p:blipFill>
         <p:spPr>
           <a:xfrm>
-            <a:off x="1291200" y="1795025"/>
-            <a:ext cx="3803775" cy="946825"/>
+            <a:off x="3620345" y="3062150"/>
+            <a:ext cx="2096882" cy="2005151"/>
           </a:xfrm>
           <a:prstGeom prst="rect">
             <a:avLst/>
@@ -10478,8 +10478,8 @@
         </p:blipFill>
         <p:spPr>
           <a:xfrm>
-            <a:off x="7494575" y="1026550"/>
-            <a:ext cx="1467675" cy="2005149"/>
+            <a:off x="6615025" y="684925"/>
+            <a:ext cx="2404825" cy="2005151"/>
           </a:xfrm>
           <a:prstGeom prst="rect">
             <a:avLst/>
@@ -10823,6 +10823,285 @@
 </file>
 
 <file path=ppt/theme/theme1.xml><?xml version="1.0" encoding="utf-8"?>
+<a:theme xmlns:a="http://schemas.openxmlformats.org/drawingml/2006/main" xmlns:r="http://schemas.openxmlformats.org/officeDocument/2006/relationships">
+  <a:themeElements>
+    <a:clrScheme name="Default">
+      <a:dk1>
+        <a:srgbClr val="000000"/>
+      </a:dk1>
+      <a:lt1>
+        <a:srgbClr val="FFFFFF"/>
+      </a:lt1>
+      <a:dk2>
+        <a:srgbClr val="158158"/>
+      </a:dk2>
+      <a:lt2>
+        <a:srgbClr val="F3F3F3"/>
+      </a:lt2>
+      <a:accent1>
+        <a:srgbClr val="058DC7"/>
+      </a:accent1>
+      <a:accent2>
+        <a:srgbClr val="50B432"/>
+      </a:accent2>
+      <a:accent3>
+        <a:srgbClr val="ED561B"/>
+      </a:accent3>
+      <a:accent4>
+        <a:srgbClr val="EDEF00"/>
+      </a:accent4>
+      <a:accent5>
+        <a:srgbClr val="24CBE5"/>
+      </a:accent5>
+      <a:accent6>
+        <a:srgbClr val="64E572"/>
+      </a:accent6>
+      <a:hlink>
+        <a:srgbClr val="2200CC"/>
+      </a:hlink>
+      <a:folHlink>
+        <a:srgbClr val="551A8B"/>
+      </a:folHlink>
+    </a:clrScheme>
+    <a:fontScheme name="Office">
+      <a:majorFont>
+        <a:latin typeface="Arial"/>
+        <a:ea typeface=""/>
+        <a:cs typeface=""/>
+        <a:font script="Jpan" typeface="ＭＳ Ｐゴシック"/>
+        <a:font script="Hang" typeface="맑은 고딕"/>
+        <a:font script="Hans" typeface="宋体"/>
+        <a:font script="Hant" typeface="新細明體"/>
+        <a:font script="Arab" typeface="Times New Roman"/>
+        <a:font script="Hebr" typeface="Times New Roman"/>
+        <a:font script="Thai" typeface="Angsana New"/>
+        <a:font script="Ethi" typeface="Nyala"/>
+        <a:font script="Beng" typeface="Vrinda"/>
+        <a:font script="Gujr" typeface="Shruti"/>
+        <a:font script="Khmr" typeface="MoolBoran"/>
+        <a:font script="Knda" typeface="Tunga"/>
+        <a:font script="Guru" typeface="Raavi"/>
+        <a:font script="Cans" typeface="Euphemia"/>
+        <a:font script="Cher" typeface="Plantagenet Cherokee"/>
+        <a:font script="Yiii" typeface="Microsoft Yi Baiti"/>
+        <a:font script="Tibt" typeface="Microsoft Himalaya"/>
+        <a:font script="Thaa" typeface="MV Boli"/>
+        <a:font script="Deva" typeface="Mangal"/>
+        <a:font script="Telu" typeface="Gautami"/>
+        <a:font script="Taml" typeface="Latha"/>
+        <a:font script="Syrc" typeface="Estrangelo Edessa"/>
+        <a:font script="Orya" typeface="Kalinga"/>
+        <a:font script="Mlym" typeface="Kartika"/>
+        <a:font script="Laoo" typeface="DokChampa"/>
+        <a:font script="Sinh" typeface="Iskoola Pota"/>
+        <a:font script="Mong" typeface="Mongolian Baiti"/>
+        <a:font script="Viet" typeface="Times New Roman"/>
+        <a:font script="Uigh" typeface="Microsoft Uighur"/>
+        <a:font script="Geor" typeface="Sylfaen"/>
+      </a:majorFont>
+      <a:minorFont>
+        <a:latin typeface="Arial"/>
+        <a:ea typeface=""/>
+        <a:cs typeface=""/>
+        <a:font script="Jpan" typeface="ＭＳ Ｐゴシック"/>
+        <a:font script="Hang" typeface="맑은 고딕"/>
+        <a:font script="Hans" typeface="宋体"/>
+        <a:font script="Hant" typeface="新細明體"/>
+        <a:font script="Arab" typeface="Arial"/>
+        <a:font script="Hebr" typeface="Arial"/>
+        <a:font script="Thai" typeface="Cordia New"/>
+        <a:font script="Ethi" typeface="Nyala"/>
+        <a:font script="Beng" typeface="Vrinda"/>
+        <a:font script="Gujr" typeface="Shruti"/>
+        <a:font script="Khmr" typeface="DaunPenh"/>
+        <a:font script="Knda" typeface="Tunga"/>
+        <a:font script="Guru" typeface="Raavi"/>
+        <a:font script="Cans" typeface="Euphemia"/>
+        <a:font script="Cher" typeface="Plantagenet Cherokee"/>
+        <a:font script="Yiii" typeface="Microsoft Yi Baiti"/>
+        <a:font script="Tibt" typeface="Microsoft Himalaya"/>
+        <a:font script="Thaa" typeface="MV Boli"/>
+        <a:font script="Deva" typeface="Mangal"/>
+        <a:font script="Telu" typeface="Gautami"/>
+        <a:font script="Taml" typeface="Latha"/>
+        <a:font script="Syrc" typeface="Estrangelo Edessa"/>
+        <a:font script="Orya" typeface="Kalinga"/>
+        <a:font script="Mlym" typeface="Kartika"/>
+        <a:font script="Laoo" typeface="DokChampa"/>
+        <a:font script="Sinh" typeface="Iskoola Pota"/>
+        <a:font script="Mong" typeface="Mongolian Baiti"/>
+        <a:font script="Viet" typeface="Arial"/>
+        <a:font script="Uigh" typeface="Microsoft Uighur"/>
+        <a:font script="Geor" typeface="Sylfaen"/>
+      </a:minorFont>
+    </a:fontScheme>
+    <a:fmtScheme name="Office">
+      <a:fillStyleLst>
+        <a:solidFill>
+          <a:schemeClr val="phClr"/>
+        </a:solidFill>
+        <a:gradFill rotWithShape="1">
+          <a:gsLst>
+            <a:gs pos="0">
+              <a:schemeClr val="phClr">
+                <a:tint val="50000"/>
+                <a:satMod val="300000"/>
+              </a:schemeClr>
+            </a:gs>
+            <a:gs pos="35000">
+              <a:schemeClr val="phClr">
+                <a:tint val="37000"/>
+                <a:satMod val="300000"/>
+              </a:schemeClr>
+            </a:gs>
+            <a:gs pos="100000">
+              <a:schemeClr val="phClr">
+                <a:tint val="15000"/>
+                <a:satMod val="350000"/>
+              </a:schemeClr>
+            </a:gs>
+          </a:gsLst>
+          <a:lin ang="16200000" scaled="1"/>
+        </a:gradFill>
+        <a:gradFill rotWithShape="1">
+          <a:gsLst>
+            <a:gs pos="0">
+              <a:schemeClr val="phClr">
+                <a:tint val="100000"/>
+                <a:shade val="100000"/>
+                <a:satMod val="130000"/>
+              </a:schemeClr>
+            </a:gs>
+            <a:gs pos="100000">
+              <a:schemeClr val="phClr">
+                <a:tint val="50000"/>
+                <a:shade val="100000"/>
+                <a:satMod val="350000"/>
+              </a:schemeClr>
+            </a:gs>
+          </a:gsLst>
+          <a:lin ang="16200000" scaled="0"/>
+        </a:gradFill>
+      </a:fillStyleLst>
+      <a:lnStyleLst>
+        <a:ln w="9525" cap="flat" cmpd="sng" algn="ctr">
+          <a:solidFill>
+            <a:schemeClr val="phClr">
+              <a:shade val="95000"/>
+              <a:satMod val="105000"/>
+            </a:schemeClr>
+          </a:solidFill>
+          <a:prstDash val="solid"/>
+        </a:ln>
+        <a:ln w="25400" cap="flat" cmpd="sng" algn="ctr">
+          <a:solidFill>
+            <a:schemeClr val="phClr"/>
+          </a:solidFill>
+          <a:prstDash val="solid"/>
+        </a:ln>
+        <a:ln w="38100" cap="flat" cmpd="sng" algn="ctr">
+          <a:solidFill>
+            <a:schemeClr val="phClr"/>
+          </a:solidFill>
+          <a:prstDash val="solid"/>
+        </a:ln>
+      </a:lnStyleLst>
+      <a:effectStyleLst>
+        <a:effectStyle>
+          <a:effectLst>
+            <a:outerShdw blurRad="40000" dist="20000" dir="5400000" rotWithShape="0">
+              <a:srgbClr val="000000">
+                <a:alpha val="38000"/>
+              </a:srgbClr>
+            </a:outerShdw>
+          </a:effectLst>
+        </a:effectStyle>
+        <a:effectStyle>
+          <a:effectLst>
+            <a:outerShdw blurRad="40000" dist="23000" dir="5400000" rotWithShape="0">
+              <a:srgbClr val="000000">
+                <a:alpha val="35000"/>
+              </a:srgbClr>
+            </a:outerShdw>
+          </a:effectLst>
+        </a:effectStyle>
+        <a:effectStyle>
+          <a:effectLst>
+            <a:outerShdw blurRad="40000" dist="23000" dir="5400000" rotWithShape="0">
+              <a:srgbClr val="000000">
+                <a:alpha val="35000"/>
+              </a:srgbClr>
+            </a:outerShdw>
+          </a:effectLst>
+          <a:scene3d>
+            <a:camera prst="orthographicFront">
+              <a:rot lat="0" lon="0" rev="0"/>
+            </a:camera>
+            <a:lightRig rig="threePt" dir="t">
+              <a:rot lat="0" lon="0" rev="1200000"/>
+            </a:lightRig>
+          </a:scene3d>
+          <a:sp3d>
+            <a:bevelT w="63500" h="25400"/>
+          </a:sp3d>
+        </a:effectStyle>
+      </a:effectStyleLst>
+      <a:bgFillStyleLst>
+        <a:solidFill>
+          <a:schemeClr val="phClr"/>
+        </a:solidFill>
+        <a:gradFill rotWithShape="1">
+          <a:gsLst>
+            <a:gs pos="0">
+              <a:schemeClr val="phClr">
+                <a:tint val="40000"/>
+                <a:satMod val="350000"/>
+              </a:schemeClr>
+            </a:gs>
+            <a:gs pos="40000">
+              <a:schemeClr val="phClr">
+                <a:tint val="45000"/>
+                <a:shade val="99000"/>
+                <a:satMod val="350000"/>
+              </a:schemeClr>
+            </a:gs>
+            <a:gs pos="100000">
+              <a:schemeClr val="phClr">
+                <a:shade val="20000"/>
+                <a:satMod val="255000"/>
+              </a:schemeClr>
+            </a:gs>
+          </a:gsLst>
+          <a:path path="circle">
+            <a:fillToRect l="50000" t="-80000" r="50000" b="180000"/>
+          </a:path>
+        </a:gradFill>
+        <a:gradFill rotWithShape="1">
+          <a:gsLst>
+            <a:gs pos="0">
+              <a:schemeClr val="phClr">
+                <a:tint val="80000"/>
+                <a:satMod val="300000"/>
+              </a:schemeClr>
+            </a:gs>
+            <a:gs pos="100000">
+              <a:schemeClr val="phClr">
+                <a:shade val="30000"/>
+                <a:satMod val="200000"/>
+              </a:schemeClr>
+            </a:gs>
+          </a:gsLst>
+          <a:path path="circle">
+            <a:fillToRect l="50000" t="50000" r="50000" b="50000"/>
+          </a:path>
+        </a:gradFill>
+      </a:bgFillStyleLst>
+    </a:fmtScheme>
+  </a:themeElements>
+</a:theme>
+</file>
+
+<file path=ppt/theme/theme2.xml><?xml version="1.0" encoding="utf-8"?>
 <a:theme xmlns:a="http://schemas.openxmlformats.org/drawingml/2006/main" xmlns:r="http://schemas.openxmlformats.org/officeDocument/2006/relationships" name="Marina">
   <a:themeElements>
     <a:clrScheme name="Marina">
@@ -11099,283 +11378,4 @@
     </a:fmtScheme>
   </a:themeElements>
 </a:theme>
-</file>
-
-<file path=ppt/theme/theme2.xml><?xml version="1.0" encoding="utf-8"?>
-<a:theme xmlns:a="http://schemas.openxmlformats.org/drawingml/2006/main" xmlns:r="http://schemas.openxmlformats.org/officeDocument/2006/relationships">
-  <a:themeElements>
-    <a:clrScheme name="Default">
-      <a:dk1>
-        <a:srgbClr val="000000"/>
-      </a:dk1>
-      <a:lt1>
-        <a:srgbClr val="FFFFFF"/>
-      </a:lt1>
-      <a:dk2>
-        <a:srgbClr val="158158"/>
-      </a:dk2>
-      <a:lt2>
-        <a:srgbClr val="F3F3F3"/>
-      </a:lt2>
-      <a:accent1>
-        <a:srgbClr val="058DC7"/>
-      </a:accent1>
-      <a:accent2>
-        <a:srgbClr val="50B432"/>
-      </a:accent2>
-      <a:accent3>
-        <a:srgbClr val="ED561B"/>
-      </a:accent3>
-      <a:accent4>
-        <a:srgbClr val="EDEF00"/>
-      </a:accent4>
-      <a:accent5>
-        <a:srgbClr val="24CBE5"/>
-      </a:accent5>
-      <a:accent6>
-        <a:srgbClr val="64E572"/>
-      </a:accent6>
-      <a:hlink>
-        <a:srgbClr val="2200CC"/>
-      </a:hlink>
-      <a:folHlink>
-        <a:srgbClr val="551A8B"/>
-      </a:folHlink>
-    </a:clrScheme>
-    <a:fontScheme name="Office">
-      <a:majorFont>
-        <a:latin typeface="Arial"/>
-        <a:ea typeface=""/>
-        <a:cs typeface=""/>
-        <a:font script="Jpan" typeface="ＭＳ Ｐゴシック"/>
-        <a:font script="Hang" typeface="맑은 고딕"/>
-        <a:font script="Hans" typeface="宋体"/>
-        <a:font script="Hant" typeface="新細明體"/>
-        <a:font script="Arab" typeface="Times New Roman"/>
-        <a:font script="Hebr" typeface="Times New Roman"/>
-        <a:font script="Thai" typeface="Angsana New"/>
-        <a:font script="Ethi" typeface="Nyala"/>
-        <a:font script="Beng" typeface="Vrinda"/>
-        <a:font script="Gujr" typeface="Shruti"/>
-        <a:font script="Khmr" typeface="MoolBoran"/>
-        <a:font script="Knda" typeface="Tunga"/>
-        <a:font script="Guru" typeface="Raavi"/>
-        <a:font script="Cans" typeface="Euphemia"/>
-        <a:font script="Cher" typeface="Plantagenet Cherokee"/>
-        <a:font script="Yiii" typeface="Microsoft Yi Baiti"/>
-        <a:font script="Tibt" typeface="Microsoft Himalaya"/>
-        <a:font script="Thaa" typeface="MV Boli"/>
-        <a:font script="Deva" typeface="Mangal"/>
-        <a:font script="Telu" typeface="Gautami"/>
-        <a:font script="Taml" typeface="Latha"/>
-        <a:font script="Syrc" typeface="Estrangelo Edessa"/>
-        <a:font script="Orya" typeface="Kalinga"/>
-        <a:font script="Mlym" typeface="Kartika"/>
-        <a:font script="Laoo" typeface="DokChampa"/>
-        <a:font script="Sinh" typeface="Iskoola Pota"/>
-        <a:font script="Mong" typeface="Mongolian Baiti"/>
-        <a:font script="Viet" typeface="Times New Roman"/>
-        <a:font script="Uigh" typeface="Microsoft Uighur"/>
-        <a:font script="Geor" typeface="Sylfaen"/>
-      </a:majorFont>
-      <a:minorFont>
-        <a:latin typeface="Arial"/>
-        <a:ea typeface=""/>
-        <a:cs typeface=""/>
-        <a:font script="Jpan" typeface="ＭＳ Ｐゴシック"/>
-        <a:font script="Hang" typeface="맑은 고딕"/>
-        <a:font script="Hans" typeface="宋体"/>
-        <a:font script="Hant" typeface="新細明體"/>
-        <a:font script="Arab" typeface="Arial"/>
-        <a:font script="Hebr" typeface="Arial"/>
-        <a:font script="Thai" typeface="Cordia New"/>
-        <a:font script="Ethi" typeface="Nyala"/>
-        <a:font script="Beng" typeface="Vrinda"/>
-        <a:font script="Gujr" typeface="Shruti"/>
-        <a:font script="Khmr" typeface="DaunPenh"/>
-        <a:font script="Knda" typeface="Tunga"/>
-        <a:font script="Guru" typeface="Raavi"/>
-        <a:font script="Cans" typeface="Euphemia"/>
-        <a:font script="Cher" typeface="Plantagenet Cherokee"/>
-        <a:font script="Yiii" typeface="Microsoft Yi Baiti"/>
-        <a:font script="Tibt" typeface="Microsoft Himalaya"/>
-        <a:font script="Thaa" typeface="MV Boli"/>
-        <a:font script="Deva" typeface="Mangal"/>
-        <a:font script="Telu" typeface="Gautami"/>
-        <a:font script="Taml" typeface="Latha"/>
-        <a:font script="Syrc" typeface="Estrangelo Edessa"/>
-        <a:font script="Orya" typeface="Kalinga"/>
-        <a:font script="Mlym" typeface="Kartika"/>
-        <a:font script="Laoo" typeface="DokChampa"/>
-        <a:font script="Sinh" typeface="Iskoola Pota"/>
-        <a:font script="Mong" typeface="Mongolian Baiti"/>
-        <a:font script="Viet" typeface="Arial"/>
-        <a:font script="Uigh" typeface="Microsoft Uighur"/>
-        <a:font script="Geor" typeface="Sylfaen"/>
-      </a:minorFont>
-    </a:fontScheme>
-    <a:fmtScheme name="Office">
-      <a:fillStyleLst>
-        <a:solidFill>
-          <a:schemeClr val="phClr"/>
-        </a:solidFill>
-        <a:gradFill rotWithShape="1">
-          <a:gsLst>
-            <a:gs pos="0">
-              <a:schemeClr val="phClr">
-                <a:tint val="50000"/>
-                <a:satMod val="300000"/>
-              </a:schemeClr>
-            </a:gs>
-            <a:gs pos="35000">
-              <a:schemeClr val="phClr">
-                <a:tint val="37000"/>
-                <a:satMod val="300000"/>
-              </a:schemeClr>
-            </a:gs>
-            <a:gs pos="100000">
-              <a:schemeClr val="phClr">
-                <a:tint val="15000"/>
-                <a:satMod val="350000"/>
-              </a:schemeClr>
-            </a:gs>
-          </a:gsLst>
-          <a:lin ang="16200000" scaled="1"/>
-        </a:gradFill>
-        <a:gradFill rotWithShape="1">
-          <a:gsLst>
-            <a:gs pos="0">
-              <a:schemeClr val="phClr">
-                <a:tint val="100000"/>
-                <a:shade val="100000"/>
-                <a:satMod val="130000"/>
-              </a:schemeClr>
-            </a:gs>
-            <a:gs pos="100000">
-              <a:schemeClr val="phClr">
-                <a:tint val="50000"/>
-                <a:shade val="100000"/>
-                <a:satMod val="350000"/>
-              </a:schemeClr>
-            </a:gs>
-          </a:gsLst>
-          <a:lin ang="16200000" scaled="0"/>
-        </a:gradFill>
-      </a:fillStyleLst>
-      <a:lnStyleLst>
-        <a:ln w="9525" cap="flat" cmpd="sng" algn="ctr">
-          <a:solidFill>
-            <a:schemeClr val="phClr">
-              <a:shade val="95000"/>
-              <a:satMod val="105000"/>
-            </a:schemeClr>
-          </a:solidFill>
-          <a:prstDash val="solid"/>
-        </a:ln>
-        <a:ln w="25400" cap="flat" cmpd="sng" algn="ctr">
-          <a:solidFill>
-            <a:schemeClr val="phClr"/>
-          </a:solidFill>
-          <a:prstDash val="solid"/>
-        </a:ln>
-        <a:ln w="38100" cap="flat" cmpd="sng" algn="ctr">
-          <a:solidFill>
-            <a:schemeClr val="phClr"/>
-          </a:solidFill>
-          <a:prstDash val="solid"/>
-        </a:ln>
-      </a:lnStyleLst>
-      <a:effectStyleLst>
-        <a:effectStyle>
-          <a:effectLst>
-            <a:outerShdw blurRad="40000" dist="20000" dir="5400000" rotWithShape="0">
-              <a:srgbClr val="000000">
-                <a:alpha val="38000"/>
-              </a:srgbClr>
-            </a:outerShdw>
-          </a:effectLst>
-        </a:effectStyle>
-        <a:effectStyle>
-          <a:effectLst>
-            <a:outerShdw blurRad="40000" dist="23000" dir="5400000" rotWithShape="0">
-              <a:srgbClr val="000000">
-                <a:alpha val="35000"/>
-              </a:srgbClr>
-            </a:outerShdw>
-          </a:effectLst>
-        </a:effectStyle>
-        <a:effectStyle>
-          <a:effectLst>
-            <a:outerShdw blurRad="40000" dist="23000" dir="5400000" rotWithShape="0">
-              <a:srgbClr val="000000">
-                <a:alpha val="35000"/>
-              </a:srgbClr>
-            </a:outerShdw>
-          </a:effectLst>
-          <a:scene3d>
-            <a:camera prst="orthographicFront">
-              <a:rot lat="0" lon="0" rev="0"/>
-            </a:camera>
-            <a:lightRig rig="threePt" dir="t">
-              <a:rot lat="0" lon="0" rev="1200000"/>
-            </a:lightRig>
-          </a:scene3d>
-          <a:sp3d>
-            <a:bevelT w="63500" h="25400"/>
-          </a:sp3d>
-        </a:effectStyle>
-      </a:effectStyleLst>
-      <a:bgFillStyleLst>
-        <a:solidFill>
-          <a:schemeClr val="phClr"/>
-        </a:solidFill>
-        <a:gradFill rotWithShape="1">
-          <a:gsLst>
-            <a:gs pos="0">
-              <a:schemeClr val="phClr">
-                <a:tint val="40000"/>
-                <a:satMod val="350000"/>
-              </a:schemeClr>
-            </a:gs>
-            <a:gs pos="40000">
-              <a:schemeClr val="phClr">
-                <a:tint val="45000"/>
-                <a:shade val="99000"/>
-                <a:satMod val="350000"/>
-              </a:schemeClr>
-            </a:gs>
-            <a:gs pos="100000">
-              <a:schemeClr val="phClr">
-                <a:shade val="20000"/>
-                <a:satMod val="255000"/>
-              </a:schemeClr>
-            </a:gs>
-          </a:gsLst>
-          <a:path path="circle">
-            <a:fillToRect l="50000" t="-80000" r="50000" b="180000"/>
-          </a:path>
-        </a:gradFill>
-        <a:gradFill rotWithShape="1">
-          <a:gsLst>
-            <a:gs pos="0">
-              <a:schemeClr val="phClr">
-                <a:tint val="80000"/>
-                <a:satMod val="300000"/>
-              </a:schemeClr>
-            </a:gs>
-            <a:gs pos="100000">
-              <a:schemeClr val="phClr">
-                <a:shade val="30000"/>
-                <a:satMod val="200000"/>
-              </a:schemeClr>
-            </a:gs>
-          </a:gsLst>
-          <a:path path="circle">
-            <a:fillToRect l="50000" t="50000" r="50000" b="50000"/>
-          </a:path>
-        </a:gradFill>
-      </a:bgFillStyleLst>
-    </a:fmtScheme>
-  </a:themeElements>
-</a:theme>
 </file>
--- a/Presentation.pptx
+++ b/Presentation.pptx
@@ -8115,7 +8115,7 @@
             </a:r>
             <a:r>
               <a:rPr lang="en" sz="1200"/>
-              <a:t>Skewed log transformation for skewed variables to return them to normal</a:t>
+              <a:t>Skewed transformation to categorical</a:t>
             </a:r>
             <a:endParaRPr sz="1200"/>
           </a:p>
@@ -8132,7 +8132,7 @@
             </a:pPr>
             <a:r>
               <a:rPr lang="en" sz="1200"/>
-              <a:t>Better for linear models</a:t>
+              <a:t>Better for linear models as no outliers</a:t>
             </a:r>
             <a:endParaRPr sz="1200"/>
           </a:p>
@@ -8150,23 +8150,6 @@
             <a:r>
               <a:rPr lang="en" sz="1200"/>
               <a:t>Quick - but potentially more work needs to be done to handle outliers</a:t>
-            </a:r>
-            <a:endParaRPr sz="1200"/>
-          </a:p>
-          <a:p>
-            <a:pPr indent="-304800" lvl="1" marL="914400" rtl="0" algn="l">
-              <a:spcBef>
-                <a:spcPts val="0"/>
-              </a:spcBef>
-              <a:spcAft>
-                <a:spcPts val="0"/>
-              </a:spcAft>
-              <a:buSzPts val="1200"/>
-              <a:buChar char="○"/>
-            </a:pPr>
-            <a:r>
-              <a:rPr lang="en" sz="1200"/>
-              <a:t>Capping</a:t>
             </a:r>
             <a:endParaRPr sz="1200"/>
           </a:p>
@@ -8774,45 +8757,7 @@
             </a:pPr>
             <a:r>
               <a:rPr lang="en" sz="1200"/>
-              <a:t>Log values to encourage normal distributions</a:t>
-            </a:r>
-            <a:endParaRPr sz="1200"/>
-          </a:p>
-          <a:p>
-            <a:pPr indent="-304800" lvl="1" marL="914400" rtl="0" algn="l">
-              <a:spcBef>
-                <a:spcPts val="0"/>
-              </a:spcBef>
-              <a:spcAft>
-                <a:spcPts val="0"/>
-              </a:spcAft>
-              <a:buSzPts val="1200"/>
-              <a:buChar char="○"/>
-            </a:pPr>
-            <a:r>
-              <a:rPr lang="en" sz="1200"/>
-              <a:t>Better for linear models</a:t>
-            </a:r>
-            <a:endParaRPr sz="1200"/>
-          </a:p>
-          <a:p>
-            <a:pPr indent="-304800" lvl="1" marL="914400" rtl="0" algn="l">
-              <a:spcBef>
-                <a:spcPts val="0"/>
-              </a:spcBef>
-              <a:spcAft>
-                <a:spcPts val="0"/>
-              </a:spcAft>
-              <a:buSzPts val="1200"/>
-              <a:buChar char="○"/>
-            </a:pPr>
-            <a:r>
-              <a:rPr lang="en" sz="1200"/>
-              <a:t>Better for </a:t>
-            </a:r>
-            <a:r>
-              <a:rPr lang="en" sz="1200"/>
-              <a:t>visualization</a:t>
+              <a:t>Changed to categorical</a:t>
             </a:r>
             <a:endParaRPr sz="1200"/>
           </a:p>
@@ -8834,8 +8779,8 @@
         </p:blipFill>
         <p:spPr>
           <a:xfrm>
-            <a:off x="159300" y="2771300"/>
-            <a:ext cx="2783349" cy="1998691"/>
+            <a:off x="3182597" y="2724025"/>
+            <a:ext cx="2778352" cy="1983475"/>
           </a:xfrm>
           <a:prstGeom prst="rect">
             <a:avLst/>
@@ -8862,8 +8807,8 @@
         </p:blipFill>
         <p:spPr>
           <a:xfrm>
-            <a:off x="3269325" y="2787874"/>
-            <a:ext cx="2783349" cy="1968150"/>
+            <a:off x="6213250" y="2724025"/>
+            <a:ext cx="2778349" cy="1975227"/>
           </a:xfrm>
           <a:prstGeom prst="rect">
             <a:avLst/>
@@ -8890,8 +8835,8 @@
         </p:blipFill>
         <p:spPr>
           <a:xfrm>
-            <a:off x="6303150" y="2771300"/>
-            <a:ext cx="2751004" cy="1968151"/>
+            <a:off x="152400" y="2724025"/>
+            <a:ext cx="2878250" cy="1983468"/>
           </a:xfrm>
           <a:prstGeom prst="rect">
             <a:avLst/>
@@ -10006,7 +9951,7 @@
             </a:pPr>
             <a:r>
               <a:rPr lang="en" sz="1200"/>
-              <a:t>Log skewed numeric values	</a:t>
+              <a:t>Skewed to categorical for investments	</a:t>
             </a:r>
             <a:endParaRPr sz="1200"/>
           </a:p>
@@ -10422,8 +10367,8 @@
         </p:blipFill>
         <p:spPr>
           <a:xfrm>
-            <a:off x="1291200" y="1795025"/>
-            <a:ext cx="3803775" cy="946825"/>
+            <a:off x="6615025" y="684925"/>
+            <a:ext cx="2404825" cy="2005151"/>
           </a:xfrm>
           <a:prstGeom prst="rect">
             <a:avLst/>
@@ -10450,8 +10395,8 @@
         </p:blipFill>
         <p:spPr>
           <a:xfrm>
-            <a:off x="3620345" y="3062150"/>
-            <a:ext cx="2096882" cy="2005151"/>
+            <a:off x="1064050" y="1801625"/>
+            <a:ext cx="3968149" cy="977300"/>
           </a:xfrm>
           <a:prstGeom prst="rect">
             <a:avLst/>
@@ -10478,8 +10423,8 @@
         </p:blipFill>
         <p:spPr>
           <a:xfrm>
-            <a:off x="6615025" y="684925"/>
-            <a:ext cx="2404825" cy="2005151"/>
+            <a:off x="4103251" y="3246400"/>
+            <a:ext cx="2145251" cy="1797701"/>
           </a:xfrm>
           <a:prstGeom prst="rect">
             <a:avLst/>
@@ -10823,6 +10768,285 @@
 </file>
 
 <file path=ppt/theme/theme1.xml><?xml version="1.0" encoding="utf-8"?>
+<a:theme xmlns:a="http://schemas.openxmlformats.org/drawingml/2006/main" xmlns:r="http://schemas.openxmlformats.org/officeDocument/2006/relationships" name="Marina">
+  <a:themeElements>
+    <a:clrScheme name="Marina">
+      <a:dk1>
+        <a:srgbClr val="FFFFFF"/>
+      </a:dk1>
+      <a:lt1>
+        <a:srgbClr val="00517C"/>
+      </a:lt1>
+      <a:dk2>
+        <a:srgbClr val="004065"/>
+      </a:dk2>
+      <a:lt2>
+        <a:srgbClr val="CFD8DC"/>
+      </a:lt2>
+      <a:accent1>
+        <a:srgbClr val="0277BD"/>
+      </a:accent1>
+      <a:accent2>
+        <a:srgbClr val="558B2F"/>
+      </a:accent2>
+      <a:accent3>
+        <a:srgbClr val="009688"/>
+      </a:accent3>
+      <a:accent4>
+        <a:srgbClr val="039BE5"/>
+      </a:accent4>
+      <a:accent5>
+        <a:srgbClr val="8BC34A"/>
+      </a:accent5>
+      <a:accent6>
+        <a:srgbClr val="FFEB38"/>
+      </a:accent6>
+      <a:hlink>
+        <a:srgbClr val="8BC34A"/>
+      </a:hlink>
+      <a:folHlink>
+        <a:srgbClr val="8BC34A"/>
+      </a:folHlink>
+    </a:clrScheme>
+    <a:fontScheme name="Office">
+      <a:majorFont>
+        <a:latin typeface="Arial"/>
+        <a:ea typeface=""/>
+        <a:cs typeface=""/>
+        <a:font script="Jpan" typeface="ＭＳ Ｐゴシック"/>
+        <a:font script="Hang" typeface="맑은 고딕"/>
+        <a:font script="Hans" typeface="宋体"/>
+        <a:font script="Hant" typeface="新細明體"/>
+        <a:font script="Arab" typeface="Times New Roman"/>
+        <a:font script="Hebr" typeface="Times New Roman"/>
+        <a:font script="Thai" typeface="Angsana New"/>
+        <a:font script="Ethi" typeface="Nyala"/>
+        <a:font script="Beng" typeface="Vrinda"/>
+        <a:font script="Gujr" typeface="Shruti"/>
+        <a:font script="Khmr" typeface="MoolBoran"/>
+        <a:font script="Knda" typeface="Tunga"/>
+        <a:font script="Guru" typeface="Raavi"/>
+        <a:font script="Cans" typeface="Euphemia"/>
+        <a:font script="Cher" typeface="Plantagenet Cherokee"/>
+        <a:font script="Yiii" typeface="Microsoft Yi Baiti"/>
+        <a:font script="Tibt" typeface="Microsoft Himalaya"/>
+        <a:font script="Thaa" typeface="MV Boli"/>
+        <a:font script="Deva" typeface="Mangal"/>
+        <a:font script="Telu" typeface="Gautami"/>
+        <a:font script="Taml" typeface="Latha"/>
+        <a:font script="Syrc" typeface="Estrangelo Edessa"/>
+        <a:font script="Orya" typeface="Kalinga"/>
+        <a:font script="Mlym" typeface="Kartika"/>
+        <a:font script="Laoo" typeface="DokChampa"/>
+        <a:font script="Sinh" typeface="Iskoola Pota"/>
+        <a:font script="Mong" typeface="Mongolian Baiti"/>
+        <a:font script="Viet" typeface="Times New Roman"/>
+        <a:font script="Uigh" typeface="Microsoft Uighur"/>
+        <a:font script="Geor" typeface="Sylfaen"/>
+      </a:majorFont>
+      <a:minorFont>
+        <a:latin typeface="Arial"/>
+        <a:ea typeface=""/>
+        <a:cs typeface=""/>
+        <a:font script="Jpan" typeface="ＭＳ Ｐゴシック"/>
+        <a:font script="Hang" typeface="맑은 고딕"/>
+        <a:font script="Hans" typeface="宋体"/>
+        <a:font script="Hant" typeface="新細明體"/>
+        <a:font script="Arab" typeface="Arial"/>
+        <a:font script="Hebr" typeface="Arial"/>
+        <a:font script="Thai" typeface="Cordia New"/>
+        <a:font script="Ethi" typeface="Nyala"/>
+        <a:font script="Beng" typeface="Vrinda"/>
+        <a:font script="Gujr" typeface="Shruti"/>
+        <a:font script="Khmr" typeface="DaunPenh"/>
+        <a:font script="Knda" typeface="Tunga"/>
+        <a:font script="Guru" typeface="Raavi"/>
+        <a:font script="Cans" typeface="Euphemia"/>
+        <a:font script="Cher" typeface="Plantagenet Cherokee"/>
+        <a:font script="Yiii" typeface="Microsoft Yi Baiti"/>
+        <a:font script="Tibt" typeface="Microsoft Himalaya"/>
+        <a:font script="Thaa" typeface="MV Boli"/>
+        <a:font script="Deva" typeface="Mangal"/>
+        <a:font script="Telu" typeface="Gautami"/>
+        <a:font script="Taml" typeface="Latha"/>
+        <a:font script="Syrc" typeface="Estrangelo Edessa"/>
+        <a:font script="Orya" typeface="Kalinga"/>
+        <a:font script="Mlym" typeface="Kartika"/>
+        <a:font script="Laoo" typeface="DokChampa"/>
+        <a:font script="Sinh" typeface="Iskoola Pota"/>
+        <a:font script="Mong" typeface="Mongolian Baiti"/>
+        <a:font script="Viet" typeface="Arial"/>
+        <a:font script="Uigh" typeface="Microsoft Uighur"/>
+        <a:font script="Geor" typeface="Sylfaen"/>
+      </a:minorFont>
+    </a:fontScheme>
+    <a:fmtScheme name="Office">
+      <a:fillStyleLst>
+        <a:solidFill>
+          <a:schemeClr val="phClr"/>
+        </a:solidFill>
+        <a:gradFill rotWithShape="1">
+          <a:gsLst>
+            <a:gs pos="0">
+              <a:schemeClr val="phClr">
+                <a:tint val="50000"/>
+                <a:satMod val="300000"/>
+              </a:schemeClr>
+            </a:gs>
+            <a:gs pos="35000">
+              <a:schemeClr val="phClr">
+                <a:tint val="37000"/>
+                <a:satMod val="300000"/>
+              </a:schemeClr>
+            </a:gs>
+            <a:gs pos="100000">
+              <a:schemeClr val="phClr">
+                <a:tint val="15000"/>
+                <a:satMod val="350000"/>
+              </a:schemeClr>
+            </a:gs>
+          </a:gsLst>
+          <a:lin ang="16200000" scaled="1"/>
+        </a:gradFill>
+        <a:gradFill rotWithShape="1">
+          <a:gsLst>
+            <a:gs pos="0">
+              <a:schemeClr val="phClr">
+                <a:tint val="100000"/>
+                <a:shade val="100000"/>
+                <a:satMod val="130000"/>
+              </a:schemeClr>
+            </a:gs>
+            <a:gs pos="100000">
+              <a:schemeClr val="phClr">
+                <a:tint val="50000"/>
+                <a:shade val="100000"/>
+                <a:satMod val="350000"/>
+              </a:schemeClr>
+            </a:gs>
+          </a:gsLst>
+          <a:lin ang="16200000" scaled="0"/>
+        </a:gradFill>
+      </a:fillStyleLst>
+      <a:lnStyleLst>
+        <a:ln w="9525" cap="flat" cmpd="sng" algn="ctr">
+          <a:solidFill>
+            <a:schemeClr val="phClr">
+              <a:shade val="95000"/>
+              <a:satMod val="105000"/>
+            </a:schemeClr>
+          </a:solidFill>
+          <a:prstDash val="solid"/>
+        </a:ln>
+        <a:ln w="25400" cap="flat" cmpd="sng" algn="ctr">
+          <a:solidFill>
+            <a:schemeClr val="phClr"/>
+          </a:solidFill>
+          <a:prstDash val="solid"/>
+        </a:ln>
+        <a:ln w="38100" cap="flat" cmpd="sng" algn="ctr">
+          <a:solidFill>
+            <a:schemeClr val="phClr"/>
+          </a:solidFill>
+          <a:prstDash val="solid"/>
+        </a:ln>
+      </a:lnStyleLst>
+      <a:effectStyleLst>
+        <a:effectStyle>
+          <a:effectLst>
+            <a:outerShdw blurRad="40000" dist="20000" dir="5400000" rotWithShape="0">
+              <a:srgbClr val="000000">
+                <a:alpha val="38000"/>
+              </a:srgbClr>
+            </a:outerShdw>
+          </a:effectLst>
+        </a:effectStyle>
+        <a:effectStyle>
+          <a:effectLst>
+            <a:outerShdw blurRad="40000" dist="23000" dir="5400000" rotWithShape="0">
+              <a:srgbClr val="000000">
+                <a:alpha val="35000"/>
+              </a:srgbClr>
+            </a:outerShdw>
+          </a:effectLst>
+        </a:effectStyle>
+        <a:effectStyle>
+          <a:effectLst>
+            <a:outerShdw blurRad="40000" dist="23000" dir="5400000" rotWithShape="0">
+              <a:srgbClr val="000000">
+                <a:alpha val="35000"/>
+              </a:srgbClr>
+            </a:outerShdw>
+          </a:effectLst>
+          <a:scene3d>
+            <a:camera prst="orthographicFront">
+              <a:rot lat="0" lon="0" rev="0"/>
+            </a:camera>
+            <a:lightRig rig="threePt" dir="t">
+              <a:rot lat="0" lon="0" rev="1200000"/>
+            </a:lightRig>
+          </a:scene3d>
+          <a:sp3d>
+            <a:bevelT w="63500" h="25400"/>
+          </a:sp3d>
+        </a:effectStyle>
+      </a:effectStyleLst>
+      <a:bgFillStyleLst>
+        <a:solidFill>
+          <a:schemeClr val="phClr"/>
+        </a:solidFill>
+        <a:gradFill rotWithShape="1">
+          <a:gsLst>
+            <a:gs pos="0">
+              <a:schemeClr val="phClr">
+                <a:tint val="40000"/>
+                <a:satMod val="350000"/>
+              </a:schemeClr>
+            </a:gs>
+            <a:gs pos="40000">
+              <a:schemeClr val="phClr">
+                <a:tint val="45000"/>
+                <a:shade val="99000"/>
+                <a:satMod val="350000"/>
+              </a:schemeClr>
+            </a:gs>
+            <a:gs pos="100000">
+              <a:schemeClr val="phClr">
+                <a:shade val="20000"/>
+                <a:satMod val="255000"/>
+              </a:schemeClr>
+            </a:gs>
+          </a:gsLst>
+          <a:path path="circle">
+            <a:fillToRect l="50000" t="-80000" r="50000" b="180000"/>
+          </a:path>
+        </a:gradFill>
+        <a:gradFill rotWithShape="1">
+          <a:gsLst>
+            <a:gs pos="0">
+              <a:schemeClr val="phClr">
+                <a:tint val="80000"/>
+                <a:satMod val="300000"/>
+              </a:schemeClr>
+            </a:gs>
+            <a:gs pos="100000">
+              <a:schemeClr val="phClr">
+                <a:shade val="30000"/>
+                <a:satMod val="200000"/>
+              </a:schemeClr>
+            </a:gs>
+          </a:gsLst>
+          <a:path path="circle">
+            <a:fillToRect l="50000" t="50000" r="50000" b="50000"/>
+          </a:path>
+        </a:gradFill>
+      </a:bgFillStyleLst>
+    </a:fmtScheme>
+  </a:themeElements>
+</a:theme>
+</file>
+
+<file path=ppt/theme/theme2.xml><?xml version="1.0" encoding="utf-8"?>
 <a:theme xmlns:a="http://schemas.openxmlformats.org/drawingml/2006/main" xmlns:r="http://schemas.openxmlformats.org/officeDocument/2006/relationships">
   <a:themeElements>
     <a:clrScheme name="Default">
@@ -11099,283 +11323,4 @@
     </a:fmtScheme>
   </a:themeElements>
 </a:theme>
-</file>
-
-<file path=ppt/theme/theme2.xml><?xml version="1.0" encoding="utf-8"?>
-<a:theme xmlns:a="http://schemas.openxmlformats.org/drawingml/2006/main" xmlns:r="http://schemas.openxmlformats.org/officeDocument/2006/relationships" name="Marina">
-  <a:themeElements>
-    <a:clrScheme name="Marina">
-      <a:dk1>
-        <a:srgbClr val="FFFFFF"/>
-      </a:dk1>
-      <a:lt1>
-        <a:srgbClr val="00517C"/>
-      </a:lt1>
-      <a:dk2>
-        <a:srgbClr val="004065"/>
-      </a:dk2>
-      <a:lt2>
-        <a:srgbClr val="CFD8DC"/>
-      </a:lt2>
-      <a:accent1>
-        <a:srgbClr val="0277BD"/>
-      </a:accent1>
-      <a:accent2>
-        <a:srgbClr val="558B2F"/>
-      </a:accent2>
-      <a:accent3>
-        <a:srgbClr val="009688"/>
-      </a:accent3>
-      <a:accent4>
-        <a:srgbClr val="039BE5"/>
-      </a:accent4>
-      <a:accent5>
-        <a:srgbClr val="8BC34A"/>
-      </a:accent5>
-      <a:accent6>
-        <a:srgbClr val="FFEB38"/>
-      </a:accent6>
-      <a:hlink>
-        <a:srgbClr val="8BC34A"/>
-      </a:hlink>
-      <a:folHlink>
-        <a:srgbClr val="8BC34A"/>
-      </a:folHlink>
-    </a:clrScheme>
-    <a:fontScheme name="Office">
-      <a:majorFont>
-        <a:latin typeface="Arial"/>
-        <a:ea typeface=""/>
-        <a:cs typeface=""/>
-        <a:font script="Jpan" typeface="ＭＳ Ｐゴシック"/>
-        <a:font script="Hang" typeface="맑은 고딕"/>
-        <a:font script="Hans" typeface="宋体"/>
-        <a:font script="Hant" typeface="新細明體"/>
-        <a:font script="Arab" typeface="Times New Roman"/>
-        <a:font script="Hebr" typeface="Times New Roman"/>
-        <a:font script="Thai" typeface="Angsana New"/>
-        <a:font script="Ethi" typeface="Nyala"/>
-        <a:font script="Beng" typeface="Vrinda"/>
-        <a:font script="Gujr" typeface="Shruti"/>
-        <a:font script="Khmr" typeface="MoolBoran"/>
-        <a:font script="Knda" typeface="Tunga"/>
-        <a:font script="Guru" typeface="Raavi"/>
-        <a:font script="Cans" typeface="Euphemia"/>
-        <a:font script="Cher" typeface="Plantagenet Cherokee"/>
-        <a:font script="Yiii" typeface="Microsoft Yi Baiti"/>
-        <a:font script="Tibt" typeface="Microsoft Himalaya"/>
-        <a:font script="Thaa" typeface="MV Boli"/>
-        <a:font script="Deva" typeface="Mangal"/>
-        <a:font script="Telu" typeface="Gautami"/>
-        <a:font script="Taml" typeface="Latha"/>
-        <a:font script="Syrc" typeface="Estrangelo Edessa"/>
-        <a:font script="Orya" typeface="Kalinga"/>
-        <a:font script="Mlym" typeface="Kartika"/>
-        <a:font script="Laoo" typeface="DokChampa"/>
-        <a:font script="Sinh" typeface="Iskoola Pota"/>
-        <a:font script="Mong" typeface="Mongolian Baiti"/>
-        <a:font script="Viet" typeface="Times New Roman"/>
-        <a:font script="Uigh" typeface="Microsoft Uighur"/>
-        <a:font script="Geor" typeface="Sylfaen"/>
-      </a:majorFont>
-      <a:minorFont>
-        <a:latin typeface="Arial"/>
-        <a:ea typeface=""/>
-        <a:cs typeface=""/>
-        <a:font script="Jpan" typeface="ＭＳ Ｐゴシック"/>
-        <a:font script="Hang" typeface="맑은 고딕"/>
-        <a:font script="Hans" typeface="宋体"/>
-        <a:font script="Hant" typeface="新細明體"/>
-        <a:font script="Arab" typeface="Arial"/>
-        <a:font script="Hebr" typeface="Arial"/>
-        <a:font script="Thai" typeface="Cordia New"/>
-        <a:font script="Ethi" typeface="Nyala"/>
-        <a:font script="Beng" typeface="Vrinda"/>
-        <a:font script="Gujr" typeface="Shruti"/>
-        <a:font script="Khmr" typeface="DaunPenh"/>
-        <a:font script="Knda" typeface="Tunga"/>
-        <a:font script="Guru" typeface="Raavi"/>
-        <a:font script="Cans" typeface="Euphemia"/>
-        <a:font script="Cher" typeface="Plantagenet Cherokee"/>
-        <a:font script="Yiii" typeface="Microsoft Yi Baiti"/>
-        <a:font script="Tibt" typeface="Microsoft Himalaya"/>
-        <a:font script="Thaa" typeface="MV Boli"/>
-        <a:font script="Deva" typeface="Mangal"/>
-        <a:font script="Telu" typeface="Gautami"/>
-        <a:font script="Taml" typeface="Latha"/>
-        <a:font script="Syrc" typeface="Estrangelo Edessa"/>
-        <a:font script="Orya" typeface="Kalinga"/>
-        <a:font script="Mlym" typeface="Kartika"/>
-        <a:font script="Laoo" typeface="DokChampa"/>
-        <a:font script="Sinh" typeface="Iskoola Pota"/>
-        <a:font script="Mong" typeface="Mongolian Baiti"/>
-        <a:font script="Viet" typeface="Arial"/>
-        <a:font script="Uigh" typeface="Microsoft Uighur"/>
-        <a:font script="Geor" typeface="Sylfaen"/>
-      </a:minorFont>
-    </a:fontScheme>
-    <a:fmtScheme name="Office">
-      <a:fillStyleLst>
-        <a:solidFill>
-          <a:schemeClr val="phClr"/>
-        </a:solidFill>
-        <a:gradFill rotWithShape="1">
-          <a:gsLst>
-            <a:gs pos="0">
-              <a:schemeClr val="phClr">
-                <a:tint val="50000"/>
-                <a:satMod val="300000"/>
-              </a:schemeClr>
-            </a:gs>
-            <a:gs pos="35000">
-              <a:schemeClr val="phClr">
-                <a:tint val="37000"/>
-                <a:satMod val="300000"/>
-              </a:schemeClr>
-            </a:gs>
-            <a:gs pos="100000">
-              <a:schemeClr val="phClr">
-                <a:tint val="15000"/>
-                <a:satMod val="350000"/>
-              </a:schemeClr>
-            </a:gs>
-          </a:gsLst>
-          <a:lin ang="16200000" scaled="1"/>
-        </a:gradFill>
-        <a:gradFill rotWithShape="1">
-          <a:gsLst>
-            <a:gs pos="0">
-              <a:schemeClr val="phClr">
-                <a:tint val="100000"/>
-                <a:shade val="100000"/>
-                <a:satMod val="130000"/>
-              </a:schemeClr>
-            </a:gs>
-            <a:gs pos="100000">
-              <a:schemeClr val="phClr">
-                <a:tint val="50000"/>
-                <a:shade val="100000"/>
-                <a:satMod val="350000"/>
-              </a:schemeClr>
-            </a:gs>
-          </a:gsLst>
-          <a:lin ang="16200000" scaled="0"/>
-        </a:gradFill>
-      </a:fillStyleLst>
-      <a:lnStyleLst>
-        <a:ln w="9525" cap="flat" cmpd="sng" algn="ctr">
-          <a:solidFill>
-            <a:schemeClr val="phClr">
-              <a:shade val="95000"/>
-              <a:satMod val="105000"/>
-            </a:schemeClr>
-          </a:solidFill>
-          <a:prstDash val="solid"/>
-        </a:ln>
-        <a:ln w="25400" cap="flat" cmpd="sng" algn="ctr">
-          <a:solidFill>
-            <a:schemeClr val="phClr"/>
-          </a:solidFill>
-          <a:prstDash val="solid"/>
-        </a:ln>
-        <a:ln w="38100" cap="flat" cmpd="sng" algn="ctr">
-          <a:solidFill>
-            <a:schemeClr val="phClr"/>
-          </a:solidFill>
-          <a:prstDash val="solid"/>
-        </a:ln>
-      </a:lnStyleLst>
-      <a:effectStyleLst>
-        <a:effectStyle>
-          <a:effectLst>
-            <a:outerShdw blurRad="40000" dist="20000" dir="5400000" rotWithShape="0">
-              <a:srgbClr val="000000">
-                <a:alpha val="38000"/>
-              </a:srgbClr>
-            </a:outerShdw>
-          </a:effectLst>
-        </a:effectStyle>
-        <a:effectStyle>
-          <a:effectLst>
-            <a:outerShdw blurRad="40000" dist="23000" dir="5400000" rotWithShape="0">
-              <a:srgbClr val="000000">
-                <a:alpha val="35000"/>
-              </a:srgbClr>
-            </a:outerShdw>
-          </a:effectLst>
-        </a:effectStyle>
-        <a:effectStyle>
-          <a:effectLst>
-            <a:outerShdw blurRad="40000" dist="23000" dir="5400000" rotWithShape="0">
-              <a:srgbClr val="000000">
-                <a:alpha val="35000"/>
-              </a:srgbClr>
-            </a:outerShdw>
-          </a:effectLst>
-          <a:scene3d>
-            <a:camera prst="orthographicFront">
-              <a:rot lat="0" lon="0" rev="0"/>
-            </a:camera>
-            <a:lightRig rig="threePt" dir="t">
-              <a:rot lat="0" lon="0" rev="1200000"/>
-            </a:lightRig>
-          </a:scene3d>
-          <a:sp3d>
-            <a:bevelT w="63500" h="25400"/>
-          </a:sp3d>
-        </a:effectStyle>
-      </a:effectStyleLst>
-      <a:bgFillStyleLst>
-        <a:solidFill>
-          <a:schemeClr val="phClr"/>
-        </a:solidFill>
-        <a:gradFill rotWithShape="1">
-          <a:gsLst>
-            <a:gs pos="0">
-              <a:schemeClr val="phClr">
-                <a:tint val="40000"/>
-                <a:satMod val="350000"/>
-              </a:schemeClr>
-            </a:gs>
-            <a:gs pos="40000">
-              <a:schemeClr val="phClr">
-                <a:tint val="45000"/>
-                <a:shade val="99000"/>
-                <a:satMod val="350000"/>
-              </a:schemeClr>
-            </a:gs>
-            <a:gs pos="100000">
-              <a:schemeClr val="phClr">
-                <a:shade val="20000"/>
-                <a:satMod val="255000"/>
-              </a:schemeClr>
-            </a:gs>
-          </a:gsLst>
-          <a:path path="circle">
-            <a:fillToRect l="50000" t="-80000" r="50000" b="180000"/>
-          </a:path>
-        </a:gradFill>
-        <a:gradFill rotWithShape="1">
-          <a:gsLst>
-            <a:gs pos="0">
-              <a:schemeClr val="phClr">
-                <a:tint val="80000"/>
-                <a:satMod val="300000"/>
-              </a:schemeClr>
-            </a:gs>
-            <a:gs pos="100000">
-              <a:schemeClr val="phClr">
-                <a:shade val="30000"/>
-                <a:satMod val="200000"/>
-              </a:schemeClr>
-            </a:gs>
-          </a:gsLst>
-          <a:path path="circle">
-            <a:fillToRect l="50000" t="50000" r="50000" b="50000"/>
-          </a:path>
-        </a:gradFill>
-      </a:bgFillStyleLst>
-    </a:fmtScheme>
-  </a:themeElements>
-</a:theme>
 </file>